--- a/05-testing.pptx
+++ b/05-testing.pptx
@@ -5,37 +5,32 @@
     <p:sldMasterId id="2147483935" r:id="rId4"/>
   </p:sldMasterIdLst>
   <p:notesMasterIdLst>
-    <p:notesMasterId r:id="rId30"/>
+    <p:notesMasterId r:id="rId25"/>
   </p:notesMasterIdLst>
   <p:handoutMasterIdLst>
-    <p:handoutMasterId r:id="rId31"/>
+    <p:handoutMasterId r:id="rId26"/>
   </p:handoutMasterIdLst>
   <p:sldIdLst>
     <p:sldId id="318" r:id="rId5"/>
     <p:sldId id="320" r:id="rId6"/>
-    <p:sldId id="582" r:id="rId7"/>
-    <p:sldId id="276" r:id="rId8"/>
-    <p:sldId id="280" r:id="rId9"/>
-    <p:sldId id="575" r:id="rId10"/>
-    <p:sldId id="577" r:id="rId11"/>
-    <p:sldId id="487" r:id="rId12"/>
-    <p:sldId id="465" r:id="rId13"/>
-    <p:sldId id="580" r:id="rId14"/>
-    <p:sldId id="581" r:id="rId15"/>
-    <p:sldId id="469" r:id="rId16"/>
-    <p:sldId id="470" r:id="rId17"/>
-    <p:sldId id="472" r:id="rId18"/>
-    <p:sldId id="486" r:id="rId19"/>
-    <p:sldId id="584" r:id="rId20"/>
-    <p:sldId id="299" r:id="rId21"/>
-    <p:sldId id="586" r:id="rId22"/>
-    <p:sldId id="489" r:id="rId23"/>
-    <p:sldId id="579" r:id="rId24"/>
-    <p:sldId id="571" r:id="rId25"/>
-    <p:sldId id="578" r:id="rId26"/>
-    <p:sldId id="467" r:id="rId27"/>
-    <p:sldId id="576" r:id="rId28"/>
-    <p:sldId id="265" r:id="rId29"/>
+    <p:sldId id="276" r:id="rId7"/>
+    <p:sldId id="280" r:id="rId8"/>
+    <p:sldId id="575" r:id="rId9"/>
+    <p:sldId id="577" r:id="rId10"/>
+    <p:sldId id="487" r:id="rId11"/>
+    <p:sldId id="465" r:id="rId12"/>
+    <p:sldId id="580" r:id="rId13"/>
+    <p:sldId id="581" r:id="rId14"/>
+    <p:sldId id="469" r:id="rId15"/>
+    <p:sldId id="470" r:id="rId16"/>
+    <p:sldId id="472" r:id="rId17"/>
+    <p:sldId id="486" r:id="rId18"/>
+    <p:sldId id="584" r:id="rId19"/>
+    <p:sldId id="299" r:id="rId20"/>
+    <p:sldId id="586" r:id="rId21"/>
+    <p:sldId id="489" r:id="rId22"/>
+    <p:sldId id="579" r:id="rId23"/>
+    <p:sldId id="571" r:id="rId24"/>
   </p:sldIdLst>
   <p:sldSz cx="12188825" cy="6858000"/>
   <p:notesSz cx="7010400" cy="9296400"/>
@@ -279,7 +274,7 @@
           <a:p>
             <a:fld id="{0B842F42-2CE9-4E35-95C1-410DC08A50B1}" type="datetimeFigureOut">
               <a:rPr lang="en-US" smtClean="0"/>
-              <a:t>6/9/20</a:t>
+              <a:t>7/29/20</a:t>
             </a:fld>
             <a:endParaRPr lang="en-US"/>
           </a:p>
@@ -444,7 +439,7 @@
           <a:p>
             <a:fld id="{6F282904-F315-4730-8D91-37D99E141A6F}" type="datetimeFigureOut">
               <a:rPr lang="en-US" smtClean="0"/>
-              <a:t>6/9/20</a:t>
+              <a:t>7/29/20</a:t>
             </a:fld>
             <a:endParaRPr lang="en-US"/>
           </a:p>
@@ -781,7 +776,7 @@
           <a:p>
             <a:fld id="{A546EF7F-2180-5947-8246-D3E867E2B048}" type="slidenum">
               <a:rPr lang="en-US" smtClean="0"/>
-              <a:t>9</a:t>
+              <a:t>8</a:t>
             </a:fld>
             <a:endParaRPr lang="en-US"/>
           </a:p>
@@ -1311,264 +1306,6 @@
 </file>
 
 <file path=ppt/slideLayouts/slideLayout10.xml><?xml version="1.0" encoding="utf-8"?>
-<p:sldLayout xmlns:a="http://schemas.openxmlformats.org/drawingml/2006/main" xmlns:r="http://schemas.openxmlformats.org/officeDocument/2006/relationships" xmlns:p="http://schemas.openxmlformats.org/presentationml/2006/main" showMasterSp="0" preserve="1" userDrawn="1">
-  <p:cSld name="1_*Section Break">
-    <p:spTree>
-      <p:nvGrpSpPr>
-        <p:cNvPr id="1" name=""/>
-        <p:cNvGrpSpPr/>
-        <p:nvPr/>
-      </p:nvGrpSpPr>
-      <p:grpSpPr>
-        <a:xfrm>
-          <a:off x="0" y="0"/>
-          <a:ext cx="0" cy="0"/>
-          <a:chOff x="0" y="0"/>
-          <a:chExt cx="0" cy="0"/>
-        </a:xfrm>
-      </p:grpSpPr>
-      <p:pic>
-        <p:nvPicPr>
-          <p:cNvPr id="37" name="Picture 36" descr="aerial view of Argonne with APS in front 5730-00068.jpg"/>
-          <p:cNvPicPr>
-            <a:picLocks noChangeAspect="1"/>
-          </p:cNvPicPr>
-          <p:nvPr userDrawn="1"/>
-        </p:nvPicPr>
-        <p:blipFill rotWithShape="1">
-          <a:blip r:embed="rId2" cstate="email">
-            <a:extLst>
-              <a:ext uri="{28A0092B-C50C-407E-A947-70E740481C1C}">
-                <a14:useLocalDpi xmlns:a14="http://schemas.microsoft.com/office/drawing/2010/main" val="0"/>
-              </a:ext>
-            </a:extLst>
-          </a:blip>
-          <a:srcRect t="10682" b="7135"/>
-          <a:stretch/>
-        </p:blipFill>
-        <p:spPr>
-          <a:xfrm>
-            <a:off x="0" y="1"/>
-            <a:ext cx="12188825" cy="5984917"/>
-          </a:xfrm>
-          <a:prstGeom prst="rect">
-            <a:avLst/>
-          </a:prstGeom>
-        </p:spPr>
-      </p:pic>
-      <p:sp>
-        <p:nvSpPr>
-          <p:cNvPr id="3" name="Text Placeholder 2"/>
-          <p:cNvSpPr>
-            <a:spLocks noGrp="1"/>
-          </p:cNvSpPr>
-          <p:nvPr>
-            <p:ph type="body" sz="quarter" idx="10" hasCustomPrompt="1"/>
-          </p:nvPr>
-        </p:nvSpPr>
-        <p:spPr>
-          <a:xfrm>
-            <a:off x="2" y="-14246"/>
-            <a:ext cx="12188824" cy="5999163"/>
-          </a:xfrm>
-          <a:solidFill>
-            <a:schemeClr val="tx2">
-              <a:alpha val="90000"/>
-            </a:schemeClr>
-          </a:solidFill>
-        </p:spPr>
-        <p:txBody>
-          <a:bodyPr lIns="457200" tIns="0" bIns="457200" anchor="ctr"/>
-          <a:lstStyle>
-            <a:lvl1pPr marL="0" indent="0">
-              <a:buNone/>
-              <a:defRPr sz="2800" b="1" cap="all" baseline="0">
-                <a:solidFill>
-                  <a:schemeClr val="bg1"/>
-                </a:solidFill>
-              </a:defRPr>
-            </a:lvl1pPr>
-          </a:lstStyle>
-          <a:p>
-            <a:pPr lvl="0"/>
-            <a:r>
-              <a:rPr lang="en-US" dirty="0"/>
-              <a:t>Type in SECTION BREAK TITLE</a:t>
-            </a:r>
-          </a:p>
-        </p:txBody>
-      </p:sp>
-      <p:pic>
-        <p:nvPicPr>
-          <p:cNvPr id="5" name="Picture 4">
-            <a:extLst>
-              <a:ext uri="{FF2B5EF4-FFF2-40B4-BE49-F238E27FC236}">
-                <a16:creationId xmlns:a16="http://schemas.microsoft.com/office/drawing/2014/main" id="{C69AFFCA-476B-3D43-BA2A-8057D08F7956}"/>
-              </a:ext>
-            </a:extLst>
-          </p:cNvPr>
-          <p:cNvPicPr>
-            <a:picLocks noChangeAspect="1"/>
-          </p:cNvPicPr>
-          <p:nvPr userDrawn="1"/>
-        </p:nvPicPr>
-        <p:blipFill>
-          <a:blip r:embed="rId3" cstate="print">
-            <a:extLst>
-              <a:ext uri="{28A0092B-C50C-407E-A947-70E740481C1C}">
-                <a14:useLocalDpi xmlns:a14="http://schemas.microsoft.com/office/drawing/2010/main" val="0"/>
-              </a:ext>
-            </a:extLst>
-          </a:blip>
-          <a:stretch>
-            <a:fillRect/>
-          </a:stretch>
-        </p:blipFill>
-        <p:spPr>
-          <a:xfrm>
-            <a:off x="9741160" y="6183517"/>
-            <a:ext cx="1971212" cy="533060"/>
-          </a:xfrm>
-          <a:prstGeom prst="rect">
-            <a:avLst/>
-          </a:prstGeom>
-        </p:spPr>
-      </p:pic>
-      <p:sp>
-        <p:nvSpPr>
-          <p:cNvPr id="8" name="Rectangle 6">
-            <a:extLst>
-              <a:ext uri="{FF2B5EF4-FFF2-40B4-BE49-F238E27FC236}">
-                <a16:creationId xmlns:a16="http://schemas.microsoft.com/office/drawing/2014/main" id="{242ABDB4-62F0-7B4B-8A6A-8FD308A96B7A}"/>
-              </a:ext>
-            </a:extLst>
-          </p:cNvPr>
-          <p:cNvSpPr>
-            <a:spLocks noChangeArrowheads="1"/>
-          </p:cNvSpPr>
-          <p:nvPr userDrawn="1"/>
-        </p:nvSpPr>
-        <p:spPr bwMode="auto">
-          <a:xfrm flipH="1">
-            <a:off x="163374" y="6513051"/>
-            <a:ext cx="515635" cy="146511"/>
-          </a:xfrm>
-          <a:prstGeom prst="rect">
-            <a:avLst/>
-          </a:prstGeom>
-          <a:noFill/>
-          <a:ln w="9525">
-            <a:noFill/>
-            <a:miter lim="800000"/>
-            <a:headEnd/>
-            <a:tailEnd/>
-          </a:ln>
-          <a:effectLst/>
-        </p:spPr>
-        <p:txBody>
-          <a:bodyPr lIns="0" tIns="0" rIns="0" bIns="0"/>
-          <a:lstStyle/>
-          <a:p>
-            <a:pPr algn="l" defTabSz="173038">
-              <a:lnSpc>
-                <a:spcPct val="90000"/>
-              </a:lnSpc>
-              <a:tabLst>
-                <a:tab pos="230188" algn="l"/>
-              </a:tabLst>
-              <a:defRPr/>
-            </a:pPr>
-            <a:fld id="{040BB257-551A-4736-B50F-DCF1BA034C06}" type="slidenum">
-              <a:rPr lang="en-US" sz="1000" smtClean="0">
-                <a:solidFill>
-                  <a:schemeClr val="tx1"/>
-                </a:solidFill>
-                <a:latin typeface="Arial" pitchFamily="34" charset="0"/>
-                <a:cs typeface="Arial" pitchFamily="34" charset="0"/>
-              </a:rPr>
-              <a:pPr algn="l" defTabSz="173038">
-                <a:lnSpc>
-                  <a:spcPct val="90000"/>
-                </a:lnSpc>
-                <a:tabLst>
-                  <a:tab pos="230188" algn="l"/>
-                </a:tabLst>
-                <a:defRPr/>
-              </a:pPr>
-              <a:t>‹#›</a:t>
-            </a:fld>
-            <a:endParaRPr lang="en-US" sz="1000" dirty="0">
-              <a:solidFill>
-                <a:schemeClr val="tx1"/>
-              </a:solidFill>
-              <a:latin typeface="Arial" pitchFamily="34" charset="0"/>
-              <a:cs typeface="Arial" pitchFamily="34" charset="0"/>
-            </a:endParaRPr>
-          </a:p>
-        </p:txBody>
-      </p:sp>
-      <p:pic>
-        <p:nvPicPr>
-          <p:cNvPr id="10" name="Picture 9" descr="IDEAS_logo.png">
-            <a:extLst>
-              <a:ext uri="{FF2B5EF4-FFF2-40B4-BE49-F238E27FC236}">
-                <a16:creationId xmlns:a16="http://schemas.microsoft.com/office/drawing/2014/main" id="{C42140C9-81A5-2246-A51B-3AFFB45AAB95}"/>
-              </a:ext>
-            </a:extLst>
-          </p:cNvPr>
-          <p:cNvPicPr>
-            <a:picLocks noChangeAspect="1"/>
-          </p:cNvPicPr>
-          <p:nvPr userDrawn="1"/>
-        </p:nvPicPr>
-        <p:blipFill>
-          <a:blip r:embed="rId4" cstate="print">
-            <a:extLst>
-              <a:ext uri="{28A0092B-C50C-407E-A947-70E740481C1C}">
-                <a14:useLocalDpi xmlns:a14="http://schemas.microsoft.com/office/drawing/2010/main"/>
-              </a:ext>
-            </a:extLst>
-          </a:blip>
-          <a:stretch>
-            <a:fillRect/>
-          </a:stretch>
-        </p:blipFill>
-        <p:spPr>
-          <a:xfrm>
-            <a:off x="7663530" y="6156960"/>
-            <a:ext cx="1845330" cy="640080"/>
-          </a:xfrm>
-          <a:prstGeom prst="rect">
-            <a:avLst/>
-          </a:prstGeom>
-        </p:spPr>
-      </p:pic>
-    </p:spTree>
-    <p:extLst>
-      <p:ext uri="{BB962C8B-B14F-4D97-AF65-F5344CB8AC3E}">
-        <p14:creationId xmlns:p14="http://schemas.microsoft.com/office/powerpoint/2010/main" val="2486950759"/>
-      </p:ext>
-    </p:extLst>
-  </p:cSld>
-  <p:clrMapOvr>
-    <a:masterClrMapping/>
-  </p:clrMapOvr>
-  <mc:AlternateContent xmlns:mc="http://schemas.openxmlformats.org/markup-compatibility/2006" xmlns:p14="http://schemas.microsoft.com/office/powerpoint/2010/main">
-    <mc:Choice Requires="p14">
-      <p:transition p14:dur="250">
-        <p:fade/>
-      </p:transition>
-    </mc:Choice>
-    <mc:Fallback xmlns="">
-      <p:transition>
-        <p:fade/>
-      </p:transition>
-    </mc:Fallback>
-  </mc:AlternateContent>
-</p:sldLayout>
-</file>
-
-<file path=ppt/slideLayouts/slideLayout11.xml><?xml version="1.0" encoding="utf-8"?>
 <p:sldLayout xmlns:a="http://schemas.openxmlformats.org/drawingml/2006/main" xmlns:r="http://schemas.openxmlformats.org/officeDocument/2006/relationships" xmlns:p="http://schemas.openxmlformats.org/presentationml/2006/main" showMasterSp="0" userDrawn="1">
   <p:cSld name="*Section Break">
     <p:spTree>
@@ -1617,7 +1354,7 @@
           <a:noFill/>
           <a:extLst>
             <a:ext uri="{909E8E84-426E-40dd-AFC4-6F175D3DCCD1}">
-              <a14:hiddenFill xmlns:a14="http://schemas.microsoft.com/office/drawing/2010/main" xmlns="">
+              <a14:hiddenFill xmlns="" xmlns:a14="http://schemas.microsoft.com/office/drawing/2010/main">
                 <a:solidFill>
                   <a:srgbClr val="FFFFFF"/>
                 </a:solidFill>
@@ -1722,7 +1459,7 @@
 </p:sldLayout>
 </file>
 
-<file path=ppt/slideLayouts/slideLayout12.xml><?xml version="1.0" encoding="utf-8"?>
+<file path=ppt/slideLayouts/slideLayout11.xml><?xml version="1.0" encoding="utf-8"?>
 <p:sldLayout xmlns:a="http://schemas.openxmlformats.org/drawingml/2006/main" xmlns:r="http://schemas.openxmlformats.org/officeDocument/2006/relationships" xmlns:p="http://schemas.openxmlformats.org/presentationml/2006/main" showMasterSp="0" userDrawn="1">
   <p:cSld name="*Closing slide">
     <p:spTree>
@@ -1771,7 +1508,7 @@
           <a:noFill/>
           <a:extLst>
             <a:ext uri="{909E8E84-426E-40dd-AFC4-6F175D3DCCD1}">
-              <a14:hiddenFill xmlns:a14="http://schemas.microsoft.com/office/drawing/2010/main" xmlns="">
+              <a14:hiddenFill xmlns="" xmlns:a14="http://schemas.microsoft.com/office/drawing/2010/main">
                 <a:solidFill>
                   <a:srgbClr val="FFFFFF"/>
                 </a:solidFill>
@@ -4150,8 +3887,8 @@
 </file>
 
 <file path=ppt/slideLayouts/slideLayout9.xml><?xml version="1.0" encoding="utf-8"?>
-<p:sldLayout xmlns:a="http://schemas.openxmlformats.org/drawingml/2006/main" xmlns:r="http://schemas.openxmlformats.org/officeDocument/2006/relationships" xmlns:p="http://schemas.openxmlformats.org/presentationml/2006/main">
-  <p:cSld name="*Title and Content">
+<p:sldLayout xmlns:a="http://schemas.openxmlformats.org/drawingml/2006/main" xmlns:r="http://schemas.openxmlformats.org/officeDocument/2006/relationships" xmlns:p="http://schemas.openxmlformats.org/presentationml/2006/main" showMasterSp="0" preserve="1" userDrawn="1">
+  <p:cSld name="1_*Section Break">
     <p:spTree>
       <p:nvGrpSpPr>
         <p:cNvPr id="1" name=""/>
@@ -4166,152 +3903,226 @@
           <a:chExt cx="0" cy="0"/>
         </a:xfrm>
       </p:grpSpPr>
+      <p:pic>
+        <p:nvPicPr>
+          <p:cNvPr id="37" name="Picture 36" descr="aerial view of Argonne with APS in front 5730-00068.jpg"/>
+          <p:cNvPicPr>
+            <a:picLocks noChangeAspect="1"/>
+          </p:cNvPicPr>
+          <p:nvPr userDrawn="1"/>
+        </p:nvPicPr>
+        <p:blipFill rotWithShape="1">
+          <a:blip r:embed="rId2" cstate="email">
+            <a:extLst>
+              <a:ext uri="{28A0092B-C50C-407E-A947-70E740481C1C}">
+                <a14:useLocalDpi xmlns:a14="http://schemas.microsoft.com/office/drawing/2010/main" val="0"/>
+              </a:ext>
+            </a:extLst>
+          </a:blip>
+          <a:srcRect t="10682" b="7135"/>
+          <a:stretch/>
+        </p:blipFill>
+        <p:spPr>
+          <a:xfrm>
+            <a:off x="0" y="1"/>
+            <a:ext cx="12188825" cy="5984917"/>
+          </a:xfrm>
+          <a:prstGeom prst="rect">
+            <a:avLst/>
+          </a:prstGeom>
+        </p:spPr>
+      </p:pic>
       <p:sp>
         <p:nvSpPr>
-          <p:cNvPr id="2" name="Title 1"/>
+          <p:cNvPr id="3" name="Text Placeholder 2"/>
           <p:cNvSpPr>
             <a:spLocks noGrp="1"/>
           </p:cNvSpPr>
           <p:nvPr>
-            <p:ph type="title" hasCustomPrompt="1"/>
+            <p:ph type="body" sz="quarter" idx="10" hasCustomPrompt="1"/>
           </p:nvPr>
         </p:nvSpPr>
         <p:spPr>
           <a:xfrm>
-            <a:off x="365760" y="411484"/>
-            <a:ext cx="11376442" cy="929742"/>
+            <a:off x="2" y="-14246"/>
+            <a:ext cx="12188824" cy="5999163"/>
           </a:xfrm>
+          <a:solidFill>
+            <a:schemeClr val="tx2">
+              <a:alpha val="90000"/>
+            </a:schemeClr>
+          </a:solidFill>
         </p:spPr>
         <p:txBody>
-          <a:bodyPr/>
-          <a:lstStyle>
-            <a:lvl1pPr>
-              <a:defRPr b="1"/>
-            </a:lvl1pPr>
-          </a:lstStyle>
-          <a:p>
-            <a:r>
-              <a:rPr lang="en-US" dirty="0"/>
-              <a:t>BASIC CONTENT SLIDE</a:t>
-            </a:r>
-            <a:br>
-              <a:rPr lang="en-US" dirty="0"/>
-            </a:br>
-            <a:r>
-              <a:rPr lang="en-US" dirty="0"/>
-              <a:t>one or two lines for headline</a:t>
-            </a:r>
-          </a:p>
-        </p:txBody>
-      </p:sp>
-      <p:sp>
-        <p:nvSpPr>
-          <p:cNvPr id="3" name="Content Placeholder 2"/>
-          <p:cNvSpPr>
-            <a:spLocks noGrp="1"/>
-          </p:cNvSpPr>
-          <p:nvPr>
-            <p:ph idx="1" hasCustomPrompt="1"/>
-          </p:nvPr>
-        </p:nvSpPr>
-        <p:spPr>
-          <a:xfrm>
-            <a:off x="609442" y="1714985"/>
-            <a:ext cx="11160961" cy="4422776"/>
-          </a:xfrm>
-        </p:spPr>
-        <p:txBody>
-          <a:bodyPr/>
-          <a:lstStyle>
-            <a:lvl1pPr>
-              <a:defRPr baseline="0"/>
-            </a:lvl1pPr>
-          </a:lstStyle>
-          <a:p>
-            <a:pPr lvl="0"/>
-            <a:r>
-              <a:rPr lang="en-US" dirty="0"/>
-              <a:t>Click to add 1st-level bullet. Click an icon below to add table, graph or other imagery.</a:t>
-            </a:r>
-          </a:p>
-          <a:p>
-            <a:pPr lvl="1"/>
-            <a:r>
-              <a:rPr lang="en-US" dirty="0"/>
-              <a:t>Second level</a:t>
-            </a:r>
-          </a:p>
-          <a:p>
-            <a:pPr lvl="2"/>
-            <a:r>
-              <a:rPr lang="en-US" dirty="0"/>
-              <a:t>Third level</a:t>
-            </a:r>
-          </a:p>
-          <a:p>
-            <a:pPr lvl="3"/>
-            <a:r>
-              <a:rPr lang="en-US" dirty="0"/>
-              <a:t>Fourth level</a:t>
-            </a:r>
-          </a:p>
-          <a:p>
-            <a:pPr lvl="4"/>
-            <a:r>
-              <a:rPr lang="en-US" dirty="0"/>
-              <a:t>Fifth level</a:t>
-            </a:r>
-          </a:p>
-        </p:txBody>
-      </p:sp>
-      <p:sp>
-        <p:nvSpPr>
-          <p:cNvPr id="6" name="Text Placeholder 5"/>
-          <p:cNvSpPr>
-            <a:spLocks noGrp="1"/>
-          </p:cNvSpPr>
-          <p:nvPr>
-            <p:ph type="body" sz="quarter" idx="12" hasCustomPrompt="1"/>
-          </p:nvPr>
-        </p:nvSpPr>
-        <p:spPr>
-          <a:xfrm>
-            <a:off x="609442" y="1168750"/>
-            <a:ext cx="11160961" cy="499715"/>
-          </a:xfrm>
-        </p:spPr>
-        <p:txBody>
-          <a:bodyPr bIns="0">
-            <a:noAutofit/>
-          </a:bodyPr>
+          <a:bodyPr lIns="457200" tIns="0" bIns="457200" anchor="ctr"/>
           <a:lstStyle>
             <a:lvl1pPr marL="0" indent="0">
-              <a:lnSpc>
-                <a:spcPct val="90000"/>
-              </a:lnSpc>
-              <a:spcBef>
-                <a:spcPts val="0"/>
-              </a:spcBef>
               <a:buNone/>
-              <a:defRPr sz="1999" b="1" baseline="0">
+              <a:defRPr sz="2800" b="1" cap="all" baseline="0">
                 <a:solidFill>
-                  <a:schemeClr val="accent2"/>
+                  <a:schemeClr val="bg1"/>
                 </a:solidFill>
               </a:defRPr>
             </a:lvl1pPr>
           </a:lstStyle>
           <a:p>
-            <a:r>
-              <a:rPr lang="en-US" dirty="0"/>
-              <a:t>Slide subtitle optional -  delete as needed</a:t>
+            <a:pPr lvl="0"/>
+            <a:r>
+              <a:rPr lang="en-US" dirty="0"/>
+              <a:t>Type in SECTION BREAK TITLE</a:t>
             </a:r>
           </a:p>
         </p:txBody>
       </p:sp>
+      <p:pic>
+        <p:nvPicPr>
+          <p:cNvPr id="5" name="Picture 4">
+            <a:extLst>
+              <a:ext uri="{FF2B5EF4-FFF2-40B4-BE49-F238E27FC236}">
+                <a16:creationId xmlns:a16="http://schemas.microsoft.com/office/drawing/2014/main" id="{C69AFFCA-476B-3D43-BA2A-8057D08F7956}"/>
+              </a:ext>
+            </a:extLst>
+          </p:cNvPr>
+          <p:cNvPicPr>
+            <a:picLocks noChangeAspect="1"/>
+          </p:cNvPicPr>
+          <p:nvPr userDrawn="1"/>
+        </p:nvPicPr>
+        <p:blipFill>
+          <a:blip r:embed="rId3" cstate="print">
+            <a:extLst>
+              <a:ext uri="{28A0092B-C50C-407E-A947-70E740481C1C}">
+                <a14:useLocalDpi xmlns:a14="http://schemas.microsoft.com/office/drawing/2010/main" val="0"/>
+              </a:ext>
+            </a:extLst>
+          </a:blip>
+          <a:stretch>
+            <a:fillRect/>
+          </a:stretch>
+        </p:blipFill>
+        <p:spPr>
+          <a:xfrm>
+            <a:off x="9741160" y="6183517"/>
+            <a:ext cx="1971212" cy="533060"/>
+          </a:xfrm>
+          <a:prstGeom prst="rect">
+            <a:avLst/>
+          </a:prstGeom>
+        </p:spPr>
+      </p:pic>
+      <p:sp>
+        <p:nvSpPr>
+          <p:cNvPr id="8" name="Rectangle 6">
+            <a:extLst>
+              <a:ext uri="{FF2B5EF4-FFF2-40B4-BE49-F238E27FC236}">
+                <a16:creationId xmlns:a16="http://schemas.microsoft.com/office/drawing/2014/main" id="{242ABDB4-62F0-7B4B-8A6A-8FD308A96B7A}"/>
+              </a:ext>
+            </a:extLst>
+          </p:cNvPr>
+          <p:cNvSpPr>
+            <a:spLocks noChangeArrowheads="1"/>
+          </p:cNvSpPr>
+          <p:nvPr userDrawn="1"/>
+        </p:nvSpPr>
+        <p:spPr bwMode="auto">
+          <a:xfrm flipH="1">
+            <a:off x="163374" y="6513051"/>
+            <a:ext cx="515635" cy="146511"/>
+          </a:xfrm>
+          <a:prstGeom prst="rect">
+            <a:avLst/>
+          </a:prstGeom>
+          <a:noFill/>
+          <a:ln w="9525">
+            <a:noFill/>
+            <a:miter lim="800000"/>
+            <a:headEnd/>
+            <a:tailEnd/>
+          </a:ln>
+          <a:effectLst/>
+        </p:spPr>
+        <p:txBody>
+          <a:bodyPr lIns="0" tIns="0" rIns="0" bIns="0"/>
+          <a:lstStyle/>
+          <a:p>
+            <a:pPr algn="l" defTabSz="173038">
+              <a:lnSpc>
+                <a:spcPct val="90000"/>
+              </a:lnSpc>
+              <a:tabLst>
+                <a:tab pos="230188" algn="l"/>
+              </a:tabLst>
+              <a:defRPr/>
+            </a:pPr>
+            <a:fld id="{040BB257-551A-4736-B50F-DCF1BA034C06}" type="slidenum">
+              <a:rPr lang="en-US" sz="1000" smtClean="0">
+                <a:solidFill>
+                  <a:schemeClr val="tx1"/>
+                </a:solidFill>
+                <a:latin typeface="Arial" pitchFamily="34" charset="0"/>
+                <a:cs typeface="Arial" pitchFamily="34" charset="0"/>
+              </a:rPr>
+              <a:pPr algn="l" defTabSz="173038">
+                <a:lnSpc>
+                  <a:spcPct val="90000"/>
+                </a:lnSpc>
+                <a:tabLst>
+                  <a:tab pos="230188" algn="l"/>
+                </a:tabLst>
+                <a:defRPr/>
+              </a:pPr>
+              <a:t>‹#›</a:t>
+            </a:fld>
+            <a:endParaRPr lang="en-US" sz="1000" dirty="0">
+              <a:solidFill>
+                <a:schemeClr val="tx1"/>
+              </a:solidFill>
+              <a:latin typeface="Arial" pitchFamily="34" charset="0"/>
+              <a:cs typeface="Arial" pitchFamily="34" charset="0"/>
+            </a:endParaRPr>
+          </a:p>
+        </p:txBody>
+      </p:sp>
+      <p:pic>
+        <p:nvPicPr>
+          <p:cNvPr id="10" name="Picture 9" descr="IDEAS_logo.png">
+            <a:extLst>
+              <a:ext uri="{FF2B5EF4-FFF2-40B4-BE49-F238E27FC236}">
+                <a16:creationId xmlns:a16="http://schemas.microsoft.com/office/drawing/2014/main" id="{C42140C9-81A5-2246-A51B-3AFFB45AAB95}"/>
+              </a:ext>
+            </a:extLst>
+          </p:cNvPr>
+          <p:cNvPicPr>
+            <a:picLocks noChangeAspect="1"/>
+          </p:cNvPicPr>
+          <p:nvPr userDrawn="1"/>
+        </p:nvPicPr>
+        <p:blipFill>
+          <a:blip r:embed="rId4" cstate="print">
+            <a:extLst>
+              <a:ext uri="{28A0092B-C50C-407E-A947-70E740481C1C}">
+                <a14:useLocalDpi xmlns:a14="http://schemas.microsoft.com/office/drawing/2010/main"/>
+              </a:ext>
+            </a:extLst>
+          </a:blip>
+          <a:stretch>
+            <a:fillRect/>
+          </a:stretch>
+        </p:blipFill>
+        <p:spPr>
+          <a:xfrm>
+            <a:off x="7663530" y="6156960"/>
+            <a:ext cx="1845330" cy="640080"/>
+          </a:xfrm>
+          <a:prstGeom prst="rect">
+            <a:avLst/>
+          </a:prstGeom>
+        </p:spPr>
+      </p:pic>
     </p:spTree>
     <p:extLst>
       <p:ext uri="{BB962C8B-B14F-4D97-AF65-F5344CB8AC3E}">
-        <p14:creationId xmlns:p14="http://schemas.microsoft.com/office/powerpoint/2010/main" val="3170102992"/>
+        <p14:creationId xmlns:p14="http://schemas.microsoft.com/office/powerpoint/2010/main" val="2486950759"/>
       </p:ext>
     </p:extLst>
   </p:cSld>
@@ -4373,7 +4184,7 @@
           <p:nvPr userDrawn="1"/>
         </p:nvPicPr>
         <p:blipFill rotWithShape="1">
-          <a:blip r:embed="rId14">
+          <a:blip r:embed="rId13">
             <a:extLst>
               <a:ext uri="{28A0092B-C50C-407E-A947-70E740481C1C}">
                 <a14:useLocalDpi xmlns:a14="http://schemas.microsoft.com/office/drawing/2010/main" val="0"/>
@@ -4525,7 +4336,7 @@
           <p:nvPr userDrawn="1"/>
         </p:nvPicPr>
         <p:blipFill>
-          <a:blip r:embed="rId15" cstate="print">
+          <a:blip r:embed="rId14" cstate="print">
             <a:extLst>
               <a:ext uri="{28A0092B-C50C-407E-A947-70E740481C1C}">
                 <a14:useLocalDpi xmlns:a14="http://schemas.microsoft.com/office/drawing/2010/main" val="0"/>
@@ -4664,7 +4475,7 @@
           <p:nvPr userDrawn="1"/>
         </p:nvPicPr>
         <p:blipFill>
-          <a:blip r:embed="rId16" cstate="print">
+          <a:blip r:embed="rId15" cstate="print">
             <a:extLst>
               <a:ext uri="{28A0092B-C50C-407E-A947-70E740481C1C}">
                 <a14:useLocalDpi xmlns:a14="http://schemas.microsoft.com/office/drawing/2010/main"/>
@@ -4702,10 +4513,9 @@
     <p:sldLayoutId id="2147483941" r:id="rId6"/>
     <p:sldLayoutId id="2147483951" r:id="rId7"/>
     <p:sldLayoutId id="2147483952" r:id="rId8"/>
-    <p:sldLayoutId id="2147483954" r:id="rId9"/>
-    <p:sldLayoutId id="2147483958" r:id="rId10"/>
-    <p:sldLayoutId id="2147483956" r:id="rId11"/>
-    <p:sldLayoutId id="2147483957" r:id="rId12"/>
+    <p:sldLayoutId id="2147483958" r:id="rId9"/>
+    <p:sldLayoutId id="2147483956" r:id="rId10"/>
+    <p:sldLayoutId id="2147483957" r:id="rId11"/>
   </p:sldLayoutIdLst>
   <p:hf hdr="0" ftr="0" dt="0"/>
   <p:txStyles>
@@ -5186,9 +4996,10 @@
           <a:lstStyle/>
           <a:p>
             <a:r>
-              <a:rPr lang="en-US" dirty="0"/>
-              <a:t>Software Design and Testing</a:t>
-            </a:r>
+              <a:rPr lang="en-US"/>
+              <a:t>Software Testing</a:t>
+            </a:r>
+            <a:endParaRPr lang="en-US" dirty="0"/>
           </a:p>
         </p:txBody>
       </p:sp>
@@ -5405,329 +5216,6 @@
       </p:grpSpPr>
       <p:sp>
         <p:nvSpPr>
-          <p:cNvPr id="4" name="Rectangle 3">
-            <a:extLst>
-              <a:ext uri="{FF2B5EF4-FFF2-40B4-BE49-F238E27FC236}">
-                <a16:creationId xmlns:a16="http://schemas.microsoft.com/office/drawing/2014/main" id="{E6CACB3D-2497-3B47-9B85-FBABBFDFF329}"/>
-              </a:ext>
-            </a:extLst>
-          </p:cNvPr>
-          <p:cNvSpPr/>
-          <p:nvPr/>
-        </p:nvSpPr>
-        <p:spPr>
-          <a:xfrm>
-            <a:off x="219456" y="922388"/>
-            <a:ext cx="11753088" cy="1516011"/>
-          </a:xfrm>
-          <a:prstGeom prst="rect">
-            <a:avLst/>
-          </a:prstGeom>
-          <a:solidFill>
-            <a:schemeClr val="accent5">
-              <a:lumMod val="20000"/>
-              <a:lumOff val="80000"/>
-            </a:schemeClr>
-          </a:solidFill>
-          <a:ln>
-            <a:noFill/>
-          </a:ln>
-          <a:effectLst>
-            <a:outerShdw blurRad="44450" dist="27940" dir="5400000" algn="ctr">
-              <a:srgbClr val="000000">
-                <a:alpha val="32000"/>
-              </a:srgbClr>
-            </a:outerShdw>
-          </a:effectLst>
-        </p:spPr>
-        <p:txBody>
-          <a:bodyPr rot="0" spcFirstLastPara="0" vertOverflow="overflow" horzOverflow="overflow" vert="horz" wrap="square" lIns="121851" tIns="60925" rIns="121851" bIns="60925" numCol="1" spcCol="0" rtlCol="0" fromWordArt="0" anchor="ctr" anchorCtr="0" forceAA="0" compatLnSpc="1">
-            <a:prstTxWarp prst="textNoShape">
-              <a:avLst/>
-            </a:prstTxWarp>
-            <a:noAutofit/>
-          </a:bodyPr>
-          <a:lstStyle/>
-          <a:p>
-            <a:pPr algn="ctr">
-              <a:lnSpc>
-                <a:spcPct val="90000"/>
-              </a:lnSpc>
-            </a:pPr>
-            <a:endParaRPr lang="en-US" sz="2000" dirty="0">
-              <a:solidFill>
-                <a:schemeClr val="bg1"/>
-              </a:solidFill>
-            </a:endParaRPr>
-          </a:p>
-        </p:txBody>
-      </p:sp>
-      <p:sp>
-        <p:nvSpPr>
-          <p:cNvPr id="2" name="Title 1"/>
-          <p:cNvSpPr>
-            <a:spLocks noGrp="1"/>
-          </p:cNvSpPr>
-          <p:nvPr>
-            <p:ph type="title"/>
-          </p:nvPr>
-        </p:nvSpPr>
-        <p:spPr/>
-        <p:txBody>
-          <a:bodyPr/>
-          <a:lstStyle/>
-          <a:p>
-            <a:r>
-              <a:rPr lang="en-US" dirty="0"/>
-              <a:t>Test Development</a:t>
-            </a:r>
-          </a:p>
-        </p:txBody>
-      </p:sp>
-      <p:sp>
-        <p:nvSpPr>
-          <p:cNvPr id="3" name="Content Placeholder 2"/>
-          <p:cNvSpPr>
-            <a:spLocks noGrp="1"/>
-          </p:cNvSpPr>
-          <p:nvPr>
-            <p:ph sz="quarter" idx="1"/>
-          </p:nvPr>
-        </p:nvSpPr>
-        <p:spPr>
-          <a:xfrm>
-            <a:off x="365760" y="922389"/>
-            <a:ext cx="11372473" cy="5359878"/>
-          </a:xfrm>
-        </p:spPr>
-        <p:txBody>
-          <a:bodyPr>
-            <a:normAutofit/>
-          </a:bodyPr>
-          <a:lstStyle/>
-          <a:p>
-            <a:r>
-              <a:rPr lang="en-US" dirty="0"/>
-              <a:t>Development of tests and diagnostics goes hand-in-hand with code development</a:t>
-            </a:r>
-          </a:p>
-          <a:p>
-            <a:pPr lvl="1"/>
-            <a:r>
-              <a:rPr lang="en-US" dirty="0"/>
-              <a:t>Non-trivial to devise good tests, but extremely important</a:t>
-            </a:r>
-          </a:p>
-          <a:p>
-            <a:pPr lvl="1"/>
-            <a:r>
-              <a:rPr lang="en-US" dirty="0"/>
-              <a:t>Compare against simpler analytical or semi-analytical solutions</a:t>
-            </a:r>
-          </a:p>
-          <a:p>
-            <a:pPr lvl="1"/>
-            <a:r>
-              <a:rPr lang="en-US" dirty="0"/>
-              <a:t>Build confidence </a:t>
-            </a:r>
-          </a:p>
-          <a:p>
-            <a:r>
-              <a:rPr lang="en-US" dirty="0"/>
-              <a:t>When faced with legacy codes with no existing tests</a:t>
-            </a:r>
-          </a:p>
-          <a:p>
-            <a:pPr lvl="1"/>
-            <a:r>
-              <a:rPr lang="en-US" dirty="0"/>
-              <a:t>Isolate a small area of the code</a:t>
-            </a:r>
-          </a:p>
-          <a:p>
-            <a:pPr lvl="1"/>
-            <a:r>
-              <a:rPr lang="en-US" dirty="0"/>
-              <a:t>Dump a useful state snapshot</a:t>
-            </a:r>
-          </a:p>
-          <a:p>
-            <a:pPr lvl="1"/>
-            <a:r>
-              <a:rPr lang="en-US" dirty="0"/>
-              <a:t>Build a test driver</a:t>
-            </a:r>
-          </a:p>
-          <a:p>
-            <a:pPr lvl="2"/>
-            <a:r>
-              <a:rPr lang="en-US" dirty="0"/>
-              <a:t>Start with only the files in the area</a:t>
-            </a:r>
-          </a:p>
-          <a:p>
-            <a:pPr lvl="2"/>
-            <a:r>
-              <a:rPr lang="en-US" dirty="0"/>
-              <a:t>Link in dependencies</a:t>
-            </a:r>
-          </a:p>
-          <a:p>
-            <a:pPr lvl="4"/>
-            <a:r>
-              <a:rPr lang="en-US" dirty="0"/>
-              <a:t>Copy if any customizations needed</a:t>
-            </a:r>
-          </a:p>
-          <a:p>
-            <a:pPr lvl="1"/>
-            <a:r>
-              <a:rPr lang="en-US" dirty="0"/>
-              <a:t>Read in the state snapshot</a:t>
-            </a:r>
-          </a:p>
-          <a:p>
-            <a:pPr lvl="1"/>
-            <a:r>
-              <a:rPr lang="en-US" dirty="0"/>
-              <a:t>Verify correctness</a:t>
-            </a:r>
-          </a:p>
-          <a:p>
-            <a:pPr lvl="2"/>
-            <a:r>
-              <a:rPr lang="en-US" dirty="0"/>
-              <a:t>Always inject errors to verify that the test is working</a:t>
-            </a:r>
-          </a:p>
-          <a:p>
-            <a:endParaRPr lang="en-US" dirty="0"/>
-          </a:p>
-          <a:p>
-            <a:pPr marL="684212" lvl="2" indent="0">
-              <a:buNone/>
-            </a:pPr>
-            <a:endParaRPr lang="en-US" dirty="0"/>
-          </a:p>
-          <a:p>
-            <a:pPr marL="0" indent="0">
-              <a:buNone/>
-            </a:pPr>
-            <a:endParaRPr lang="en-US" dirty="0"/>
-          </a:p>
-        </p:txBody>
-      </p:sp>
-    </p:spTree>
-    <p:extLst>
-      <p:ext uri="{BB962C8B-B14F-4D97-AF65-F5344CB8AC3E}">
-        <p14:creationId xmlns:p14="http://schemas.microsoft.com/office/powerpoint/2010/main" val="3446077621"/>
-      </p:ext>
-    </p:extLst>
-  </p:cSld>
-  <p:clrMapOvr>
-    <a:masterClrMapping/>
-  </p:clrMapOvr>
-  <p:timing>
-    <p:tnLst>
-      <p:par>
-        <p:cTn id="1" dur="indefinite" restart="never" nodeType="tmRoot">
-          <p:childTnLst>
-            <p:seq concurrent="1" nextAc="seek">
-              <p:cTn id="2" dur="indefinite" nodeType="mainSeq">
-                <p:childTnLst>
-                  <p:par>
-                    <p:cTn id="3" fill="hold">
-                      <p:stCondLst>
-                        <p:cond delay="indefinite"/>
-                      </p:stCondLst>
-                      <p:childTnLst>
-                        <p:par>
-                          <p:cTn id="4" fill="hold">
-                            <p:stCondLst>
-                              <p:cond delay="0"/>
-                            </p:stCondLst>
-                            <p:childTnLst>
-                              <p:par>
-                                <p:cTn id="5" presetID="1" presetClass="entr" presetSubtype="0" fill="hold" grpId="0" nodeType="clickEffect">
-                                  <p:stCondLst>
-                                    <p:cond delay="0"/>
-                                  </p:stCondLst>
-                                  <p:childTnLst>
-                                    <p:set>
-                                      <p:cBhvr>
-                                        <p:cTn id="6" dur="1" fill="hold">
-                                          <p:stCondLst>
-                                            <p:cond delay="0"/>
-                                          </p:stCondLst>
-                                        </p:cTn>
-                                        <p:tgtEl>
-                                          <p:spTgt spid="4"/>
-                                        </p:tgtEl>
-                                        <p:attrNameLst>
-                                          <p:attrName>style.visibility</p:attrName>
-                                        </p:attrNameLst>
-                                      </p:cBhvr>
-                                      <p:to>
-                                        <p:strVal val="visible"/>
-                                      </p:to>
-                                    </p:set>
-                                  </p:childTnLst>
-                                </p:cTn>
-                              </p:par>
-                            </p:childTnLst>
-                          </p:cTn>
-                        </p:par>
-                      </p:childTnLst>
-                    </p:cTn>
-                  </p:par>
-                </p:childTnLst>
-              </p:cTn>
-              <p:prevCondLst>
-                <p:cond evt="onPrev" delay="0">
-                  <p:tgtEl>
-                    <p:sldTgt/>
-                  </p:tgtEl>
-                </p:cond>
-              </p:prevCondLst>
-              <p:nextCondLst>
-                <p:cond evt="onNext" delay="0">
-                  <p:tgtEl>
-                    <p:sldTgt/>
-                  </p:tgtEl>
-                </p:cond>
-              </p:nextCondLst>
-            </p:seq>
-          </p:childTnLst>
-        </p:cTn>
-      </p:par>
-    </p:tnLst>
-    <p:bldLst>
-      <p:bldP spid="4" grpId="0" animBg="1"/>
-    </p:bldLst>
-  </p:timing>
-</p:sld>
-</file>
-
-<file path=ppt/slides/slide11.xml><?xml version="1.0" encoding="utf-8"?>
-<p:sld xmlns:a="http://schemas.openxmlformats.org/drawingml/2006/main" xmlns:r="http://schemas.openxmlformats.org/officeDocument/2006/relationships" xmlns:p="http://schemas.openxmlformats.org/presentationml/2006/main">
-  <p:cSld>
-    <p:spTree>
-      <p:nvGrpSpPr>
-        <p:cNvPr id="1" name=""/>
-        <p:cNvGrpSpPr/>
-        <p:nvPr/>
-      </p:nvGrpSpPr>
-      <p:grpSpPr>
-        <a:xfrm>
-          <a:off x="0" y="0"/>
-          <a:ext cx="0" cy="0"/>
-          <a:chOff x="0" y="0"/>
-          <a:chExt cx="0" cy="0"/>
-        </a:xfrm>
-      </p:grpSpPr>
-      <p:sp>
-        <p:nvSpPr>
           <p:cNvPr id="2" name="Title 1">
             <a:extLst>
               <a:ext uri="{FF2B5EF4-FFF2-40B4-BE49-F238E27FC236}">
@@ -5749,7 +5237,7 @@
           <a:p>
             <a:r>
               <a:rPr lang="en-US" dirty="0"/>
-              <a:t>Workarounds for Granularity</a:t>
+              <a:t>How do you build a scaffolding of tests ?</a:t>
             </a:r>
           </a:p>
         </p:txBody>
@@ -6533,7 +6021,7 @@
 </p:sld>
 </file>
 
-<file path=ppt/slides/slide12.xml><?xml version="1.0" encoding="utf-8"?>
+<file path=ppt/slides/slide11.xml><?xml version="1.0" encoding="utf-8"?>
 <p:sld xmlns:a="http://schemas.openxmlformats.org/drawingml/2006/main" xmlns:r="http://schemas.openxmlformats.org/officeDocument/2006/relationships" xmlns:p="http://schemas.openxmlformats.org/presentationml/2006/main">
   <p:cSld>
     <p:spTree>
@@ -6566,8 +6054,12 @@
           <a:lstStyle/>
           <a:p>
             <a:r>
-              <a:rPr lang="en-US" dirty="0"/>
-              <a:t>Example from FLASH</a:t>
+              <a:rPr lang="en-US" dirty="0" err="1"/>
+              <a:t>Scaffoliding</a:t>
+            </a:r>
+            <a:r>
+              <a:rPr lang="en-US" dirty="0"/>
+              <a:t> Example from FLASH</a:t>
             </a:r>
           </a:p>
         </p:txBody>
@@ -6603,7 +6095,7 @@
           <a:p>
             <a:r>
               <a:rPr lang="en-US" dirty="0"/>
-              <a:t>Verification of guard cell fill</a:t>
+              <a:t>Verification of guard/ghost/halo  cell fill</a:t>
             </a:r>
           </a:p>
           <a:p>
@@ -6712,7 +6204,7 @@
                   <a:schemeClr val="tx1"/>
                 </a:solidFill>
               </a:rPr>
-              <a:t>Unit test</a:t>
+              <a:t>Mesh test</a:t>
             </a:r>
           </a:p>
         </p:txBody>
@@ -6808,7 +6300,7 @@
 </p:sld>
 </file>
 
-<file path=ppt/slides/slide13.xml><?xml version="1.0" encoding="utf-8"?>
+<file path=ppt/slides/slide12.xml><?xml version="1.0" encoding="utf-8"?>
 <p:sld xmlns:a="http://schemas.openxmlformats.org/drawingml/2006/main" xmlns:r="http://schemas.openxmlformats.org/officeDocument/2006/relationships" xmlns:p="http://schemas.openxmlformats.org/presentationml/2006/main">
   <p:cSld>
     <p:spTree>
@@ -7015,7 +6507,7 @@
                   <a:schemeClr val="tx1"/>
                 </a:solidFill>
               </a:rPr>
-              <a:t>Unit test</a:t>
+              <a:t>Eos test</a:t>
             </a:r>
           </a:p>
         </p:txBody>
@@ -7111,7 +6603,7 @@
 </p:sld>
 </file>
 
-<file path=ppt/slides/slide14.xml><?xml version="1.0" encoding="utf-8"?>
+<file path=ppt/slides/slide13.xml><?xml version="1.0" encoding="utf-8"?>
 <p:sld xmlns:a="http://schemas.openxmlformats.org/drawingml/2006/main" xmlns:r="http://schemas.openxmlformats.org/officeDocument/2006/relationships" xmlns:p="http://schemas.openxmlformats.org/presentationml/2006/main">
   <p:cSld>
     <p:spTree>
@@ -7252,7 +6744,7 @@
           <a:noFill/>
           <a:extLst>
             <a:ext uri="{909E8E84-426E-40dd-AFC4-6F175D3DCCD1}">
-              <a14:hiddenFill xmlns="" xmlns:a14="http://schemas.microsoft.com/office/drawing/2010/main">
+              <a14:hiddenFill xmlns:a14="http://schemas.microsoft.com/office/drawing/2010/main" xmlns="">
                 <a:solidFill>
                   <a:srgbClr val="FFFFFF"/>
                 </a:solidFill>
@@ -7383,7 +6875,7 @@
                   <a:schemeClr val="tx1"/>
                 </a:solidFill>
               </a:rPr>
-              <a:t>Unit test</a:t>
+              <a:t>Mesh test</a:t>
             </a:r>
           </a:p>
         </p:txBody>
@@ -7445,7 +6937,7 @@
                   <a:schemeClr val="tx1"/>
                 </a:solidFill>
               </a:rPr>
-              <a:t>Unit test</a:t>
+              <a:t>Eos test</a:t>
             </a:r>
           </a:p>
         </p:txBody>
@@ -7506,7 +6998,7 @@
                   <a:schemeClr val="tx1"/>
                 </a:solidFill>
               </a:rPr>
-              <a:t>Unit test</a:t>
+              <a:t>Hydro test</a:t>
             </a:r>
           </a:p>
         </p:txBody>
@@ -7856,7 +7348,7 @@
 </p:sld>
 </file>
 
-<file path=ppt/slides/slide15.xml><?xml version="1.0" encoding="utf-8"?>
+<file path=ppt/slides/slide14.xml><?xml version="1.0" encoding="utf-8"?>
 <p:sld xmlns:a="http://schemas.openxmlformats.org/drawingml/2006/main" xmlns:r="http://schemas.openxmlformats.org/officeDocument/2006/relationships" xmlns:p="http://schemas.openxmlformats.org/presentationml/2006/main">
   <p:cSld>
     <p:spTree>
@@ -8121,6 +7613,23 @@
             </a:pPr>
             <a:r>
               <a:rPr lang="en-US" b="1" dirty="0"/>
+              <a:t>For AMR, correct behavior of flux conservation and </a:t>
+            </a:r>
+            <a:r>
+              <a:rPr lang="en-US" b="1" dirty="0" err="1"/>
+              <a:t>regridding</a:t>
+            </a:r>
+            <a:r>
+              <a:rPr lang="en-US" b="1" dirty="0"/>
+              <a:t> should also be verified.</a:t>
+            </a:r>
+          </a:p>
+          <a:p>
+            <a:pPr marL="395287" lvl="1" indent="0">
+              <a:buNone/>
+            </a:pPr>
+            <a:r>
+              <a:rPr lang="en-US" b="1" dirty="0"/>
               <a:t>Reason about correctness for testing Flux correction and </a:t>
             </a:r>
             <a:r>
@@ -8207,8 +7716,8 @@
         </p:nvSpPr>
         <p:spPr>
           <a:xfrm>
-            <a:off x="365759" y="5505609"/>
-            <a:ext cx="7059799" cy="914400"/>
+            <a:off x="8557591" y="2951922"/>
+            <a:ext cx="2902226" cy="1868555"/>
           </a:xfrm>
           <a:prstGeom prst="rect">
             <a:avLst/>
@@ -8372,7 +7881,7 @@
 </p:sld>
 </file>
 
-<file path=ppt/slides/slide16.xml><?xml version="1.0" encoding="utf-8"?>
+<file path=ppt/slides/slide15.xml><?xml version="1.0" encoding="utf-8"?>
 <p:sld xmlns:a="http://schemas.openxmlformats.org/drawingml/2006/main" xmlns:r="http://schemas.openxmlformats.org/officeDocument/2006/relationships" xmlns:p="http://schemas.openxmlformats.org/presentationml/2006/main">
   <p:cSld>
     <p:spTree>
@@ -8391,65 +7900,6 @@
       </p:grpSpPr>
       <p:sp>
         <p:nvSpPr>
-          <p:cNvPr id="4" name="Rectangle 3">
-            <a:extLst>
-              <a:ext uri="{FF2B5EF4-FFF2-40B4-BE49-F238E27FC236}">
-                <a16:creationId xmlns:a16="http://schemas.microsoft.com/office/drawing/2014/main" id="{E6CACB3D-2497-3B47-9B85-FBABBFDFF329}"/>
-              </a:ext>
-            </a:extLst>
-          </p:cNvPr>
-          <p:cNvSpPr/>
-          <p:nvPr/>
-        </p:nvSpPr>
-        <p:spPr>
-          <a:xfrm>
-            <a:off x="365760" y="2255520"/>
-            <a:ext cx="7571232" cy="4026747"/>
-          </a:xfrm>
-          <a:prstGeom prst="rect">
-            <a:avLst/>
-          </a:prstGeom>
-          <a:solidFill>
-            <a:schemeClr val="accent5">
-              <a:lumMod val="20000"/>
-              <a:lumOff val="80000"/>
-            </a:schemeClr>
-          </a:solidFill>
-          <a:ln>
-            <a:noFill/>
-          </a:ln>
-          <a:effectLst>
-            <a:outerShdw blurRad="44450" dist="27940" dir="5400000" algn="ctr">
-              <a:srgbClr val="000000">
-                <a:alpha val="32000"/>
-              </a:srgbClr>
-            </a:outerShdw>
-          </a:effectLst>
-        </p:spPr>
-        <p:txBody>
-          <a:bodyPr rot="0" spcFirstLastPara="0" vertOverflow="overflow" horzOverflow="overflow" vert="horz" wrap="square" lIns="121851" tIns="60925" rIns="121851" bIns="60925" numCol="1" spcCol="0" rtlCol="0" fromWordArt="0" anchor="ctr" anchorCtr="0" forceAA="0" compatLnSpc="1">
-            <a:prstTxWarp prst="textNoShape">
-              <a:avLst/>
-            </a:prstTxWarp>
-            <a:noAutofit/>
-          </a:bodyPr>
-          <a:lstStyle/>
-          <a:p>
-            <a:pPr algn="ctr">
-              <a:lnSpc>
-                <a:spcPct val="90000"/>
-              </a:lnSpc>
-            </a:pPr>
-            <a:endParaRPr lang="en-US" sz="2000" dirty="0">
-              <a:solidFill>
-                <a:schemeClr val="bg1"/>
-              </a:solidFill>
-            </a:endParaRPr>
-          </a:p>
-        </p:txBody>
-      </p:sp>
-      <p:sp>
-        <p:nvSpPr>
           <p:cNvPr id="2" name="Title 1"/>
           <p:cNvSpPr>
             <a:spLocks noGrp="1"/>
@@ -8465,7 +7915,7 @@
           <a:p>
             <a:r>
               <a:rPr lang="en-US" dirty="0"/>
-              <a:t>Test Development</a:t>
+              <a:t>Test Development For a Legacy Code</a:t>
             </a:r>
           </a:p>
         </p:txBody>
@@ -8488,107 +7938,84 @@
         </p:spPr>
         <p:txBody>
           <a:bodyPr>
-            <a:normAutofit lnSpcReduction="10000"/>
+            <a:normAutofit/>
           </a:bodyPr>
           <a:lstStyle/>
           <a:p>
-            <a:r>
-              <a:rPr lang="en-US" dirty="0"/>
-              <a:t>Development of tests and diagnostics goes hand-in-hand with code development</a:t>
+            <a:pPr marL="0" indent="0">
+              <a:buNone/>
+            </a:pPr>
+            <a:endParaRPr lang="en-US" dirty="0"/>
+          </a:p>
+          <a:p>
+            <a:pPr marL="0" indent="0">
+              <a:buNone/>
+            </a:pPr>
+            <a:r>
+              <a:rPr lang="en-US" dirty="0"/>
+              <a:t>There may not be existing tests</a:t>
+            </a:r>
+          </a:p>
+          <a:p>
+            <a:r>
+              <a:rPr lang="en-US" dirty="0"/>
+              <a:t>Isolate a small area of the code</a:t>
+            </a:r>
+          </a:p>
+          <a:p>
+            <a:r>
+              <a:rPr lang="en-US" dirty="0"/>
+              <a:t>Dump a useful state snapshot</a:t>
+            </a:r>
+          </a:p>
+          <a:p>
+            <a:r>
+              <a:rPr lang="en-US" dirty="0"/>
+              <a:t>Build a test driver</a:t>
             </a:r>
           </a:p>
           <a:p>
             <a:pPr lvl="1"/>
             <a:r>
               <a:rPr lang="en-US" dirty="0"/>
-              <a:t>Non-trivial to devise good tests, but extremely important</a:t>
+              <a:t>Start with only the files in the area</a:t>
             </a:r>
           </a:p>
           <a:p>
             <a:pPr lvl="1"/>
             <a:r>
               <a:rPr lang="en-US" dirty="0"/>
-              <a:t>Compare against simpler analytical or semi-analytical solutions</a:t>
+              <a:t>Link in dependencies</a:t>
+            </a:r>
+          </a:p>
+          <a:p>
+            <a:pPr lvl="3"/>
+            <a:r>
+              <a:rPr lang="en-US" dirty="0"/>
+              <a:t>Copy if any customizations needed</a:t>
+            </a:r>
+          </a:p>
+          <a:p>
+            <a:r>
+              <a:rPr lang="en-US" dirty="0"/>
+              <a:t>Read in the state snapshot</a:t>
+            </a:r>
+          </a:p>
+          <a:p>
+            <a:r>
+              <a:rPr lang="en-US" dirty="0"/>
+              <a:t>Verify correctness</a:t>
             </a:r>
           </a:p>
           <a:p>
             <a:pPr lvl="1"/>
             <a:r>
               <a:rPr lang="en-US" dirty="0"/>
-              <a:t>Build confidence </a:t>
-            </a:r>
-          </a:p>
-          <a:p>
-            <a:r>
-              <a:rPr lang="en-US" dirty="0"/>
-              <a:t>When faced with legacy codes with no existing tests</a:t>
-            </a:r>
-          </a:p>
-          <a:p>
-            <a:pPr lvl="1"/>
-            <a:r>
-              <a:rPr lang="en-US" dirty="0"/>
-              <a:t>Isolate a small area of the code</a:t>
-            </a:r>
-          </a:p>
-          <a:p>
-            <a:pPr lvl="1"/>
-            <a:r>
-              <a:rPr lang="en-US" dirty="0"/>
-              <a:t>Dump a useful state snapshot</a:t>
-            </a:r>
-          </a:p>
-          <a:p>
-            <a:pPr lvl="1"/>
-            <a:r>
-              <a:rPr lang="en-US" dirty="0"/>
-              <a:t>Build a test driver</a:t>
-            </a:r>
-          </a:p>
-          <a:p>
-            <a:pPr lvl="2"/>
-            <a:r>
-              <a:rPr lang="en-US" dirty="0"/>
-              <a:t>Start with only the files in the area</a:t>
-            </a:r>
-          </a:p>
-          <a:p>
-            <a:pPr lvl="2"/>
-            <a:r>
-              <a:rPr lang="en-US" dirty="0"/>
-              <a:t>Link in dependencies</a:t>
-            </a:r>
-          </a:p>
-          <a:p>
-            <a:pPr lvl="4"/>
-            <a:r>
-              <a:rPr lang="en-US" dirty="0"/>
-              <a:t>Copy if any customizations needed</a:t>
-            </a:r>
-          </a:p>
-          <a:p>
-            <a:pPr lvl="1"/>
-            <a:r>
-              <a:rPr lang="en-US" dirty="0"/>
-              <a:t>Read in the state snapshot</a:t>
-            </a:r>
-          </a:p>
-          <a:p>
-            <a:pPr lvl="1"/>
-            <a:r>
-              <a:rPr lang="en-US" dirty="0"/>
-              <a:t>Verify correctness</a:t>
-            </a:r>
-          </a:p>
-          <a:p>
-            <a:pPr lvl="2"/>
-            <a:r>
-              <a:rPr lang="en-US" dirty="0"/>
               <a:t>Always inject errors to verify that the test is working</a:t>
             </a:r>
           </a:p>
           <a:p>
-            <a:pPr marL="684212" lvl="2" indent="0">
+            <a:pPr marL="395287" lvl="1" indent="0">
               <a:buNone/>
             </a:pPr>
             <a:endParaRPr lang="en-US" dirty="0"/>
@@ -8614,7 +8041,7 @@
 </p:sld>
 </file>
 
-<file path=ppt/slides/slide17.xml><?xml version="1.0" encoding="utf-8"?>
+<file path=ppt/slides/slide16.xml><?xml version="1.0" encoding="utf-8"?>
 <p:sld xmlns:a="http://schemas.openxmlformats.org/drawingml/2006/main" xmlns:r="http://schemas.openxmlformats.org/officeDocument/2006/relationships" xmlns:p="http://schemas.openxmlformats.org/presentationml/2006/main">
   <p:cSld>
     <p:spTree>
@@ -10700,7 +10127,7 @@
 </p:sld>
 </file>
 
-<file path=ppt/slides/slide18.xml><?xml version="1.0" encoding="utf-8"?>
+<file path=ppt/slides/slide17.xml><?xml version="1.0" encoding="utf-8"?>
 <p:sld xmlns:a="http://schemas.openxmlformats.org/drawingml/2006/main" xmlns:r="http://schemas.openxmlformats.org/officeDocument/2006/relationships" xmlns:p="http://schemas.openxmlformats.org/presentationml/2006/main">
   <p:cSld>
     <p:spTree>
@@ -10751,7 +10178,7 @@
         </p:nvSpPr>
         <p:spPr>
           <a:xfrm>
-            <a:off x="418134" y="1747522"/>
+            <a:off x="418134" y="1757461"/>
             <a:ext cx="3122507" cy="4307152"/>
           </a:xfrm>
         </p:spPr>
@@ -11099,7 +10526,7 @@
             <a:p>
               <a:r>
                 <a:rPr lang="en-US" dirty="0"/>
-                <a:t>Build a matrix</a:t>
+                <a:t>Build a functionality matrix</a:t>
               </a:r>
             </a:p>
             <a:p>
@@ -11134,7 +10561,7 @@
               </a:r>
               <a:r>
                 <a:rPr lang="en-US" dirty="0"/>
-                <a:t>&gt; if test covers corresponding features</a:t>
+                <a:t>&gt; if test covers corresponding features, and is a valid combination</a:t>
               </a:r>
             </a:p>
             <a:p>
@@ -11242,8 +10669,8 @@
         </p:nvSpPr>
         <p:spPr bwMode="auto">
           <a:xfrm>
-            <a:off x="1178490" y="1009551"/>
-            <a:ext cx="10559743" cy="1140220"/>
+            <a:off x="450592" y="977834"/>
+            <a:ext cx="11287641" cy="1171937"/>
           </a:xfrm>
           <a:prstGeom prst="rect">
             <a:avLst/>
@@ -11451,7 +10878,7 @@
             </a:pPr>
             <a:r>
               <a:rPr lang="en-US" b="1" dirty="0"/>
-              <a:t>First line of defense – code coverage tools   (demo in CI module)</a:t>
+              <a:t>First line of defense – code coverage tools   (demo in refactoring module)</a:t>
             </a:r>
           </a:p>
           <a:p>
@@ -11479,7 +10906,7 @@
 </p:sld>
 </file>
 
-<file path=ppt/slides/slide19.xml><?xml version="1.0" encoding="utf-8"?>
+<file path=ppt/slides/slide18.xml><?xml version="1.0" encoding="utf-8"?>
 <p:sld xmlns:a="http://schemas.openxmlformats.org/drawingml/2006/main" xmlns:r="http://schemas.openxmlformats.org/officeDocument/2006/relationships" xmlns:p="http://schemas.openxmlformats.org/presentationml/2006/main">
   <p:cSld>
     <p:spTree>
@@ -12412,6 +11839,148 @@
 </p:sld>
 </file>
 
+<file path=ppt/slides/slide19.xml><?xml version="1.0" encoding="utf-8"?>
+<p:sld xmlns:a="http://schemas.openxmlformats.org/drawingml/2006/main" xmlns:r="http://schemas.openxmlformats.org/officeDocument/2006/relationships" xmlns:p="http://schemas.openxmlformats.org/presentationml/2006/main">
+  <p:cSld>
+    <p:spTree>
+      <p:nvGrpSpPr>
+        <p:cNvPr id="1" name=""/>
+        <p:cNvGrpSpPr/>
+        <p:nvPr/>
+      </p:nvGrpSpPr>
+      <p:grpSpPr>
+        <a:xfrm>
+          <a:off x="0" y="0"/>
+          <a:ext cx="0" cy="0"/>
+          <a:chOff x="0" y="0"/>
+          <a:chExt cx="0" cy="0"/>
+        </a:xfrm>
+      </p:grpSpPr>
+      <p:sp>
+        <p:nvSpPr>
+          <p:cNvPr id="2" name="Title 1"/>
+          <p:cNvSpPr>
+            <a:spLocks noGrp="1"/>
+          </p:cNvSpPr>
+          <p:nvPr>
+            <p:ph type="title"/>
+          </p:nvPr>
+        </p:nvSpPr>
+        <p:spPr/>
+        <p:txBody>
+          <a:bodyPr/>
+          <a:lstStyle/>
+          <a:p>
+            <a:r>
+              <a:rPr lang="en-US" dirty="0"/>
+              <a:t>Good Testing Practices</a:t>
+            </a:r>
+          </a:p>
+        </p:txBody>
+      </p:sp>
+      <p:sp>
+        <p:nvSpPr>
+          <p:cNvPr id="5" name="Content Placeholder 4"/>
+          <p:cNvSpPr>
+            <a:spLocks noGrp="1"/>
+          </p:cNvSpPr>
+          <p:nvPr>
+            <p:ph sz="quarter" idx="1"/>
+          </p:nvPr>
+        </p:nvSpPr>
+        <p:spPr>
+          <a:xfrm>
+            <a:off x="368424" y="1177290"/>
+            <a:ext cx="11369809" cy="4047778"/>
+          </a:xfrm>
+        </p:spPr>
+        <p:txBody>
+          <a:bodyPr/>
+          <a:lstStyle/>
+          <a:p>
+            <a:r>
+              <a:rPr lang="en-US" dirty="0"/>
+              <a:t>Must have consistent policy on dealing with failed tests</a:t>
+            </a:r>
+          </a:p>
+          <a:p>
+            <a:pPr lvl="1"/>
+            <a:r>
+              <a:rPr lang="en-US" dirty="0"/>
+              <a:t>Issue tracking</a:t>
+            </a:r>
+          </a:p>
+          <a:p>
+            <a:pPr lvl="2"/>
+            <a:r>
+              <a:rPr lang="en-US" dirty="0"/>
+              <a:t>How quickly does it need to be fixed?</a:t>
+            </a:r>
+          </a:p>
+          <a:p>
+            <a:pPr lvl="2"/>
+            <a:r>
+              <a:rPr lang="en-US" dirty="0"/>
+              <a:t>Who is responsible for fixing it?</a:t>
+            </a:r>
+          </a:p>
+          <a:p>
+            <a:r>
+              <a:rPr lang="en-US" dirty="0"/>
+              <a:t>Someone should be watching the test suite</a:t>
+            </a:r>
+          </a:p>
+          <a:p>
+            <a:r>
+              <a:rPr lang="en-US" dirty="0"/>
+              <a:t>When refactoring or adding new features, run a regression suite before check in</a:t>
+            </a:r>
+          </a:p>
+          <a:p>
+            <a:pPr lvl="1"/>
+            <a:r>
+              <a:rPr lang="en-US" dirty="0"/>
+              <a:t>Add new regression tests or modify existing ones for the new features</a:t>
+            </a:r>
+          </a:p>
+          <a:p>
+            <a:r>
+              <a:rPr lang="en-US" dirty="0"/>
+              <a:t>Code review before releasing test suite is useful</a:t>
+            </a:r>
+          </a:p>
+          <a:p>
+            <a:pPr lvl="1"/>
+            <a:r>
+              <a:rPr lang="en-US" dirty="0"/>
+              <a:t>Another person may spot issues you didn’t</a:t>
+            </a:r>
+          </a:p>
+          <a:p>
+            <a:pPr lvl="1"/>
+            <a:r>
+              <a:rPr lang="en-US" dirty="0"/>
+              <a:t>Incredibly cost-effective</a:t>
+            </a:r>
+          </a:p>
+          <a:p>
+            <a:endParaRPr lang="en-US" dirty="0"/>
+          </a:p>
+        </p:txBody>
+      </p:sp>
+    </p:spTree>
+    <p:extLst>
+      <p:ext uri="{BB962C8B-B14F-4D97-AF65-F5344CB8AC3E}">
+        <p14:creationId xmlns:p14="http://schemas.microsoft.com/office/powerpoint/2010/main" val="2338338090"/>
+      </p:ext>
+    </p:extLst>
+  </p:cSld>
+  <p:clrMapOvr>
+    <a:masterClrMapping/>
+  </p:clrMapOvr>
+</p:sld>
+</file>
+
 <file path=ppt/slides/slide2.xml><?xml version="1.0" encoding="utf-8"?>
 <p:sld xmlns:a="http://schemas.openxmlformats.org/drawingml/2006/main" xmlns:r="http://schemas.openxmlformats.org/officeDocument/2006/relationships" xmlns:p="http://schemas.openxmlformats.org/presentationml/2006/main">
   <p:cSld>
@@ -12758,148 +12327,6 @@
       </p:grpSpPr>
       <p:sp>
         <p:nvSpPr>
-          <p:cNvPr id="2" name="Title 1"/>
-          <p:cNvSpPr>
-            <a:spLocks noGrp="1"/>
-          </p:cNvSpPr>
-          <p:nvPr>
-            <p:ph type="title"/>
-          </p:nvPr>
-        </p:nvSpPr>
-        <p:spPr/>
-        <p:txBody>
-          <a:bodyPr/>
-          <a:lstStyle/>
-          <a:p>
-            <a:r>
-              <a:rPr lang="en-US" dirty="0"/>
-              <a:t>Good Testing Practices</a:t>
-            </a:r>
-          </a:p>
-        </p:txBody>
-      </p:sp>
-      <p:sp>
-        <p:nvSpPr>
-          <p:cNvPr id="5" name="Content Placeholder 4"/>
-          <p:cNvSpPr>
-            <a:spLocks noGrp="1"/>
-          </p:cNvSpPr>
-          <p:nvPr>
-            <p:ph sz="quarter" idx="1"/>
-          </p:nvPr>
-        </p:nvSpPr>
-        <p:spPr>
-          <a:xfrm>
-            <a:off x="368424" y="1177290"/>
-            <a:ext cx="11369809" cy="4047778"/>
-          </a:xfrm>
-        </p:spPr>
-        <p:txBody>
-          <a:bodyPr/>
-          <a:lstStyle/>
-          <a:p>
-            <a:r>
-              <a:rPr lang="en-US" dirty="0"/>
-              <a:t>Must have consistent policy on dealing with failed tests</a:t>
-            </a:r>
-          </a:p>
-          <a:p>
-            <a:pPr lvl="1"/>
-            <a:r>
-              <a:rPr lang="en-US" dirty="0"/>
-              <a:t>Issue tracking</a:t>
-            </a:r>
-          </a:p>
-          <a:p>
-            <a:pPr lvl="2"/>
-            <a:r>
-              <a:rPr lang="en-US" dirty="0"/>
-              <a:t>How quickly does it need to be fixed?</a:t>
-            </a:r>
-          </a:p>
-          <a:p>
-            <a:pPr lvl="2"/>
-            <a:r>
-              <a:rPr lang="en-US" dirty="0"/>
-              <a:t>Who is responsible for fixing it?</a:t>
-            </a:r>
-          </a:p>
-          <a:p>
-            <a:r>
-              <a:rPr lang="en-US" dirty="0"/>
-              <a:t>Someone should be watching the test suite</a:t>
-            </a:r>
-          </a:p>
-          <a:p>
-            <a:r>
-              <a:rPr lang="en-US" dirty="0"/>
-              <a:t>When refactoring or adding new features, run a regression suite before check in</a:t>
-            </a:r>
-          </a:p>
-          <a:p>
-            <a:pPr lvl="1"/>
-            <a:r>
-              <a:rPr lang="en-US" dirty="0"/>
-              <a:t>Add new regression tests or modify existing ones for the new features</a:t>
-            </a:r>
-          </a:p>
-          <a:p>
-            <a:r>
-              <a:rPr lang="en-US" dirty="0"/>
-              <a:t>Code review before releasing test suite is useful</a:t>
-            </a:r>
-          </a:p>
-          <a:p>
-            <a:pPr lvl="1"/>
-            <a:r>
-              <a:rPr lang="en-US" dirty="0"/>
-              <a:t>Another person may spot issues you didn’t</a:t>
-            </a:r>
-          </a:p>
-          <a:p>
-            <a:pPr lvl="1"/>
-            <a:r>
-              <a:rPr lang="en-US" dirty="0"/>
-              <a:t>Incredibly cost-effective</a:t>
-            </a:r>
-          </a:p>
-          <a:p>
-            <a:endParaRPr lang="en-US" dirty="0"/>
-          </a:p>
-        </p:txBody>
-      </p:sp>
-    </p:spTree>
-    <p:extLst>
-      <p:ext uri="{BB962C8B-B14F-4D97-AF65-F5344CB8AC3E}">
-        <p14:creationId xmlns:p14="http://schemas.microsoft.com/office/powerpoint/2010/main" val="2338338090"/>
-      </p:ext>
-    </p:extLst>
-  </p:cSld>
-  <p:clrMapOvr>
-    <a:masterClrMapping/>
-  </p:clrMapOvr>
-</p:sld>
-</file>
-
-<file path=ppt/slides/slide21.xml><?xml version="1.0" encoding="utf-8"?>
-<p:sld xmlns:a="http://schemas.openxmlformats.org/drawingml/2006/main" xmlns:r="http://schemas.openxmlformats.org/officeDocument/2006/relationships" xmlns:p="http://schemas.openxmlformats.org/presentationml/2006/main">
-  <p:cSld>
-    <p:spTree>
-      <p:nvGrpSpPr>
-        <p:cNvPr id="1" name=""/>
-        <p:cNvGrpSpPr/>
-        <p:nvPr/>
-      </p:nvGrpSpPr>
-      <p:grpSpPr>
-        <a:xfrm>
-          <a:off x="0" y="0"/>
-          <a:ext cx="0" cy="0"/>
-          <a:chOff x="0" y="0"/>
-          <a:chExt cx="0" cy="0"/>
-        </a:xfrm>
-      </p:grpSpPr>
-      <p:sp>
-        <p:nvSpPr>
           <p:cNvPr id="2" name="Text Placeholder 1"/>
           <p:cNvSpPr>
             <a:spLocks noGrp="1"/>
@@ -12930,53 +12357,48 @@
           </a:p>
           <a:p>
             <a:pPr marL="457200" indent="-457200">
-              <a:buFont typeface="Arial"/>
+              <a:buFont typeface="Arial" panose="020B0604020202020204" pitchFamily="34" charset="0"/>
               <a:buChar char="•"/>
             </a:pPr>
             <a:r>
               <a:rPr lang="en-US" dirty="0"/>
-              <a:t>Understand your needs</a:t>
+              <a:t>Your verification and testing regime should meet your project needs</a:t>
             </a:r>
           </a:p>
           <a:p>
             <a:pPr marL="457200" indent="-457200">
-              <a:buFont typeface="Arial"/>
+              <a:buFont typeface="Arial" panose="020B0604020202020204" pitchFamily="34" charset="0"/>
               <a:buChar char="•"/>
             </a:pPr>
             <a:r>
               <a:rPr lang="en-US" dirty="0"/>
-              <a:t>Do the cost-benefit analysis</a:t>
+              <a:t>No need to go overboard but make sure that you have confidence in the correct behavior of your code</a:t>
             </a:r>
           </a:p>
           <a:p>
             <a:pPr marL="457200" indent="-457200">
-              <a:buFont typeface="Arial"/>
+              <a:buFont typeface="Arial" panose="020B0604020202020204" pitchFamily="34" charset="0"/>
               <a:buChar char="•"/>
             </a:pPr>
             <a:r>
               <a:rPr lang="en-US" dirty="0"/>
-              <a:t>Adopt what works for you without incurring technical debt</a:t>
+              <a:t>Devise tests to enable quick pinpointing of errors</a:t>
             </a:r>
           </a:p>
           <a:p>
             <a:pPr marL="457200" indent="-457200">
-              <a:buFont typeface="Arial"/>
+              <a:buFont typeface="Arial" panose="020B0604020202020204" pitchFamily="34" charset="0"/>
               <a:buChar char="•"/>
             </a:pPr>
             <a:r>
               <a:rPr lang="en-US" dirty="0"/>
-              <a:t>Design with portability, extensibility, reproducibility and maintainability in mind</a:t>
-            </a:r>
-          </a:p>
-          <a:p>
-            <a:pPr marL="457200" indent="-457200">
-              <a:buFont typeface="Arial"/>
-              <a:buChar char="•"/>
-            </a:pPr>
-            <a:r>
-              <a:rPr lang="en-US" dirty="0"/>
-              <a:t>Verify … verify … verify</a:t>
-            </a:r>
+              <a:t>Make sure that your tests fail when </a:t>
+            </a:r>
+            <a:r>
+              <a:rPr lang="en-US"/>
+              <a:t>they should</a:t>
+            </a:r>
+            <a:endParaRPr lang="en-US" dirty="0"/>
           </a:p>
           <a:p>
             <a:r>
@@ -13014,7 +12436,7 @@
 </p:sld>
 </file>
 
-<file path=ppt/slides/slide22.xml><?xml version="1.0" encoding="utf-8"?>
+<file path=ppt/slides/slide3.xml><?xml version="1.0" encoding="utf-8"?>
 <p:sld xmlns:a="http://schemas.openxmlformats.org/drawingml/2006/main" xmlns:r="http://schemas.openxmlformats.org/officeDocument/2006/relationships" xmlns:p="http://schemas.openxmlformats.org/presentationml/2006/main">
   <p:cSld>
     <p:spTree>
@@ -13048,935 +12470,7 @@
           <a:p>
             <a:r>
               <a:rPr lang="en-US" dirty="0"/>
-              <a:t>Regular Testing</a:t>
-            </a:r>
-          </a:p>
-        </p:txBody>
-      </p:sp>
-      <p:sp>
-        <p:nvSpPr>
-          <p:cNvPr id="5" name="Content Placeholder 4"/>
-          <p:cNvSpPr>
-            <a:spLocks noGrp="1"/>
-          </p:cNvSpPr>
-          <p:nvPr>
-            <p:ph sz="quarter" idx="1"/>
-          </p:nvPr>
-        </p:nvSpPr>
-        <p:spPr>
-          <a:xfrm>
-            <a:off x="5520152" y="1253969"/>
-            <a:ext cx="6379056" cy="4434729"/>
-          </a:xfrm>
-        </p:spPr>
-        <p:txBody>
-          <a:bodyPr>
-            <a:normAutofit/>
-          </a:bodyPr>
-          <a:lstStyle/>
-          <a:p>
-            <a:r>
-              <a:rPr lang="en-US" dirty="0"/>
-              <a:t>Essential for large code</a:t>
-            </a:r>
-          </a:p>
-          <a:p>
-            <a:pPr lvl="1"/>
-            <a:r>
-              <a:rPr lang="en-US" dirty="0"/>
-              <a:t>Set up and run tests</a:t>
-            </a:r>
-          </a:p>
-          <a:p>
-            <a:pPr lvl="1"/>
-            <a:r>
-              <a:rPr lang="en-US" dirty="0"/>
-              <a:t>Evaluate test results</a:t>
-            </a:r>
-          </a:p>
-          <a:p>
-            <a:r>
-              <a:rPr lang="en-US" dirty="0"/>
-              <a:t>Easy to execute a logical subset of tests</a:t>
-            </a:r>
-          </a:p>
-          <a:p>
-            <a:pPr lvl="1"/>
-            <a:r>
-              <a:rPr lang="en-US" dirty="0"/>
-              <a:t>Pre-push</a:t>
-            </a:r>
-          </a:p>
-          <a:p>
-            <a:pPr lvl="1"/>
-            <a:r>
-              <a:rPr lang="en-US" dirty="0"/>
-              <a:t>Nightly</a:t>
-            </a:r>
-          </a:p>
-          <a:p>
-            <a:r>
-              <a:rPr lang="en-US" dirty="0"/>
-              <a:t>Automation of test harness is critical for</a:t>
-            </a:r>
-          </a:p>
-          <a:p>
-            <a:pPr lvl="1"/>
-            <a:r>
-              <a:rPr lang="en-US" dirty="0"/>
-              <a:t>Long-running test suites</a:t>
-            </a:r>
-          </a:p>
-          <a:p>
-            <a:pPr lvl="1"/>
-            <a:r>
-              <a:rPr lang="en-US" dirty="0"/>
-              <a:t>Projects that support many platforms</a:t>
-            </a:r>
-          </a:p>
-        </p:txBody>
-      </p:sp>
-      <p:sp>
-        <p:nvSpPr>
-          <p:cNvPr id="6" name="Rectangle 5"/>
-          <p:cNvSpPr/>
-          <p:nvPr/>
-        </p:nvSpPr>
-        <p:spPr>
-          <a:xfrm>
-            <a:off x="1182048" y="3705543"/>
-            <a:ext cx="2208772" cy="1721662"/>
-          </a:xfrm>
-          <a:prstGeom prst="rect">
-            <a:avLst/>
-          </a:prstGeom>
-        </p:spPr>
-        <p:style>
-          <a:lnRef idx="1">
-            <a:schemeClr val="accent1"/>
-          </a:lnRef>
-          <a:fillRef idx="3">
-            <a:schemeClr val="accent1"/>
-          </a:fillRef>
-          <a:effectRef idx="2">
-            <a:schemeClr val="accent1"/>
-          </a:effectRef>
-          <a:fontRef idx="minor">
-            <a:schemeClr val="lt1"/>
-          </a:fontRef>
-        </p:style>
-        <p:txBody>
-          <a:bodyPr rtlCol="0" anchor="ctr"/>
-          <a:lstStyle/>
-          <a:p>
-            <a:pPr algn="ctr"/>
-            <a:r>
-              <a:rPr lang="en-US" sz="2399" b="1" dirty="0"/>
-              <a:t>Jenkins</a:t>
-            </a:r>
-          </a:p>
-          <a:p>
-            <a:pPr algn="ctr"/>
-            <a:r>
-              <a:rPr lang="en-US" sz="2399" b="1" dirty="0"/>
-              <a:t>C-dash</a:t>
-            </a:r>
-          </a:p>
-          <a:p>
-            <a:pPr algn="ctr"/>
-            <a:r>
-              <a:rPr lang="en-US" sz="2399" b="1" dirty="0"/>
-              <a:t>Custom</a:t>
-            </a:r>
-            <a:endParaRPr lang="en-US" dirty="0"/>
-          </a:p>
-          <a:p>
-            <a:pPr algn="ctr"/>
-            <a:r>
-              <a:rPr lang="en-US" dirty="0"/>
-              <a:t>(</a:t>
-            </a:r>
-            <a:r>
-              <a:rPr lang="en-US" dirty="0" err="1"/>
-              <a:t>FlashTest</a:t>
-            </a:r>
-            <a:r>
-              <a:rPr lang="en-US" dirty="0"/>
-              <a:t>)</a:t>
-            </a:r>
-          </a:p>
-        </p:txBody>
-      </p:sp>
-      <p:sp>
-        <p:nvSpPr>
-          <p:cNvPr id="7" name="Content Placeholder 4">
-            <a:extLst>
-              <a:ext uri="{FF2B5EF4-FFF2-40B4-BE49-F238E27FC236}">
-                <a16:creationId xmlns:a16="http://schemas.microsoft.com/office/drawing/2014/main" id="{6CA4D7AB-7F5E-4542-999E-4B8EA5A9F04F}"/>
-              </a:ext>
-            </a:extLst>
-          </p:cNvPr>
-          <p:cNvSpPr txBox="1">
-            <a:spLocks/>
-          </p:cNvSpPr>
-          <p:nvPr/>
-        </p:nvSpPr>
-        <p:spPr bwMode="auto">
-          <a:xfrm>
-            <a:off x="365760" y="1288272"/>
-            <a:ext cx="5035859" cy="2183062"/>
-          </a:xfrm>
-          <a:prstGeom prst="rect">
-            <a:avLst/>
-          </a:prstGeom>
-          <a:noFill/>
-          <a:ln w="9525">
-            <a:noFill/>
-            <a:miter lim="800000"/>
-            <a:headEnd/>
-            <a:tailEnd/>
-          </a:ln>
-        </p:spPr>
-        <p:txBody>
-          <a:bodyPr vert="horz" wrap="square" lIns="91440" tIns="45720" rIns="91440" bIns="45720" numCol="1" anchor="t" anchorCtr="0" compatLnSpc="1">
-            <a:prstTxWarp prst="textNoShape">
-              <a:avLst/>
-            </a:prstTxWarp>
-            <a:normAutofit/>
-          </a:bodyPr>
-          <a:lstStyle>
-            <a:lvl1pPr marL="230188" indent="-230188" algn="l" rtl="0" eaLnBrk="1" fontAlgn="base" hangingPunct="1">
-              <a:lnSpc>
-                <a:spcPct val="90000"/>
-              </a:lnSpc>
-              <a:spcBef>
-                <a:spcPts val="1400"/>
-              </a:spcBef>
-              <a:spcAft>
-                <a:spcPct val="0"/>
-              </a:spcAft>
-              <a:buClr>
-                <a:schemeClr val="tx1"/>
-              </a:buClr>
-              <a:buFont typeface="Arial" charset="0"/>
-              <a:buChar char="•"/>
-              <a:defRPr sz="2800" kern="1200">
-                <a:solidFill>
-                  <a:schemeClr val="tx1"/>
-                </a:solidFill>
-                <a:latin typeface="Arial" panose="020B0604020202020204" pitchFamily="34" charset="0"/>
-                <a:ea typeface="+mn-ea"/>
-                <a:cs typeface="Arial" panose="020B0604020202020204" pitchFamily="34" charset="0"/>
-              </a:defRPr>
-            </a:lvl1pPr>
-            <a:lvl2pPr marL="625475" indent="-279400" algn="l" rtl="0" eaLnBrk="1" fontAlgn="base" hangingPunct="1">
-              <a:lnSpc>
-                <a:spcPct val="90000"/>
-              </a:lnSpc>
-              <a:spcBef>
-                <a:spcPts val="800"/>
-              </a:spcBef>
-              <a:spcAft>
-                <a:spcPct val="0"/>
-              </a:spcAft>
-              <a:buClr>
-                <a:schemeClr val="tx1"/>
-              </a:buClr>
-              <a:buFont typeface="Arial" charset="0"/>
-              <a:buChar char="–"/>
-              <a:defRPr sz="2400" kern="1200">
-                <a:solidFill>
-                  <a:schemeClr val="tx1"/>
-                </a:solidFill>
-                <a:latin typeface="Arial" panose="020B0604020202020204" pitchFamily="34" charset="0"/>
-                <a:ea typeface="+mn-ea"/>
-                <a:cs typeface="Arial" panose="020B0604020202020204" pitchFamily="34" charset="0"/>
-              </a:defRPr>
-            </a:lvl2pPr>
-            <a:lvl3pPr marL="914400" indent="-230188" algn="l" rtl="0" eaLnBrk="1" fontAlgn="base" hangingPunct="1">
-              <a:lnSpc>
-                <a:spcPct val="90000"/>
-              </a:lnSpc>
-              <a:spcBef>
-                <a:spcPts val="800"/>
-              </a:spcBef>
-              <a:spcAft>
-                <a:spcPct val="0"/>
-              </a:spcAft>
-              <a:buClr>
-                <a:schemeClr val="tx1"/>
-              </a:buClr>
-              <a:buFont typeface="Arial" charset="0"/>
-              <a:buChar char="•"/>
-              <a:defRPr sz="2000" kern="1200">
-                <a:solidFill>
-                  <a:schemeClr val="tx1"/>
-                </a:solidFill>
-                <a:latin typeface="Arial" panose="020B0604020202020204" pitchFamily="34" charset="0"/>
-                <a:ea typeface="+mn-ea"/>
-                <a:cs typeface="Arial" panose="020B0604020202020204" pitchFamily="34" charset="0"/>
-              </a:defRPr>
-            </a:lvl3pPr>
-            <a:lvl4pPr marL="1144588" indent="-173038" algn="l" rtl="0" eaLnBrk="1" fontAlgn="base" hangingPunct="1">
-              <a:lnSpc>
-                <a:spcPct val="90000"/>
-              </a:lnSpc>
-              <a:spcBef>
-                <a:spcPts val="800"/>
-              </a:spcBef>
-              <a:spcAft>
-                <a:spcPct val="0"/>
-              </a:spcAft>
-              <a:buClr>
-                <a:schemeClr val="tx1"/>
-              </a:buClr>
-              <a:buFont typeface="Arial" charset="0"/>
-              <a:buChar char="–"/>
-              <a:defRPr sz="1800" kern="1200">
-                <a:solidFill>
-                  <a:schemeClr val="tx1"/>
-                </a:solidFill>
-                <a:latin typeface="Arial" panose="020B0604020202020204" pitchFamily="34" charset="0"/>
-                <a:ea typeface="+mn-ea"/>
-                <a:cs typeface="Arial" panose="020B0604020202020204" pitchFamily="34" charset="0"/>
-              </a:defRPr>
-            </a:lvl4pPr>
-            <a:lvl5pPr marL="1482725" indent="-222250" algn="l" rtl="0" eaLnBrk="1" fontAlgn="base" hangingPunct="1">
-              <a:lnSpc>
-                <a:spcPct val="90000"/>
-              </a:lnSpc>
-              <a:spcBef>
-                <a:spcPts val="600"/>
-              </a:spcBef>
-              <a:spcAft>
-                <a:spcPct val="0"/>
-              </a:spcAft>
-              <a:buClr>
-                <a:schemeClr val="tx1"/>
-              </a:buClr>
-              <a:buFont typeface="Arial" panose="020B0604020202020204" pitchFamily="34" charset="0"/>
-              <a:buChar char="•"/>
-              <a:defRPr sz="1800" kern="1200">
-                <a:solidFill>
-                  <a:schemeClr val="tx1"/>
-                </a:solidFill>
-                <a:latin typeface="Arial" panose="020B0604020202020204" pitchFamily="34" charset="0"/>
-                <a:ea typeface="+mn-ea"/>
-                <a:cs typeface="Arial" panose="020B0604020202020204" pitchFamily="34" charset="0"/>
-              </a:defRPr>
-            </a:lvl5pPr>
-            <a:lvl6pPr marL="2514600" indent="-228600" algn="l" defTabSz="914400" rtl="0" eaLnBrk="1" latinLnBrk="0" hangingPunct="1">
-              <a:spcBef>
-                <a:spcPct val="20000"/>
-              </a:spcBef>
-              <a:buFont typeface="Arial" pitchFamily="34" charset="0"/>
-              <a:buChar char="•"/>
-              <a:defRPr sz="2000" kern="1200">
-                <a:solidFill>
-                  <a:schemeClr val="tx1"/>
-                </a:solidFill>
-                <a:latin typeface="+mn-lt"/>
-                <a:ea typeface="+mn-ea"/>
-                <a:cs typeface="+mn-cs"/>
-              </a:defRPr>
-            </a:lvl6pPr>
-            <a:lvl7pPr marL="2971800" indent="-228600" algn="l" defTabSz="914400" rtl="0" eaLnBrk="1" latinLnBrk="0" hangingPunct="1">
-              <a:spcBef>
-                <a:spcPct val="20000"/>
-              </a:spcBef>
-              <a:buFont typeface="Arial" pitchFamily="34" charset="0"/>
-              <a:buChar char="•"/>
-              <a:defRPr sz="2000" kern="1200">
-                <a:solidFill>
-                  <a:schemeClr val="tx1"/>
-                </a:solidFill>
-                <a:latin typeface="+mn-lt"/>
-                <a:ea typeface="+mn-ea"/>
-                <a:cs typeface="+mn-cs"/>
-              </a:defRPr>
-            </a:lvl7pPr>
-            <a:lvl8pPr marL="3429000" indent="-228600" algn="l" defTabSz="914400" rtl="0" eaLnBrk="1" latinLnBrk="0" hangingPunct="1">
-              <a:spcBef>
-                <a:spcPct val="20000"/>
-              </a:spcBef>
-              <a:buFont typeface="Arial" pitchFamily="34" charset="0"/>
-              <a:buChar char="•"/>
-              <a:defRPr sz="2000" kern="1200">
-                <a:solidFill>
-                  <a:schemeClr val="tx1"/>
-                </a:solidFill>
-                <a:latin typeface="+mn-lt"/>
-                <a:ea typeface="+mn-ea"/>
-                <a:cs typeface="+mn-cs"/>
-              </a:defRPr>
-            </a:lvl8pPr>
-            <a:lvl9pPr marL="3886200" indent="-228600" algn="l" defTabSz="914400" rtl="0" eaLnBrk="1" latinLnBrk="0" hangingPunct="1">
-              <a:spcBef>
-                <a:spcPct val="20000"/>
-              </a:spcBef>
-              <a:buFont typeface="Arial" pitchFamily="34" charset="0"/>
-              <a:buChar char="•"/>
-              <a:defRPr sz="2000" kern="1200">
-                <a:solidFill>
-                  <a:schemeClr val="tx1"/>
-                </a:solidFill>
-                <a:latin typeface="+mn-lt"/>
-                <a:ea typeface="+mn-ea"/>
-                <a:cs typeface="+mn-cs"/>
-              </a:defRPr>
-            </a:lvl9pPr>
-          </a:lstStyle>
-          <a:p>
-            <a:r>
-              <a:rPr lang="en-US" dirty="0"/>
-              <a:t>Part of ongoing verification</a:t>
-            </a:r>
-          </a:p>
-          <a:p>
-            <a:r>
-              <a:rPr lang="en-US" dirty="0"/>
-              <a:t>Automating is helpful</a:t>
-            </a:r>
-          </a:p>
-          <a:p>
-            <a:r>
-              <a:rPr lang="en-US" dirty="0"/>
-              <a:t>Can be just a script</a:t>
-            </a:r>
-          </a:p>
-          <a:p>
-            <a:r>
-              <a:rPr lang="en-US" dirty="0"/>
-              <a:t>Or a testing harness</a:t>
-            </a:r>
-          </a:p>
-        </p:txBody>
-      </p:sp>
-    </p:spTree>
-    <p:extLst>
-      <p:ext uri="{BB962C8B-B14F-4D97-AF65-F5344CB8AC3E}">
-        <p14:creationId xmlns:p14="http://schemas.microsoft.com/office/powerpoint/2010/main" val="4112726017"/>
-      </p:ext>
-    </p:extLst>
-  </p:cSld>
-  <p:clrMapOvr>
-    <a:masterClrMapping/>
-  </p:clrMapOvr>
-  <p:timing>
-    <p:tnLst>
-      <p:par>
-        <p:cTn id="1" dur="indefinite" restart="never" nodeType="tmRoot">
-          <p:childTnLst>
-            <p:seq concurrent="1" nextAc="seek">
-              <p:cTn id="2" dur="indefinite" nodeType="mainSeq">
-                <p:childTnLst>
-                  <p:par>
-                    <p:cTn id="3" fill="hold">
-                      <p:stCondLst>
-                        <p:cond delay="indefinite"/>
-                      </p:stCondLst>
-                      <p:childTnLst>
-                        <p:par>
-                          <p:cTn id="4" fill="hold">
-                            <p:stCondLst>
-                              <p:cond delay="0"/>
-                            </p:stCondLst>
-                            <p:childTnLst>
-                              <p:par>
-                                <p:cTn id="5" presetID="1" presetClass="entr" presetSubtype="0" fill="hold" grpId="0" nodeType="clickEffect">
-                                  <p:stCondLst>
-                                    <p:cond delay="0"/>
-                                  </p:stCondLst>
-                                  <p:childTnLst>
-                                    <p:set>
-                                      <p:cBhvr>
-                                        <p:cTn id="6" dur="1" fill="hold">
-                                          <p:stCondLst>
-                                            <p:cond delay="0"/>
-                                          </p:stCondLst>
-                                        </p:cTn>
-                                        <p:tgtEl>
-                                          <p:spTgt spid="5">
-                                            <p:txEl>
-                                              <p:pRg st="0" end="0"/>
-                                            </p:txEl>
-                                          </p:spTgt>
-                                        </p:tgtEl>
-                                        <p:attrNameLst>
-                                          <p:attrName>style.visibility</p:attrName>
-                                        </p:attrNameLst>
-                                      </p:cBhvr>
-                                      <p:to>
-                                        <p:strVal val="visible"/>
-                                      </p:to>
-                                    </p:set>
-                                  </p:childTnLst>
-                                </p:cTn>
-                              </p:par>
-                              <p:par>
-                                <p:cTn id="7" presetID="1" presetClass="entr" presetSubtype="0" fill="hold" grpId="0" nodeType="withEffect">
-                                  <p:stCondLst>
-                                    <p:cond delay="0"/>
-                                  </p:stCondLst>
-                                  <p:childTnLst>
-                                    <p:set>
-                                      <p:cBhvr>
-                                        <p:cTn id="8" dur="1" fill="hold">
-                                          <p:stCondLst>
-                                            <p:cond delay="0"/>
-                                          </p:stCondLst>
-                                        </p:cTn>
-                                        <p:tgtEl>
-                                          <p:spTgt spid="5">
-                                            <p:txEl>
-                                              <p:pRg st="1" end="1"/>
-                                            </p:txEl>
-                                          </p:spTgt>
-                                        </p:tgtEl>
-                                        <p:attrNameLst>
-                                          <p:attrName>style.visibility</p:attrName>
-                                        </p:attrNameLst>
-                                      </p:cBhvr>
-                                      <p:to>
-                                        <p:strVal val="visible"/>
-                                      </p:to>
-                                    </p:set>
-                                  </p:childTnLst>
-                                </p:cTn>
-                              </p:par>
-                              <p:par>
-                                <p:cTn id="9" presetID="1" presetClass="entr" presetSubtype="0" fill="hold" grpId="0" nodeType="withEffect">
-                                  <p:stCondLst>
-                                    <p:cond delay="0"/>
-                                  </p:stCondLst>
-                                  <p:childTnLst>
-                                    <p:set>
-                                      <p:cBhvr>
-                                        <p:cTn id="10" dur="1" fill="hold">
-                                          <p:stCondLst>
-                                            <p:cond delay="0"/>
-                                          </p:stCondLst>
-                                        </p:cTn>
-                                        <p:tgtEl>
-                                          <p:spTgt spid="5">
-                                            <p:txEl>
-                                              <p:pRg st="2" end="2"/>
-                                            </p:txEl>
-                                          </p:spTgt>
-                                        </p:tgtEl>
-                                        <p:attrNameLst>
-                                          <p:attrName>style.visibility</p:attrName>
-                                        </p:attrNameLst>
-                                      </p:cBhvr>
-                                      <p:to>
-                                        <p:strVal val="visible"/>
-                                      </p:to>
-                                    </p:set>
-                                  </p:childTnLst>
-                                </p:cTn>
-                              </p:par>
-                            </p:childTnLst>
-                          </p:cTn>
-                        </p:par>
-                      </p:childTnLst>
-                    </p:cTn>
-                  </p:par>
-                  <p:par>
-                    <p:cTn id="11" fill="hold">
-                      <p:stCondLst>
-                        <p:cond delay="indefinite"/>
-                      </p:stCondLst>
-                      <p:childTnLst>
-                        <p:par>
-                          <p:cTn id="12" fill="hold">
-                            <p:stCondLst>
-                              <p:cond delay="0"/>
-                            </p:stCondLst>
-                            <p:childTnLst>
-                              <p:par>
-                                <p:cTn id="13" presetID="1" presetClass="entr" presetSubtype="0" fill="hold" grpId="0" nodeType="clickEffect">
-                                  <p:stCondLst>
-                                    <p:cond delay="0"/>
-                                  </p:stCondLst>
-                                  <p:childTnLst>
-                                    <p:set>
-                                      <p:cBhvr>
-                                        <p:cTn id="14" dur="1" fill="hold">
-                                          <p:stCondLst>
-                                            <p:cond delay="0"/>
-                                          </p:stCondLst>
-                                        </p:cTn>
-                                        <p:tgtEl>
-                                          <p:spTgt spid="5">
-                                            <p:txEl>
-                                              <p:pRg st="3" end="3"/>
-                                            </p:txEl>
-                                          </p:spTgt>
-                                        </p:tgtEl>
-                                        <p:attrNameLst>
-                                          <p:attrName>style.visibility</p:attrName>
-                                        </p:attrNameLst>
-                                      </p:cBhvr>
-                                      <p:to>
-                                        <p:strVal val="visible"/>
-                                      </p:to>
-                                    </p:set>
-                                  </p:childTnLst>
-                                </p:cTn>
-                              </p:par>
-                              <p:par>
-                                <p:cTn id="15" presetID="1" presetClass="entr" presetSubtype="0" fill="hold" grpId="0" nodeType="withEffect">
-                                  <p:stCondLst>
-                                    <p:cond delay="0"/>
-                                  </p:stCondLst>
-                                  <p:childTnLst>
-                                    <p:set>
-                                      <p:cBhvr>
-                                        <p:cTn id="16" dur="1" fill="hold">
-                                          <p:stCondLst>
-                                            <p:cond delay="0"/>
-                                          </p:stCondLst>
-                                        </p:cTn>
-                                        <p:tgtEl>
-                                          <p:spTgt spid="5">
-                                            <p:txEl>
-                                              <p:pRg st="4" end="4"/>
-                                            </p:txEl>
-                                          </p:spTgt>
-                                        </p:tgtEl>
-                                        <p:attrNameLst>
-                                          <p:attrName>style.visibility</p:attrName>
-                                        </p:attrNameLst>
-                                      </p:cBhvr>
-                                      <p:to>
-                                        <p:strVal val="visible"/>
-                                      </p:to>
-                                    </p:set>
-                                  </p:childTnLst>
-                                </p:cTn>
-                              </p:par>
-                              <p:par>
-                                <p:cTn id="17" presetID="1" presetClass="entr" presetSubtype="0" fill="hold" grpId="0" nodeType="withEffect">
-                                  <p:stCondLst>
-                                    <p:cond delay="0"/>
-                                  </p:stCondLst>
-                                  <p:childTnLst>
-                                    <p:set>
-                                      <p:cBhvr>
-                                        <p:cTn id="18" dur="1" fill="hold">
-                                          <p:stCondLst>
-                                            <p:cond delay="0"/>
-                                          </p:stCondLst>
-                                        </p:cTn>
-                                        <p:tgtEl>
-                                          <p:spTgt spid="5">
-                                            <p:txEl>
-                                              <p:pRg st="5" end="5"/>
-                                            </p:txEl>
-                                          </p:spTgt>
-                                        </p:tgtEl>
-                                        <p:attrNameLst>
-                                          <p:attrName>style.visibility</p:attrName>
-                                        </p:attrNameLst>
-                                      </p:cBhvr>
-                                      <p:to>
-                                        <p:strVal val="visible"/>
-                                      </p:to>
-                                    </p:set>
-                                  </p:childTnLst>
-                                </p:cTn>
-                              </p:par>
-                            </p:childTnLst>
-                          </p:cTn>
-                        </p:par>
-                      </p:childTnLst>
-                    </p:cTn>
-                  </p:par>
-                  <p:par>
-                    <p:cTn id="19" fill="hold">
-                      <p:stCondLst>
-                        <p:cond delay="indefinite"/>
-                      </p:stCondLst>
-                      <p:childTnLst>
-                        <p:par>
-                          <p:cTn id="20" fill="hold">
-                            <p:stCondLst>
-                              <p:cond delay="0"/>
-                            </p:stCondLst>
-                            <p:childTnLst>
-                              <p:par>
-                                <p:cTn id="21" presetID="1" presetClass="entr" presetSubtype="0" fill="hold" grpId="0" nodeType="clickEffect">
-                                  <p:stCondLst>
-                                    <p:cond delay="0"/>
-                                  </p:stCondLst>
-                                  <p:childTnLst>
-                                    <p:set>
-                                      <p:cBhvr>
-                                        <p:cTn id="22" dur="1" fill="hold">
-                                          <p:stCondLst>
-                                            <p:cond delay="0"/>
-                                          </p:stCondLst>
-                                        </p:cTn>
-                                        <p:tgtEl>
-                                          <p:spTgt spid="5">
-                                            <p:txEl>
-                                              <p:pRg st="6" end="6"/>
-                                            </p:txEl>
-                                          </p:spTgt>
-                                        </p:tgtEl>
-                                        <p:attrNameLst>
-                                          <p:attrName>style.visibility</p:attrName>
-                                        </p:attrNameLst>
-                                      </p:cBhvr>
-                                      <p:to>
-                                        <p:strVal val="visible"/>
-                                      </p:to>
-                                    </p:set>
-                                  </p:childTnLst>
-                                </p:cTn>
-                              </p:par>
-                              <p:par>
-                                <p:cTn id="23" presetID="1" presetClass="entr" presetSubtype="0" fill="hold" grpId="0" nodeType="withEffect">
-                                  <p:stCondLst>
-                                    <p:cond delay="0"/>
-                                  </p:stCondLst>
-                                  <p:childTnLst>
-                                    <p:set>
-                                      <p:cBhvr>
-                                        <p:cTn id="24" dur="1" fill="hold">
-                                          <p:stCondLst>
-                                            <p:cond delay="0"/>
-                                          </p:stCondLst>
-                                        </p:cTn>
-                                        <p:tgtEl>
-                                          <p:spTgt spid="5">
-                                            <p:txEl>
-                                              <p:pRg st="7" end="7"/>
-                                            </p:txEl>
-                                          </p:spTgt>
-                                        </p:tgtEl>
-                                        <p:attrNameLst>
-                                          <p:attrName>style.visibility</p:attrName>
-                                        </p:attrNameLst>
-                                      </p:cBhvr>
-                                      <p:to>
-                                        <p:strVal val="visible"/>
-                                      </p:to>
-                                    </p:set>
-                                  </p:childTnLst>
-                                </p:cTn>
-                              </p:par>
-                              <p:par>
-                                <p:cTn id="25" presetID="1" presetClass="entr" presetSubtype="0" fill="hold" grpId="0" nodeType="withEffect">
-                                  <p:stCondLst>
-                                    <p:cond delay="0"/>
-                                  </p:stCondLst>
-                                  <p:childTnLst>
-                                    <p:set>
-                                      <p:cBhvr>
-                                        <p:cTn id="26" dur="1" fill="hold">
-                                          <p:stCondLst>
-                                            <p:cond delay="0"/>
-                                          </p:stCondLst>
-                                        </p:cTn>
-                                        <p:tgtEl>
-                                          <p:spTgt spid="5">
-                                            <p:txEl>
-                                              <p:pRg st="8" end="8"/>
-                                            </p:txEl>
-                                          </p:spTgt>
-                                        </p:tgtEl>
-                                        <p:attrNameLst>
-                                          <p:attrName>style.visibility</p:attrName>
-                                        </p:attrNameLst>
-                                      </p:cBhvr>
-                                      <p:to>
-                                        <p:strVal val="visible"/>
-                                      </p:to>
-                                    </p:set>
-                                  </p:childTnLst>
-                                </p:cTn>
-                              </p:par>
-                            </p:childTnLst>
-                          </p:cTn>
-                        </p:par>
-                      </p:childTnLst>
-                    </p:cTn>
-                  </p:par>
-                </p:childTnLst>
-              </p:cTn>
-              <p:prevCondLst>
-                <p:cond evt="onPrev" delay="0">
-                  <p:tgtEl>
-                    <p:sldTgt/>
-                  </p:tgtEl>
-                </p:cond>
-              </p:prevCondLst>
-              <p:nextCondLst>
-                <p:cond evt="onNext" delay="0">
-                  <p:tgtEl>
-                    <p:sldTgt/>
-                  </p:tgtEl>
-                </p:cond>
-              </p:nextCondLst>
-            </p:seq>
-          </p:childTnLst>
-        </p:cTn>
-      </p:par>
-    </p:tnLst>
-    <p:bldLst>
-      <p:bldP spid="5" grpId="0" build="p"/>
-    </p:bldLst>
-  </p:timing>
-</p:sld>
-</file>
-
-<file path=ppt/slides/slide23.xml><?xml version="1.0" encoding="utf-8"?>
-<p:sld xmlns:a="http://schemas.openxmlformats.org/drawingml/2006/main" xmlns:r="http://schemas.openxmlformats.org/officeDocument/2006/relationships" xmlns:p="http://schemas.openxmlformats.org/presentationml/2006/main">
-  <p:cSld>
-    <p:spTree>
-      <p:nvGrpSpPr>
-        <p:cNvPr id="1" name=""/>
-        <p:cNvGrpSpPr/>
-        <p:nvPr/>
-      </p:nvGrpSpPr>
-      <p:grpSpPr>
-        <a:xfrm>
-          <a:off x="0" y="0"/>
-          <a:ext cx="0" cy="0"/>
-          <a:chOff x="0" y="0"/>
-          <a:chExt cx="0" cy="0"/>
-        </a:xfrm>
-      </p:grpSpPr>
-      <p:sp>
-        <p:nvSpPr>
-          <p:cNvPr id="2" name="Title 1"/>
-          <p:cNvSpPr>
-            <a:spLocks noGrp="1"/>
-          </p:cNvSpPr>
-          <p:nvPr>
-            <p:ph type="title"/>
-          </p:nvPr>
-        </p:nvSpPr>
-        <p:spPr/>
-        <p:txBody>
-          <a:bodyPr/>
-          <a:lstStyle/>
-          <a:p>
-            <a:r>
-              <a:rPr lang="en-US" dirty="0"/>
-              <a:t>Commonalities</a:t>
-            </a:r>
-          </a:p>
-        </p:txBody>
-      </p:sp>
-      <p:sp>
-        <p:nvSpPr>
-          <p:cNvPr id="5" name="Content Placeholder 4"/>
-          <p:cNvSpPr>
-            <a:spLocks noGrp="1"/>
-          </p:cNvSpPr>
-          <p:nvPr>
-            <p:ph sz="quarter" idx="1"/>
-          </p:nvPr>
-        </p:nvSpPr>
-        <p:spPr/>
-        <p:txBody>
-          <a:bodyPr/>
-          <a:lstStyle/>
-          <a:p>
-            <a:r>
-              <a:rPr lang="en-US" dirty="0"/>
-              <a:t>Unit testing is always good</a:t>
-            </a:r>
-          </a:p>
-          <a:p>
-            <a:pPr lvl="1"/>
-            <a:r>
-              <a:rPr lang="en-US" dirty="0"/>
-              <a:t>It is never sufficient</a:t>
-            </a:r>
-          </a:p>
-          <a:p>
-            <a:r>
-              <a:rPr lang="en-US" dirty="0"/>
-              <a:t>Verification of expected behavior</a:t>
-            </a:r>
-          </a:p>
-          <a:p>
-            <a:r>
-              <a:rPr lang="en-US" dirty="0"/>
-              <a:t>Understanding the range of validity and applicability is always important</a:t>
-            </a:r>
-          </a:p>
-          <a:p>
-            <a:pPr lvl="1"/>
-            <a:r>
-              <a:rPr lang="en-US" dirty="0"/>
-              <a:t>Especially for individual solvers </a:t>
-            </a:r>
-          </a:p>
-          <a:p>
-            <a:endParaRPr lang="en-US" dirty="0"/>
-          </a:p>
-          <a:p>
-            <a:endParaRPr lang="en-US" dirty="0"/>
-          </a:p>
-        </p:txBody>
-      </p:sp>
-    </p:spTree>
-    <p:extLst>
-      <p:ext uri="{BB962C8B-B14F-4D97-AF65-F5344CB8AC3E}">
-        <p14:creationId xmlns:p14="http://schemas.microsoft.com/office/powerpoint/2010/main" val="2002917355"/>
-      </p:ext>
-    </p:extLst>
-  </p:cSld>
-  <p:clrMapOvr>
-    <a:masterClrMapping/>
-  </p:clrMapOvr>
-</p:sld>
-</file>
-
-<file path=ppt/slides/slide24.xml><?xml version="1.0" encoding="utf-8"?>
-<p:sld xmlns:a="http://schemas.openxmlformats.org/drawingml/2006/main" xmlns:r="http://schemas.openxmlformats.org/officeDocument/2006/relationships" xmlns:p="http://schemas.openxmlformats.org/presentationml/2006/main">
-  <p:cSld>
-    <p:spTree>
-      <p:nvGrpSpPr>
-        <p:cNvPr id="1" name=""/>
-        <p:cNvGrpSpPr/>
-        <p:nvPr/>
-      </p:nvGrpSpPr>
-      <p:grpSpPr>
-        <a:xfrm>
-          <a:off x="0" y="0"/>
-          <a:ext cx="0" cy="0"/>
-          <a:chOff x="0" y="0"/>
-          <a:chExt cx="0" cy="0"/>
-        </a:xfrm>
-      </p:grpSpPr>
-      <p:sp>
-        <p:nvSpPr>
-          <p:cNvPr id="2" name="Title 1"/>
-          <p:cNvSpPr>
-            <a:spLocks noGrp="1"/>
-          </p:cNvSpPr>
-          <p:nvPr>
-            <p:ph type="title"/>
-          </p:nvPr>
-        </p:nvSpPr>
-        <p:spPr>
-          <a:xfrm>
-            <a:off x="365760" y="412270"/>
-            <a:ext cx="11376442" cy="510904"/>
-          </a:xfrm>
-        </p:spPr>
-        <p:txBody>
-          <a:bodyPr/>
-          <a:lstStyle/>
-          <a:p>
-            <a:r>
-              <a:rPr lang="en-US" b="0" dirty="0"/>
-              <a:t>Challenges with legacy codes</a:t>
+              <a:t>Verification</a:t>
             </a:r>
           </a:p>
         </p:txBody>
@@ -13993,1517 +12487,233 @@
         </p:nvSpPr>
         <p:spPr>
           <a:xfrm>
-            <a:off x="1797922" y="1487375"/>
-            <a:ext cx="8284276" cy="4905967"/>
+            <a:off x="368425" y="1061499"/>
+            <a:ext cx="11270298" cy="2586162"/>
           </a:xfrm>
         </p:spPr>
         <p:txBody>
-          <a:bodyPr>
-            <a:normAutofit/>
-          </a:bodyPr>
+          <a:bodyPr/>
           <a:lstStyle/>
           <a:p>
             <a:r>
               <a:rPr lang="en-US" dirty="0"/>
-              <a:t>Legacy codes can have many gotchas</a:t>
+              <a:t>Code verification uses tests </a:t>
             </a:r>
           </a:p>
           <a:p>
             <a:pPr lvl="1"/>
             <a:r>
               <a:rPr lang="en-US" dirty="0"/>
-              <a:t>Dead code </a:t>
+              <a:t>It is much more than a collection of tests</a:t>
+            </a:r>
+          </a:p>
+          <a:p>
+            <a:r>
+              <a:rPr lang="en-US" dirty="0"/>
+              <a:t>It is the holistic process through which you ensure that </a:t>
             </a:r>
           </a:p>
           <a:p>
             <a:pPr lvl="1"/>
             <a:r>
               <a:rPr lang="en-US" dirty="0"/>
-              <a:t>Redundant branches</a:t>
-            </a:r>
-          </a:p>
-          <a:p>
-            <a:r>
-              <a:rPr lang="en-US" dirty="0"/>
-              <a:t>Interactions between sections of the code may be unknown</a:t>
-            </a:r>
-          </a:p>
-          <a:p>
-            <a:r>
-              <a:rPr lang="en-US" dirty="0"/>
-              <a:t>Can be difficult to differentiate between just bad code, or bad code for a good reason</a:t>
+              <a:t>Your implementation shows expected behavior,</a:t>
             </a:r>
           </a:p>
           <a:p>
             <a:pPr lvl="1"/>
             <a:r>
               <a:rPr lang="en-US" dirty="0"/>
-              <a:t>Nested conditionals</a:t>
-            </a:r>
+              <a:t>Your implementation is consistent with your model,</a:t>
+            </a:r>
+          </a:p>
+          <a:p>
+            <a:pPr lvl="1"/>
+            <a:r>
+              <a:rPr lang="en-US" dirty="0"/>
+              <a:t>Science you are trying to do with the code can be done.</a:t>
+            </a:r>
+          </a:p>
+          <a:p>
+            <a:endParaRPr lang="en-US" dirty="0"/>
+          </a:p>
+          <a:p>
+            <a:endParaRPr lang="en-US" dirty="0"/>
+          </a:p>
+          <a:p>
+            <a:pPr lvl="1"/>
+            <a:endParaRPr lang="en-US" dirty="0"/>
           </a:p>
         </p:txBody>
       </p:sp>
       <p:sp>
         <p:nvSpPr>
-          <p:cNvPr id="4" name="Text Placeholder 3"/>
-          <p:cNvSpPr>
-            <a:spLocks noGrp="1"/>
-          </p:cNvSpPr>
-          <p:nvPr>
-            <p:ph type="body" sz="quarter" idx="12"/>
-          </p:nvPr>
+          <p:cNvPr id="4" name="Rectangle 3">
+            <a:extLst>
+              <a:ext uri="{FF2B5EF4-FFF2-40B4-BE49-F238E27FC236}">
+                <a16:creationId xmlns:a16="http://schemas.microsoft.com/office/drawing/2014/main" id="{EC2DB939-C639-8E4D-938F-DF12FCDD4D2F}"/>
+              </a:ext>
+            </a:extLst>
+          </p:cNvPr>
+          <p:cNvSpPr/>
+          <p:nvPr/>
         </p:nvSpPr>
-        <p:spPr/>
+        <p:spPr>
+          <a:xfrm>
+            <a:off x="834888" y="3558209"/>
+            <a:ext cx="8895522" cy="2445026"/>
+          </a:xfrm>
+          <a:prstGeom prst="rect">
+            <a:avLst/>
+          </a:prstGeom>
+          <a:solidFill>
+            <a:schemeClr val="accent3"/>
+          </a:solidFill>
+          <a:ln>
+            <a:noFill/>
+          </a:ln>
+          <a:effectLst>
+            <a:outerShdw blurRad="44450" dist="27940" dir="5400000" algn="ctr">
+              <a:srgbClr val="000000">
+                <a:alpha val="32000"/>
+              </a:srgbClr>
+            </a:outerShdw>
+          </a:effectLst>
+        </p:spPr>
         <p:txBody>
-          <a:bodyPr/>
+          <a:bodyPr rot="0" spcFirstLastPara="0" vertOverflow="overflow" horzOverflow="overflow" vert="horz" wrap="square" lIns="121851" tIns="60925" rIns="121851" bIns="60925" numCol="1" spcCol="0" rtlCol="0" fromWordArt="0" anchor="ctr" anchorCtr="0" forceAA="0" compatLnSpc="1">
+            <a:prstTxWarp prst="textNoShape">
+              <a:avLst/>
+            </a:prstTxWarp>
+            <a:noAutofit/>
+          </a:bodyPr>
           <a:lstStyle/>
           <a:p>
-            <a:r>
-              <a:rPr lang="en-US" dirty="0"/>
-              <a:t>     Checking for coverage</a:t>
-            </a:r>
+            <a:pPr>
+              <a:lnSpc>
+                <a:spcPct val="90000"/>
+              </a:lnSpc>
+            </a:pPr>
+            <a:r>
+              <a:rPr lang="en-US" sz="2000" b="1" dirty="0">
+                <a:solidFill>
+                  <a:schemeClr val="bg1"/>
+                </a:solidFill>
+              </a:rPr>
+              <a:t>How do verification and validation differ?</a:t>
+            </a:r>
+          </a:p>
+          <a:p>
+            <a:pPr marL="342900" indent="-342900">
+              <a:lnSpc>
+                <a:spcPct val="90000"/>
+              </a:lnSpc>
+              <a:buFont typeface="Arial" panose="020B0604020202020204" pitchFamily="34" charset="0"/>
+              <a:buChar char="•"/>
+            </a:pPr>
+            <a:r>
+              <a:rPr lang="en-US" sz="2000" dirty="0">
+                <a:solidFill>
+                  <a:schemeClr val="bg1"/>
+                </a:solidFill>
+              </a:rPr>
+              <a:t>Verification confirms that you have implemented what you meant to</a:t>
+            </a:r>
+          </a:p>
+          <a:p>
+            <a:pPr marL="800100" lvl="1" indent="-342900">
+              <a:lnSpc>
+                <a:spcPct val="90000"/>
+              </a:lnSpc>
+              <a:buFont typeface="Arial" panose="020B0604020202020204" pitchFamily="34" charset="0"/>
+              <a:buChar char="•"/>
+            </a:pPr>
+            <a:r>
+              <a:rPr lang="en-US" sz="2000" dirty="0">
+                <a:solidFill>
+                  <a:schemeClr val="bg1"/>
+                </a:solidFill>
+              </a:rPr>
+              <a:t>Your method does what you wanted it to do</a:t>
+            </a:r>
+          </a:p>
+          <a:p>
+            <a:pPr marL="342900" indent="-342900">
+              <a:lnSpc>
+                <a:spcPct val="90000"/>
+              </a:lnSpc>
+              <a:buFont typeface="Arial" panose="020B0604020202020204" pitchFamily="34" charset="0"/>
+              <a:buChar char="•"/>
+            </a:pPr>
+            <a:r>
+              <a:rPr lang="en-US" sz="2000" dirty="0">
+                <a:solidFill>
+                  <a:schemeClr val="bg1"/>
+                </a:solidFill>
+              </a:rPr>
+              <a:t>Validation tells you were right in implementing what you meant to</a:t>
+            </a:r>
+          </a:p>
+          <a:p>
+            <a:pPr marL="800100" lvl="1" indent="-342900">
+              <a:lnSpc>
+                <a:spcPct val="90000"/>
+              </a:lnSpc>
+              <a:buFont typeface="Arial" panose="020B0604020202020204" pitchFamily="34" charset="0"/>
+              <a:buChar char="•"/>
+            </a:pPr>
+            <a:r>
+              <a:rPr lang="en-US" sz="2000" dirty="0">
+                <a:solidFill>
+                  <a:schemeClr val="bg1"/>
+                </a:solidFill>
+              </a:rPr>
+              <a:t>What you wanted your method to do is valid</a:t>
+            </a:r>
+          </a:p>
+          <a:p>
+            <a:pPr marL="800100" lvl="1" indent="-342900">
+              <a:lnSpc>
+                <a:spcPct val="90000"/>
+              </a:lnSpc>
+              <a:buFont typeface="Arial" panose="020B0604020202020204" pitchFamily="34" charset="0"/>
+              <a:buChar char="•"/>
+            </a:pPr>
+            <a:r>
+              <a:rPr lang="en-US" sz="2000" dirty="0">
+                <a:solidFill>
+                  <a:schemeClr val="bg1"/>
+                </a:solidFill>
+              </a:rPr>
+              <a:t>Your model correctly captures the phenomenon you are trying to understand</a:t>
+            </a:r>
+          </a:p>
+          <a:p>
+            <a:pPr marL="800100" lvl="1" indent="-342900">
+              <a:lnSpc>
+                <a:spcPct val="90000"/>
+              </a:lnSpc>
+              <a:buFont typeface="Arial" panose="020B0604020202020204" pitchFamily="34" charset="0"/>
+              <a:buChar char="•"/>
+            </a:pPr>
+            <a:endParaRPr lang="en-US" sz="2000" dirty="0">
+              <a:solidFill>
+                <a:schemeClr val="bg1"/>
+              </a:solidFill>
+            </a:endParaRPr>
           </a:p>
         </p:txBody>
       </p:sp>
     </p:spTree>
     <p:extLst>
       <p:ext uri="{BB962C8B-B14F-4D97-AF65-F5344CB8AC3E}">
-        <p14:creationId xmlns:p14="http://schemas.microsoft.com/office/powerpoint/2010/main" val="2479036765"/>
+        <p14:creationId xmlns:p14="http://schemas.microsoft.com/office/powerpoint/2010/main" val="3162092533"/>
       </p:ext>
     </p:extLst>
   </p:cSld>
   <p:clrMapOvr>
     <a:masterClrMapping/>
   </p:clrMapOvr>
-  <mc:AlternateContent xmlns:mc="http://schemas.openxmlformats.org/markup-compatibility/2006" xmlns:p14="http://schemas.microsoft.com/office/powerpoint/2010/main">
-    <mc:Choice Requires="p14">
-      <p:transition p14:dur="250">
-        <p:fade/>
-      </p:transition>
-    </mc:Choice>
-    <mc:Fallback xmlns="">
-      <p:transition>
-        <p:fade/>
-      </p:transition>
-    </mc:Fallback>
-  </mc:AlternateContent>
-</p:sld>
-</file>
-
-<file path=ppt/slides/slide25.xml><?xml version="1.0" encoding="utf-8"?>
-<p:sld xmlns:a="http://schemas.openxmlformats.org/drawingml/2006/main" xmlns:r="http://schemas.openxmlformats.org/officeDocument/2006/relationships" xmlns:p="http://schemas.openxmlformats.org/presentationml/2006/main">
-  <p:cSld>
-    <p:spTree>
-      <p:nvGrpSpPr>
-        <p:cNvPr id="1" name=""/>
-        <p:cNvGrpSpPr/>
-        <p:nvPr/>
-      </p:nvGrpSpPr>
-      <p:grpSpPr>
-        <a:xfrm>
-          <a:off x="0" y="0"/>
-          <a:ext cx="0" cy="0"/>
-          <a:chOff x="0" y="0"/>
-          <a:chExt cx="0" cy="0"/>
-        </a:xfrm>
-      </p:grpSpPr>
-      <p:sp>
-        <p:nvSpPr>
-          <p:cNvPr id="2" name="Title 1">
-            <a:extLst>
-              <a:ext uri="{FF2B5EF4-FFF2-40B4-BE49-F238E27FC236}">
-                <a16:creationId xmlns:a16="http://schemas.microsoft.com/office/drawing/2014/main" id="{2D652AD8-340F-4E8B-B0C4-7ABAA20B6F6A}"/>
-              </a:ext>
-            </a:extLst>
-          </p:cNvPr>
-          <p:cNvSpPr>
-            <a:spLocks noGrp="1"/>
-          </p:cNvSpPr>
-          <p:nvPr>
-            <p:ph type="title"/>
-          </p:nvPr>
-        </p:nvSpPr>
-        <p:spPr/>
-        <p:txBody>
-          <a:bodyPr/>
-          <a:lstStyle/>
-          <a:p>
-            <a:r>
-              <a:rPr lang="en-US" dirty="0"/>
-              <a:t>Agenda</a:t>
-            </a:r>
-          </a:p>
-        </p:txBody>
-      </p:sp>
-      <p:graphicFrame>
-        <p:nvGraphicFramePr>
-          <p:cNvPr id="4" name="Content Placeholder 3">
-            <a:extLst>
-              <a:ext uri="{FF2B5EF4-FFF2-40B4-BE49-F238E27FC236}">
-                <a16:creationId xmlns:a16="http://schemas.microsoft.com/office/drawing/2014/main" id="{A0943BB2-2F98-4DD2-873B-1E619A0C771D}"/>
-              </a:ext>
-            </a:extLst>
-          </p:cNvPr>
-          <p:cNvGraphicFramePr>
-            <a:graphicFrameLocks noGrp="1"/>
-          </p:cNvGraphicFramePr>
-          <p:nvPr>
-            <p:ph idx="1"/>
-          </p:nvPr>
-        </p:nvGraphicFramePr>
-        <p:xfrm>
-          <a:off x="530679" y="1113288"/>
-          <a:ext cx="11127467" cy="3916680"/>
-        </p:xfrm>
-        <a:graphic>
-          <a:graphicData uri="http://schemas.openxmlformats.org/drawingml/2006/table">
-            <a:tbl>
-              <a:tblPr firstRow="1" bandRow="1">
-                <a:tableStyleId>{5C22544A-7EE6-4342-B048-85BDC9FD1C3A}</a:tableStyleId>
-              </a:tblPr>
-              <a:tblGrid>
-                <a:gridCol w="1856903">
-                  <a:extLst>
-                    <a:ext uri="{9D8B030D-6E8A-4147-A177-3AD203B41FA5}">
-                      <a16:colId xmlns:a16="http://schemas.microsoft.com/office/drawing/2014/main" val="3446576009"/>
-                    </a:ext>
-                  </a:extLst>
-                </a:gridCol>
-                <a:gridCol w="927652">
-                  <a:extLst>
-                    <a:ext uri="{9D8B030D-6E8A-4147-A177-3AD203B41FA5}">
-                      <a16:colId xmlns:a16="http://schemas.microsoft.com/office/drawing/2014/main" val="339314737"/>
-                    </a:ext>
-                  </a:extLst>
-                </a:gridCol>
-                <a:gridCol w="5502418">
-                  <a:extLst>
-                    <a:ext uri="{9D8B030D-6E8A-4147-A177-3AD203B41FA5}">
-                      <a16:colId xmlns:a16="http://schemas.microsoft.com/office/drawing/2014/main" val="1263998808"/>
-                    </a:ext>
-                  </a:extLst>
-                </a:gridCol>
-                <a:gridCol w="2840494">
-                  <a:extLst>
-                    <a:ext uri="{9D8B030D-6E8A-4147-A177-3AD203B41FA5}">
-                      <a16:colId xmlns:a16="http://schemas.microsoft.com/office/drawing/2014/main" val="4097899022"/>
-                    </a:ext>
-                  </a:extLst>
-                </a:gridCol>
-              </a:tblGrid>
-              <a:tr h="370840">
-                <a:tc>
-                  <a:txBody>
-                    <a:bodyPr/>
-                    <a:lstStyle/>
-                    <a:p>
-                      <a:pPr algn="l">
-                        <a:lnSpc>
-                          <a:spcPct val="100000"/>
-                        </a:lnSpc>
-                      </a:pPr>
-                      <a:r>
-                        <a:rPr lang="en-US" sz="1600" dirty="0"/>
-                        <a:t>Time</a:t>
-                      </a:r>
-                    </a:p>
-                  </a:txBody>
-                  <a:tcPr/>
-                </a:tc>
-                <a:tc>
-                  <a:txBody>
-                    <a:bodyPr/>
-                    <a:lstStyle/>
-                    <a:p>
-                      <a:pPr>
-                        <a:lnSpc>
-                          <a:spcPct val="100000"/>
-                        </a:lnSpc>
-                      </a:pPr>
-                      <a:r>
-                        <a:rPr lang="en-US" sz="1600" dirty="0"/>
-                        <a:t>Module</a:t>
-                      </a:r>
-                    </a:p>
-                  </a:txBody>
-                  <a:tcPr/>
-                </a:tc>
-                <a:tc>
-                  <a:txBody>
-                    <a:bodyPr/>
-                    <a:lstStyle/>
-                    <a:p>
-                      <a:pPr>
-                        <a:lnSpc>
-                          <a:spcPct val="100000"/>
-                        </a:lnSpc>
-                      </a:pPr>
-                      <a:r>
-                        <a:rPr lang="en-US" sz="1600" dirty="0"/>
-                        <a:t>Topic</a:t>
-                      </a:r>
-                    </a:p>
-                  </a:txBody>
-                  <a:tcPr/>
-                </a:tc>
-                <a:tc>
-                  <a:txBody>
-                    <a:bodyPr/>
-                    <a:lstStyle/>
-                    <a:p>
-                      <a:pPr>
-                        <a:lnSpc>
-                          <a:spcPct val="100000"/>
-                        </a:lnSpc>
-                      </a:pPr>
-                      <a:r>
-                        <a:rPr lang="en-US" sz="1600" dirty="0"/>
-                        <a:t>Speaker</a:t>
-                      </a:r>
-                    </a:p>
-                  </a:txBody>
-                  <a:tcPr/>
-                </a:tc>
-                <a:extLst>
-                  <a:ext uri="{0D108BD9-81ED-4DB2-BD59-A6C34878D82A}">
-                    <a16:rowId xmlns:a16="http://schemas.microsoft.com/office/drawing/2014/main" val="3602420430"/>
-                  </a:ext>
-                </a:extLst>
-              </a:tr>
-              <a:tr h="370840">
-                <a:tc>
-                  <a:txBody>
-                    <a:bodyPr/>
-                    <a:lstStyle/>
-                    <a:p>
-                      <a:pPr rtl="0" fontAlgn="t">
-                        <a:spcBef>
-                          <a:spcPts val="0"/>
-                        </a:spcBef>
-                        <a:spcAft>
-                          <a:spcPts val="0"/>
-                        </a:spcAft>
-                      </a:pPr>
-                      <a:r>
-                        <a:rPr lang="en-US" sz="1600" b="0" i="0" u="none" strike="noStrike" dirty="0">
-                          <a:solidFill>
-                            <a:srgbClr val="000000"/>
-                          </a:solidFill>
-                          <a:effectLst/>
-                          <a:latin typeface="Arial" panose="020B0604020202020204" pitchFamily="34" charset="0"/>
-                        </a:rPr>
-                        <a:t>1:00pm-1:05pm</a:t>
-                      </a:r>
-                      <a:endParaRPr lang="en-US" sz="3600" dirty="0">
-                        <a:effectLst/>
-                      </a:endParaRPr>
-                    </a:p>
-                  </a:txBody>
-                  <a:tcPr marL="63500" marR="63500" marT="63500" marB="63500"/>
-                </a:tc>
-                <a:tc>
-                  <a:txBody>
-                    <a:bodyPr/>
-                    <a:lstStyle/>
-                    <a:p>
-                      <a:pPr>
-                        <a:lnSpc>
-                          <a:spcPct val="100000"/>
-                        </a:lnSpc>
-                      </a:pPr>
-                      <a:r>
-                        <a:rPr lang="en-US" sz="1600" dirty="0"/>
-                        <a:t>00</a:t>
-                      </a:r>
-                    </a:p>
-                  </a:txBody>
-                  <a:tcPr/>
-                </a:tc>
-                <a:tc>
-                  <a:txBody>
-                    <a:bodyPr/>
-                    <a:lstStyle/>
-                    <a:p>
-                      <a:pPr>
-                        <a:lnSpc>
-                          <a:spcPct val="100000"/>
-                        </a:lnSpc>
-                      </a:pPr>
-                      <a:r>
-                        <a:rPr lang="en-US" sz="1600" b="0" i="0" u="none" strike="noStrike" kern="1200" dirty="0">
-                          <a:solidFill>
-                            <a:schemeClr val="dk1"/>
-                          </a:solidFill>
-                          <a:effectLst/>
-                          <a:latin typeface="+mn-lt"/>
-                          <a:ea typeface="+mn-ea"/>
-                          <a:cs typeface="+mn-cs"/>
-                        </a:rPr>
-                        <a:t>Introduction</a:t>
-                      </a:r>
-                      <a:endParaRPr lang="en-US" sz="1600" dirty="0"/>
-                    </a:p>
-                  </a:txBody>
-                  <a:tcPr/>
-                </a:tc>
-                <a:tc>
-                  <a:txBody>
-                    <a:bodyPr/>
-                    <a:lstStyle/>
-                    <a:p>
-                      <a:pPr>
-                        <a:lnSpc>
-                          <a:spcPct val="100000"/>
-                        </a:lnSpc>
-                      </a:pPr>
-                      <a:r>
-                        <a:rPr lang="en-US" sz="1600" dirty="0"/>
-                        <a:t>David E. Bernholdt, ORNL</a:t>
-                      </a:r>
-                    </a:p>
-                  </a:txBody>
-                  <a:tcPr/>
-                </a:tc>
-                <a:extLst>
-                  <a:ext uri="{0D108BD9-81ED-4DB2-BD59-A6C34878D82A}">
-                    <a16:rowId xmlns:a16="http://schemas.microsoft.com/office/drawing/2014/main" val="4236476034"/>
-                  </a:ext>
-                </a:extLst>
-              </a:tr>
-              <a:tr h="370840">
-                <a:tc>
-                  <a:txBody>
-                    <a:bodyPr/>
-                    <a:lstStyle/>
-                    <a:p>
-                      <a:pPr rtl="0" fontAlgn="t">
-                        <a:spcBef>
-                          <a:spcPts val="0"/>
-                        </a:spcBef>
-                        <a:spcAft>
-                          <a:spcPts val="0"/>
-                        </a:spcAft>
-                      </a:pPr>
-                      <a:r>
-                        <a:rPr lang="en-US" sz="1600" b="0" i="0" u="none" strike="noStrike" dirty="0">
-                          <a:solidFill>
-                            <a:srgbClr val="000000"/>
-                          </a:solidFill>
-                          <a:effectLst/>
-                          <a:latin typeface="Arial" panose="020B0604020202020204" pitchFamily="34" charset="0"/>
-                        </a:rPr>
-                        <a:t>1:05pm-1:30pm</a:t>
-                      </a:r>
-                      <a:endParaRPr lang="en-US" sz="3600" dirty="0">
-                        <a:effectLst/>
-                      </a:endParaRPr>
-                    </a:p>
-                  </a:txBody>
-                  <a:tcPr marL="63500" marR="63500" marT="63500" marB="63500"/>
-                </a:tc>
-                <a:tc>
-                  <a:txBody>
-                    <a:bodyPr/>
-                    <a:lstStyle/>
-                    <a:p>
-                      <a:pPr marL="0" marR="0" lvl="0" indent="0" algn="l" defTabSz="914400" rtl="0" eaLnBrk="1" fontAlgn="auto" latinLnBrk="0" hangingPunct="1">
-                        <a:lnSpc>
-                          <a:spcPct val="100000"/>
-                        </a:lnSpc>
-                        <a:spcBef>
-                          <a:spcPts val="0"/>
-                        </a:spcBef>
-                        <a:spcAft>
-                          <a:spcPts val="0"/>
-                        </a:spcAft>
-                        <a:buClrTx/>
-                        <a:buSzTx/>
-                        <a:buFontTx/>
-                        <a:buNone/>
-                        <a:tabLst/>
-                        <a:defRPr/>
-                      </a:pPr>
-                      <a:r>
-                        <a:rPr lang="en-US" sz="1600" dirty="0"/>
-                        <a:t>01</a:t>
-                      </a:r>
-                    </a:p>
-                  </a:txBody>
-                  <a:tcPr/>
-                </a:tc>
-                <a:tc>
-                  <a:txBody>
-                    <a:bodyPr/>
-                    <a:lstStyle/>
-                    <a:p>
-                      <a:pPr marL="0" marR="0" lvl="0" indent="0" algn="l" defTabSz="914400" rtl="0" eaLnBrk="1" fontAlgn="auto" latinLnBrk="0" hangingPunct="1">
-                        <a:lnSpc>
-                          <a:spcPct val="100000"/>
-                        </a:lnSpc>
-                        <a:spcBef>
-                          <a:spcPts val="0"/>
-                        </a:spcBef>
-                        <a:spcAft>
-                          <a:spcPts val="0"/>
-                        </a:spcAft>
-                        <a:buClrTx/>
-                        <a:buSzTx/>
-                        <a:buFontTx/>
-                        <a:buNone/>
-                        <a:tabLst/>
-                        <a:defRPr/>
-                      </a:pPr>
-                      <a:r>
-                        <a:rPr lang="en-US" sz="1600" b="0" i="0" u="none" strike="noStrike" kern="1200" dirty="0">
-                          <a:solidFill>
-                            <a:schemeClr val="dk1"/>
-                          </a:solidFill>
-                          <a:effectLst/>
-                          <a:latin typeface="+mn-lt"/>
-                          <a:ea typeface="+mn-ea"/>
-                          <a:cs typeface="+mn-cs"/>
-                        </a:rPr>
-                        <a:t>Overview of Best Practices in HPC </a:t>
-                      </a:r>
-                      <a:r>
-                        <a:rPr lang="en-US" sz="1600" b="0" i="0" u="none" strike="noStrike" kern="1200">
-                          <a:solidFill>
-                            <a:schemeClr val="dk1"/>
-                          </a:solidFill>
-                          <a:effectLst/>
-                          <a:latin typeface="+mn-lt"/>
-                          <a:ea typeface="+mn-ea"/>
-                          <a:cs typeface="+mn-cs"/>
-                        </a:rPr>
-                        <a:t>Software Development</a:t>
-                      </a:r>
-                      <a:endParaRPr lang="en-US" sz="1600" dirty="0"/>
-                    </a:p>
-                  </a:txBody>
-                  <a:tcPr/>
-                </a:tc>
-                <a:tc>
-                  <a:txBody>
-                    <a:bodyPr/>
-                    <a:lstStyle/>
-                    <a:p>
-                      <a:pPr marL="0" marR="0" lvl="0" indent="0" algn="l" defTabSz="914400" rtl="0" eaLnBrk="1" fontAlgn="auto" latinLnBrk="0" hangingPunct="1">
-                        <a:lnSpc>
-                          <a:spcPct val="100000"/>
-                        </a:lnSpc>
-                        <a:spcBef>
-                          <a:spcPts val="0"/>
-                        </a:spcBef>
-                        <a:spcAft>
-                          <a:spcPts val="0"/>
-                        </a:spcAft>
-                        <a:buClrTx/>
-                        <a:buSzTx/>
-                        <a:buFontTx/>
-                        <a:buNone/>
-                        <a:tabLst/>
-                        <a:defRPr/>
-                      </a:pPr>
-                      <a:r>
-                        <a:rPr lang="en-US" sz="1600" dirty="0"/>
-                        <a:t>David E. Bernholdt, ORNL</a:t>
-                      </a:r>
-                    </a:p>
-                  </a:txBody>
-                  <a:tcPr/>
-                </a:tc>
-                <a:extLst>
-                  <a:ext uri="{0D108BD9-81ED-4DB2-BD59-A6C34878D82A}">
-                    <a16:rowId xmlns:a16="http://schemas.microsoft.com/office/drawing/2014/main" val="18592124"/>
-                  </a:ext>
-                </a:extLst>
-              </a:tr>
-              <a:tr h="370840">
-                <a:tc>
-                  <a:txBody>
-                    <a:bodyPr/>
-                    <a:lstStyle/>
-                    <a:p>
-                      <a:pPr rtl="0" fontAlgn="t">
-                        <a:spcBef>
-                          <a:spcPts val="0"/>
-                        </a:spcBef>
-                        <a:spcAft>
-                          <a:spcPts val="0"/>
-                        </a:spcAft>
-                      </a:pPr>
-                      <a:r>
-                        <a:rPr lang="en-US" sz="1600" b="0" i="0" u="none" strike="noStrike" dirty="0">
-                          <a:solidFill>
-                            <a:srgbClr val="000000"/>
-                          </a:solidFill>
-                          <a:effectLst/>
-                          <a:latin typeface="Arial" panose="020B0604020202020204" pitchFamily="34" charset="0"/>
-                        </a:rPr>
-                        <a:t>1:30pm-2:00pm</a:t>
-                      </a:r>
-                      <a:endParaRPr lang="en-US" sz="3600" dirty="0">
-                        <a:effectLst/>
-                      </a:endParaRPr>
-                    </a:p>
-                  </a:txBody>
-                  <a:tcPr marL="63500" marR="63500" marT="63500" marB="63500"/>
-                </a:tc>
-                <a:tc>
-                  <a:txBody>
-                    <a:bodyPr/>
-                    <a:lstStyle/>
-                    <a:p>
-                      <a:pPr>
-                        <a:lnSpc>
-                          <a:spcPct val="100000"/>
-                        </a:lnSpc>
-                      </a:pPr>
-                      <a:r>
-                        <a:rPr lang="en-US" sz="1600" dirty="0"/>
-                        <a:t>02</a:t>
-                      </a:r>
-                    </a:p>
-                  </a:txBody>
-                  <a:tcPr/>
-                </a:tc>
-                <a:tc>
-                  <a:txBody>
-                    <a:bodyPr/>
-                    <a:lstStyle/>
-                    <a:p>
-                      <a:pPr>
-                        <a:lnSpc>
-                          <a:spcPct val="100000"/>
-                        </a:lnSpc>
-                      </a:pPr>
-                      <a:r>
-                        <a:rPr lang="en-US" sz="1600" dirty="0"/>
-                        <a:t>Agile Methodologies and Useful GitHub Tools</a:t>
-                      </a:r>
-                    </a:p>
-                  </a:txBody>
-                  <a:tcPr/>
-                </a:tc>
-                <a:tc>
-                  <a:txBody>
-                    <a:bodyPr/>
-                    <a:lstStyle/>
-                    <a:p>
-                      <a:pPr>
-                        <a:lnSpc>
-                          <a:spcPct val="100000"/>
-                        </a:lnSpc>
-                      </a:pPr>
-                      <a:r>
-                        <a:rPr lang="en-US" sz="1600" dirty="0"/>
-                        <a:t>David E. Bernholdt, ORNL</a:t>
-                      </a:r>
-                    </a:p>
-                  </a:txBody>
-                  <a:tcPr/>
-                </a:tc>
-                <a:extLst>
-                  <a:ext uri="{0D108BD9-81ED-4DB2-BD59-A6C34878D82A}">
-                    <a16:rowId xmlns:a16="http://schemas.microsoft.com/office/drawing/2014/main" val="3991164013"/>
-                  </a:ext>
-                </a:extLst>
-              </a:tr>
-              <a:tr h="370840">
-                <a:tc>
-                  <a:txBody>
-                    <a:bodyPr/>
-                    <a:lstStyle/>
-                    <a:p>
-                      <a:pPr rtl="0" fontAlgn="t">
-                        <a:spcBef>
-                          <a:spcPts val="0"/>
-                        </a:spcBef>
-                        <a:spcAft>
-                          <a:spcPts val="0"/>
-                        </a:spcAft>
-                      </a:pPr>
-                      <a:r>
-                        <a:rPr lang="en-US" sz="1600" dirty="0">
-                          <a:effectLst/>
-                        </a:rPr>
-                        <a:t>2:00pm-2:30pm</a:t>
-                      </a:r>
-                    </a:p>
-                  </a:txBody>
-                  <a:tcPr marL="63500" marR="63500" marT="63500" marB="63500"/>
-                </a:tc>
-                <a:tc>
-                  <a:txBody>
-                    <a:bodyPr/>
-                    <a:lstStyle/>
-                    <a:p>
-                      <a:pPr>
-                        <a:lnSpc>
-                          <a:spcPct val="100000"/>
-                        </a:lnSpc>
-                      </a:pPr>
-                      <a:r>
-                        <a:rPr lang="en-US" sz="1600" i="0" dirty="0">
-                          <a:solidFill>
-                            <a:schemeClr val="tx1"/>
-                          </a:solidFill>
-                        </a:rPr>
-                        <a:t>03</a:t>
-                      </a:r>
-                    </a:p>
-                  </a:txBody>
-                  <a:tcPr/>
-                </a:tc>
-                <a:tc>
-                  <a:txBody>
-                    <a:bodyPr/>
-                    <a:lstStyle/>
-                    <a:p>
-                      <a:pPr marL="0" marR="0" lvl="0" indent="0" algn="l" defTabSz="914400" rtl="0" eaLnBrk="1" fontAlgn="auto" latinLnBrk="0" hangingPunct="1">
-                        <a:lnSpc>
-                          <a:spcPct val="100000"/>
-                        </a:lnSpc>
-                        <a:spcBef>
-                          <a:spcPts val="0"/>
-                        </a:spcBef>
-                        <a:spcAft>
-                          <a:spcPts val="0"/>
-                        </a:spcAft>
-                        <a:buClrTx/>
-                        <a:buSzTx/>
-                        <a:buFontTx/>
-                        <a:buNone/>
-                        <a:tabLst/>
-                        <a:defRPr/>
-                      </a:pPr>
-                      <a:r>
-                        <a:rPr lang="en-US" sz="1600" b="0" i="0" u="none" strike="noStrike" kern="1200" dirty="0">
-                          <a:solidFill>
-                            <a:schemeClr val="dk1"/>
-                          </a:solidFill>
-                          <a:effectLst/>
-                          <a:latin typeface="+mn-lt"/>
-                          <a:ea typeface="+mn-ea"/>
-                          <a:cs typeface="+mn-cs"/>
-                        </a:rPr>
-                        <a:t>Improving Reproducibility through Better Software Practices</a:t>
-                      </a:r>
-                      <a:endParaRPr lang="en-US" sz="1600" dirty="0"/>
-                    </a:p>
-                  </a:txBody>
-                  <a:tcPr/>
-                </a:tc>
-                <a:tc>
-                  <a:txBody>
-                    <a:bodyPr/>
-                    <a:lstStyle/>
-                    <a:p>
-                      <a:pPr marL="0" marR="0" lvl="0" indent="0" algn="l" defTabSz="914400" rtl="0" eaLnBrk="1" fontAlgn="auto" latinLnBrk="0" hangingPunct="1">
-                        <a:lnSpc>
-                          <a:spcPct val="100000"/>
-                        </a:lnSpc>
-                        <a:spcBef>
-                          <a:spcPts val="0"/>
-                        </a:spcBef>
-                        <a:spcAft>
-                          <a:spcPts val="0"/>
-                        </a:spcAft>
-                        <a:buClrTx/>
-                        <a:buSzTx/>
-                        <a:buFontTx/>
-                        <a:buNone/>
-                        <a:tabLst/>
-                        <a:defRPr/>
-                      </a:pPr>
-                      <a:r>
-                        <a:rPr lang="en-US" sz="1600" dirty="0"/>
-                        <a:t>David E. Bernholdt, ORNL</a:t>
-                      </a:r>
-                    </a:p>
-                  </a:txBody>
-                  <a:tcPr/>
-                </a:tc>
-                <a:extLst>
-                  <a:ext uri="{0D108BD9-81ED-4DB2-BD59-A6C34878D82A}">
-                    <a16:rowId xmlns:a16="http://schemas.microsoft.com/office/drawing/2014/main" val="1350023114"/>
-                  </a:ext>
-                </a:extLst>
-              </a:tr>
-              <a:tr h="370840">
-                <a:tc>
-                  <a:txBody>
-                    <a:bodyPr/>
-                    <a:lstStyle/>
-                    <a:p>
-                      <a:pPr rtl="0" fontAlgn="t">
-                        <a:spcBef>
-                          <a:spcPts val="0"/>
-                        </a:spcBef>
-                        <a:spcAft>
-                          <a:spcPts val="0"/>
-                        </a:spcAft>
-                      </a:pPr>
-                      <a:r>
-                        <a:rPr lang="en-US" sz="1600" dirty="0">
-                          <a:effectLst/>
-                        </a:rPr>
-                        <a:t>2:30pm-2:45pm</a:t>
-                      </a:r>
-                    </a:p>
-                  </a:txBody>
-                  <a:tcPr marL="63500" marR="63500" marT="63500" marB="63500"/>
-                </a:tc>
-                <a:tc>
-                  <a:txBody>
-                    <a:bodyPr/>
-                    <a:lstStyle/>
-                    <a:p>
-                      <a:pPr>
-                        <a:lnSpc>
-                          <a:spcPct val="100000"/>
-                        </a:lnSpc>
-                      </a:pPr>
-                      <a:endParaRPr lang="en-US" sz="1600" i="0" dirty="0">
-                        <a:solidFill>
-                          <a:schemeClr val="tx2"/>
-                        </a:solidFill>
-                      </a:endParaRPr>
-                    </a:p>
-                  </a:txBody>
-                  <a:tcPr/>
-                </a:tc>
-                <a:tc>
-                  <a:txBody>
-                    <a:bodyPr/>
-                    <a:lstStyle/>
-                    <a:p>
-                      <a:pPr marL="0" marR="0" lvl="0" indent="0" algn="l" defTabSz="914400" rtl="0" eaLnBrk="1" fontAlgn="auto" latinLnBrk="0" hangingPunct="1">
-                        <a:lnSpc>
-                          <a:spcPct val="100000"/>
-                        </a:lnSpc>
-                        <a:spcBef>
-                          <a:spcPts val="0"/>
-                        </a:spcBef>
-                        <a:spcAft>
-                          <a:spcPts val="0"/>
-                        </a:spcAft>
-                        <a:buClrTx/>
-                        <a:buSzTx/>
-                        <a:buFontTx/>
-                        <a:buNone/>
-                        <a:tabLst/>
-                        <a:defRPr/>
-                      </a:pPr>
-                      <a:r>
-                        <a:rPr lang="en-US" sz="1600" dirty="0"/>
-                        <a:t>Q&amp;A</a:t>
-                      </a:r>
-                    </a:p>
-                  </a:txBody>
-                  <a:tcPr/>
-                </a:tc>
-                <a:tc>
-                  <a:txBody>
-                    <a:bodyPr/>
-                    <a:lstStyle/>
-                    <a:p>
-                      <a:pPr marL="0" marR="0" lvl="0" indent="0" algn="l" defTabSz="914400" rtl="0" eaLnBrk="1" fontAlgn="auto" latinLnBrk="0" hangingPunct="1">
-                        <a:lnSpc>
-                          <a:spcPct val="100000"/>
-                        </a:lnSpc>
-                        <a:spcBef>
-                          <a:spcPts val="0"/>
-                        </a:spcBef>
-                        <a:spcAft>
-                          <a:spcPts val="0"/>
-                        </a:spcAft>
-                        <a:buClrTx/>
-                        <a:buSzTx/>
-                        <a:buFontTx/>
-                        <a:buNone/>
-                        <a:tabLst/>
-                        <a:defRPr/>
-                      </a:pPr>
-                      <a:r>
-                        <a:rPr lang="en-US" sz="1600" dirty="0"/>
-                        <a:t>All</a:t>
-                      </a:r>
-                    </a:p>
-                  </a:txBody>
-                  <a:tcPr/>
-                </a:tc>
-                <a:extLst>
-                  <a:ext uri="{0D108BD9-81ED-4DB2-BD59-A6C34878D82A}">
-                    <a16:rowId xmlns:a16="http://schemas.microsoft.com/office/drawing/2014/main" val="200552289"/>
-                  </a:ext>
-                </a:extLst>
-              </a:tr>
-              <a:tr h="370840">
-                <a:tc>
-                  <a:txBody>
-                    <a:bodyPr/>
-                    <a:lstStyle/>
-                    <a:p>
-                      <a:pPr rtl="0" fontAlgn="t">
-                        <a:spcBef>
-                          <a:spcPts val="0"/>
-                        </a:spcBef>
-                        <a:spcAft>
-                          <a:spcPts val="0"/>
-                        </a:spcAft>
-                      </a:pPr>
-                      <a:r>
-                        <a:rPr lang="en-US" sz="1600" b="0" i="1" u="none" strike="noStrike" dirty="0">
-                          <a:solidFill>
-                            <a:srgbClr val="266093"/>
-                          </a:solidFill>
-                          <a:effectLst/>
-                          <a:latin typeface="Arial" panose="020B0604020202020204" pitchFamily="34" charset="0"/>
-                        </a:rPr>
-                        <a:t>2:45pm-3:30pm</a:t>
-                      </a:r>
-                      <a:endParaRPr lang="en-US" sz="3600" dirty="0">
-                        <a:effectLst/>
-                      </a:endParaRPr>
-                    </a:p>
-                  </a:txBody>
-                  <a:tcPr marL="63500" marR="63500" marT="63500" marB="63500"/>
-                </a:tc>
-                <a:tc>
-                  <a:txBody>
-                    <a:bodyPr/>
-                    <a:lstStyle/>
-                    <a:p>
-                      <a:pPr>
-                        <a:lnSpc>
-                          <a:spcPct val="100000"/>
-                        </a:lnSpc>
-                      </a:pPr>
-                      <a:endParaRPr lang="en-US" sz="1600" i="1" dirty="0">
-                        <a:solidFill>
-                          <a:schemeClr val="tx2"/>
-                        </a:solidFill>
-                      </a:endParaRPr>
-                    </a:p>
-                  </a:txBody>
-                  <a:tcPr/>
-                </a:tc>
-                <a:tc>
-                  <a:txBody>
-                    <a:bodyPr/>
-                    <a:lstStyle/>
-                    <a:p>
-                      <a:pPr>
-                        <a:lnSpc>
-                          <a:spcPct val="100000"/>
-                        </a:lnSpc>
-                      </a:pPr>
-                      <a:r>
-                        <a:rPr lang="en-US" sz="1600" b="0" i="1" u="none" strike="noStrike" kern="1200" dirty="0">
-                          <a:solidFill>
-                            <a:schemeClr val="tx2"/>
-                          </a:solidFill>
-                          <a:effectLst/>
-                          <a:latin typeface="+mn-lt"/>
-                          <a:ea typeface="+mn-ea"/>
-                          <a:cs typeface="+mn-cs"/>
-                        </a:rPr>
-                        <a:t>Break</a:t>
-                      </a:r>
-                      <a:endParaRPr lang="en-US" sz="1600" i="1" dirty="0">
-                        <a:solidFill>
-                          <a:schemeClr val="tx2"/>
-                        </a:solidFill>
-                      </a:endParaRPr>
-                    </a:p>
-                  </a:txBody>
-                  <a:tcPr/>
-                </a:tc>
-                <a:tc>
-                  <a:txBody>
-                    <a:bodyPr/>
-                    <a:lstStyle/>
-                    <a:p>
-                      <a:pPr>
-                        <a:lnSpc>
-                          <a:spcPct val="100000"/>
-                        </a:lnSpc>
-                      </a:pPr>
-                      <a:endParaRPr lang="en-US" sz="1600" i="1" dirty="0">
-                        <a:solidFill>
-                          <a:schemeClr val="tx2"/>
-                        </a:solidFill>
-                      </a:endParaRPr>
-                    </a:p>
-                  </a:txBody>
-                  <a:tcPr/>
-                </a:tc>
-                <a:extLst>
-                  <a:ext uri="{0D108BD9-81ED-4DB2-BD59-A6C34878D82A}">
-                    <a16:rowId xmlns:a16="http://schemas.microsoft.com/office/drawing/2014/main" val="1922613886"/>
-                  </a:ext>
-                </a:extLst>
-              </a:tr>
-              <a:tr h="370840">
-                <a:tc>
-                  <a:txBody>
-                    <a:bodyPr/>
-                    <a:lstStyle/>
-                    <a:p>
-                      <a:pPr rtl="0" fontAlgn="t">
-                        <a:spcBef>
-                          <a:spcPts val="0"/>
-                        </a:spcBef>
-                        <a:spcAft>
-                          <a:spcPts val="0"/>
-                        </a:spcAft>
-                      </a:pPr>
-                      <a:r>
-                        <a:rPr lang="en-US" sz="1600" b="0" i="0" u="none" strike="noStrike" dirty="0">
-                          <a:solidFill>
-                            <a:srgbClr val="000000"/>
-                          </a:solidFill>
-                          <a:effectLst/>
-                          <a:latin typeface="Arial" panose="020B0604020202020204" pitchFamily="34" charset="0"/>
-                        </a:rPr>
-                        <a:t>3:30pm-4:15pm</a:t>
-                      </a:r>
-                      <a:endParaRPr lang="en-US" sz="3600" dirty="0">
-                        <a:effectLst/>
-                      </a:endParaRPr>
-                    </a:p>
-                  </a:txBody>
-                  <a:tcPr marL="63500" marR="63500" marT="63500" marB="63500"/>
-                </a:tc>
-                <a:tc>
-                  <a:txBody>
-                    <a:bodyPr/>
-                    <a:lstStyle/>
-                    <a:p>
-                      <a:pPr>
-                        <a:lnSpc>
-                          <a:spcPct val="100000"/>
-                        </a:lnSpc>
-                      </a:pPr>
-                      <a:r>
-                        <a:rPr lang="en-US" sz="1600" i="0" dirty="0"/>
-                        <a:t>04</a:t>
-                      </a:r>
-                    </a:p>
-                  </a:txBody>
-                  <a:tcPr/>
-                </a:tc>
-                <a:tc>
-                  <a:txBody>
-                    <a:bodyPr/>
-                    <a:lstStyle/>
-                    <a:p>
-                      <a:pPr>
-                        <a:lnSpc>
-                          <a:spcPct val="100000"/>
-                        </a:lnSpc>
-                      </a:pPr>
-                      <a:r>
-                        <a:rPr lang="en-US" sz="1600" i="0" dirty="0"/>
-                        <a:t>Software Design and Testing</a:t>
-                      </a:r>
-                    </a:p>
-                  </a:txBody>
-                  <a:tcPr/>
-                </a:tc>
-                <a:tc>
-                  <a:txBody>
-                    <a:bodyPr/>
-                    <a:lstStyle/>
-                    <a:p>
-                      <a:pPr>
-                        <a:lnSpc>
-                          <a:spcPct val="100000"/>
-                        </a:lnSpc>
-                      </a:pPr>
-                      <a:r>
-                        <a:rPr lang="en-US" sz="1600" dirty="0"/>
-                        <a:t>David E. Bernholdt, ORNL</a:t>
-                      </a:r>
-                    </a:p>
-                  </a:txBody>
-                  <a:tcPr/>
-                </a:tc>
-                <a:extLst>
-                  <a:ext uri="{0D108BD9-81ED-4DB2-BD59-A6C34878D82A}">
-                    <a16:rowId xmlns:a16="http://schemas.microsoft.com/office/drawing/2014/main" val="4193880066"/>
-                  </a:ext>
-                </a:extLst>
-              </a:tr>
-              <a:tr h="370840">
-                <a:tc>
-                  <a:txBody>
-                    <a:bodyPr/>
-                    <a:lstStyle/>
-                    <a:p>
-                      <a:pPr rtl="0" fontAlgn="t">
-                        <a:spcBef>
-                          <a:spcPts val="0"/>
-                        </a:spcBef>
-                        <a:spcAft>
-                          <a:spcPts val="0"/>
-                        </a:spcAft>
-                      </a:pPr>
-                      <a:r>
-                        <a:rPr lang="en-US" sz="1600" b="0" i="0" u="none" strike="noStrike" dirty="0">
-                          <a:solidFill>
-                            <a:srgbClr val="000000"/>
-                          </a:solidFill>
-                          <a:effectLst/>
-                          <a:latin typeface="Arial" panose="020B0604020202020204" pitchFamily="34" charset="0"/>
-                        </a:rPr>
-                        <a:t>4:14pm-4:45pm</a:t>
-                      </a:r>
-                      <a:endParaRPr lang="en-US" sz="3600" dirty="0">
-                        <a:effectLst/>
-                      </a:endParaRPr>
-                    </a:p>
-                  </a:txBody>
-                  <a:tcPr marL="63500" marR="63500" marT="63500" marB="63500"/>
-                </a:tc>
-                <a:tc>
-                  <a:txBody>
-                    <a:bodyPr/>
-                    <a:lstStyle/>
-                    <a:p>
-                      <a:pPr>
-                        <a:lnSpc>
-                          <a:spcPct val="100000"/>
-                        </a:lnSpc>
-                      </a:pPr>
-                      <a:r>
-                        <a:rPr lang="en-US" sz="1600" i="0" dirty="0"/>
-                        <a:t>05</a:t>
-                      </a:r>
-                    </a:p>
-                  </a:txBody>
-                  <a:tcPr/>
-                </a:tc>
-                <a:tc>
-                  <a:txBody>
-                    <a:bodyPr/>
-                    <a:lstStyle/>
-                    <a:p>
-                      <a:pPr>
-                        <a:lnSpc>
-                          <a:spcPct val="100000"/>
-                        </a:lnSpc>
-                      </a:pPr>
-                      <a:r>
-                        <a:rPr lang="en-US" sz="1600" i="0" dirty="0"/>
-                        <a:t>Continuous Integration</a:t>
-                      </a:r>
-                    </a:p>
-                  </a:txBody>
-                  <a:tcPr/>
-                </a:tc>
-                <a:tc>
-                  <a:txBody>
-                    <a:bodyPr/>
-                    <a:lstStyle/>
-                    <a:p>
-                      <a:pPr>
-                        <a:lnSpc>
-                          <a:spcPct val="100000"/>
-                        </a:lnSpc>
-                      </a:pPr>
-                      <a:r>
-                        <a:rPr lang="en-US" sz="1600" dirty="0"/>
-                        <a:t>David E. Bernholdt, ORNL</a:t>
-                      </a:r>
-                    </a:p>
-                  </a:txBody>
-                  <a:tcPr/>
-                </a:tc>
-                <a:extLst>
-                  <a:ext uri="{0D108BD9-81ED-4DB2-BD59-A6C34878D82A}">
-                    <a16:rowId xmlns:a16="http://schemas.microsoft.com/office/drawing/2014/main" val="2444169840"/>
-                  </a:ext>
-                </a:extLst>
-              </a:tr>
-              <a:tr h="370840">
-                <a:tc>
-                  <a:txBody>
-                    <a:bodyPr/>
-                    <a:lstStyle/>
-                    <a:p>
-                      <a:pPr rtl="0" fontAlgn="t">
-                        <a:spcBef>
-                          <a:spcPts val="0"/>
-                        </a:spcBef>
-                        <a:spcAft>
-                          <a:spcPts val="0"/>
-                        </a:spcAft>
-                      </a:pPr>
-                      <a:r>
-                        <a:rPr lang="en-US" sz="1600" dirty="0">
-                          <a:effectLst/>
-                        </a:rPr>
-                        <a:t>4:45pm-5:00pm</a:t>
-                      </a:r>
-                    </a:p>
-                  </a:txBody>
-                  <a:tcPr marL="63500" marR="63500" marT="63500" marB="63500"/>
-                </a:tc>
-                <a:tc>
-                  <a:txBody>
-                    <a:bodyPr/>
-                    <a:lstStyle/>
-                    <a:p>
-                      <a:pPr>
-                        <a:lnSpc>
-                          <a:spcPct val="100000"/>
-                        </a:lnSpc>
-                      </a:pPr>
-                      <a:endParaRPr lang="en-US" sz="1600" i="0" dirty="0"/>
-                    </a:p>
-                  </a:txBody>
-                  <a:tcPr/>
-                </a:tc>
-                <a:tc>
-                  <a:txBody>
-                    <a:bodyPr/>
-                    <a:lstStyle/>
-                    <a:p>
-                      <a:pPr>
-                        <a:lnSpc>
-                          <a:spcPct val="100000"/>
-                        </a:lnSpc>
-                      </a:pPr>
-                      <a:r>
-                        <a:rPr lang="en-US" sz="1600" i="0" dirty="0"/>
-                        <a:t>Q&amp;A</a:t>
-                      </a:r>
-                    </a:p>
-                  </a:txBody>
-                  <a:tcPr/>
-                </a:tc>
-                <a:tc>
-                  <a:txBody>
-                    <a:bodyPr/>
-                    <a:lstStyle/>
-                    <a:p>
-                      <a:pPr>
-                        <a:lnSpc>
-                          <a:spcPct val="100000"/>
-                        </a:lnSpc>
-                      </a:pPr>
-                      <a:r>
-                        <a:rPr lang="en-US" sz="1600" dirty="0"/>
-                        <a:t>All</a:t>
-                      </a:r>
-                    </a:p>
-                  </a:txBody>
-                  <a:tcPr/>
-                </a:tc>
-                <a:extLst>
-                  <a:ext uri="{0D108BD9-81ED-4DB2-BD59-A6C34878D82A}">
-                    <a16:rowId xmlns:a16="http://schemas.microsoft.com/office/drawing/2014/main" val="387858574"/>
-                  </a:ext>
-                </a:extLst>
-              </a:tr>
-            </a:tbl>
-          </a:graphicData>
-        </a:graphic>
-      </p:graphicFrame>
-      <p:grpSp>
-        <p:nvGrpSpPr>
-          <p:cNvPr id="5" name="Group 4">
-            <a:extLst>
-              <a:ext uri="{FF2B5EF4-FFF2-40B4-BE49-F238E27FC236}">
-                <a16:creationId xmlns:a16="http://schemas.microsoft.com/office/drawing/2014/main" id="{D8E9D2D2-B55B-4D73-A628-FC9C6E4D4517}"/>
-              </a:ext>
-            </a:extLst>
-          </p:cNvPr>
-          <p:cNvGrpSpPr/>
-          <p:nvPr/>
-        </p:nvGrpSpPr>
-        <p:grpSpPr>
-          <a:xfrm>
-            <a:off x="79513" y="4069048"/>
-            <a:ext cx="12029799" cy="390939"/>
-            <a:chOff x="79513" y="1653208"/>
-            <a:chExt cx="12029799" cy="390939"/>
-          </a:xfrm>
-        </p:grpSpPr>
-        <p:cxnSp>
-          <p:nvCxnSpPr>
-            <p:cNvPr id="6" name="Straight Connector 5">
-              <a:extLst>
-                <a:ext uri="{FF2B5EF4-FFF2-40B4-BE49-F238E27FC236}">
-                  <a16:creationId xmlns:a16="http://schemas.microsoft.com/office/drawing/2014/main" id="{F34B683D-F264-4470-869A-1ACC705951A9}"/>
-                </a:ext>
-              </a:extLst>
-            </p:cNvPr>
-            <p:cNvCxnSpPr/>
-            <p:nvPr/>
-          </p:nvCxnSpPr>
-          <p:spPr>
-            <a:xfrm>
-              <a:off x="530679" y="1848678"/>
-              <a:ext cx="11127467" cy="0"/>
-            </a:xfrm>
-            <a:prstGeom prst="line">
-              <a:avLst/>
-            </a:prstGeom>
-            <a:ln w="76200">
-              <a:solidFill>
-                <a:srgbClr val="FF0000"/>
-              </a:solidFill>
-            </a:ln>
-          </p:spPr>
-          <p:style>
-            <a:lnRef idx="1">
-              <a:schemeClr val="accent1"/>
-            </a:lnRef>
-            <a:fillRef idx="0">
-              <a:schemeClr val="accent1"/>
-            </a:fillRef>
-            <a:effectRef idx="0">
-              <a:schemeClr val="accent1"/>
-            </a:effectRef>
-            <a:fontRef idx="minor">
-              <a:schemeClr val="tx1"/>
-            </a:fontRef>
-          </p:style>
-        </p:cxnSp>
-        <p:sp>
-          <p:nvSpPr>
-            <p:cNvPr id="7" name="Arrow: Right 7">
-              <a:extLst>
-                <a:ext uri="{FF2B5EF4-FFF2-40B4-BE49-F238E27FC236}">
-                  <a16:creationId xmlns:a16="http://schemas.microsoft.com/office/drawing/2014/main" id="{EFC9DFE5-7BF6-432E-A340-A7D13A8AB6B6}"/>
-                </a:ext>
-              </a:extLst>
-            </p:cNvPr>
-            <p:cNvSpPr/>
-            <p:nvPr/>
-          </p:nvSpPr>
-          <p:spPr>
-            <a:xfrm>
-              <a:off x="79513" y="1653208"/>
-              <a:ext cx="451166" cy="390939"/>
-            </a:xfrm>
-            <a:prstGeom prst="rightArrow">
-              <a:avLst/>
-            </a:prstGeom>
-            <a:solidFill>
-              <a:srgbClr val="FF0000"/>
-            </a:solidFill>
-            <a:ln>
-              <a:solidFill>
-                <a:srgbClr val="FF0000"/>
-              </a:solidFill>
-            </a:ln>
-            <a:effectLst/>
-            <a:scene3d>
-              <a:camera prst="orthographicFront">
-                <a:rot lat="0" lon="0" rev="0"/>
-              </a:camera>
-              <a:lightRig rig="threePt" dir="t">
-                <a:rot lat="0" lon="0" rev="1200000"/>
-              </a:lightRig>
-            </a:scene3d>
-            <a:sp3d/>
-          </p:spPr>
-          <p:style>
-            <a:lnRef idx="0">
-              <a:schemeClr val="accent1"/>
-            </a:lnRef>
-            <a:fillRef idx="3">
-              <a:schemeClr val="accent1"/>
-            </a:fillRef>
-            <a:effectRef idx="3">
-              <a:schemeClr val="accent1"/>
-            </a:effectRef>
-            <a:fontRef idx="minor">
-              <a:schemeClr val="lt1"/>
-            </a:fontRef>
-          </p:style>
-          <p:txBody>
-            <a:bodyPr rot="0" spcFirstLastPara="0" vertOverflow="overflow" horzOverflow="overflow" vert="horz" wrap="square" lIns="45720" tIns="45720" rIns="45720" bIns="45720" numCol="1" spcCol="0" rtlCol="0" fromWordArt="0" anchor="ctr" anchorCtr="0" forceAA="0" compatLnSpc="1">
-              <a:prstTxWarp prst="textNoShape">
-                <a:avLst/>
-              </a:prstTxWarp>
-              <a:noAutofit/>
-            </a:bodyPr>
-            <a:lstStyle/>
-            <a:p>
-              <a:pPr algn="ctr">
-                <a:lnSpc>
-                  <a:spcPct val="90000"/>
-                </a:lnSpc>
-              </a:pPr>
-              <a:endParaRPr lang="en-US" dirty="0">
-                <a:solidFill>
-                  <a:schemeClr val="tx1"/>
-                </a:solidFill>
-              </a:endParaRPr>
-            </a:p>
-          </p:txBody>
-        </p:sp>
-        <p:sp>
-          <p:nvSpPr>
-            <p:cNvPr id="8" name="Arrow: Right 8">
-              <a:extLst>
-                <a:ext uri="{FF2B5EF4-FFF2-40B4-BE49-F238E27FC236}">
-                  <a16:creationId xmlns:a16="http://schemas.microsoft.com/office/drawing/2014/main" id="{6DAA1DE1-EFB0-4C3A-8050-62347824244B}"/>
-                </a:ext>
-              </a:extLst>
-            </p:cNvPr>
-            <p:cNvSpPr/>
-            <p:nvPr/>
-          </p:nvSpPr>
-          <p:spPr>
-            <a:xfrm rot="10800000">
-              <a:off x="11658146" y="1653208"/>
-              <a:ext cx="451166" cy="390939"/>
-            </a:xfrm>
-            <a:prstGeom prst="rightArrow">
-              <a:avLst/>
-            </a:prstGeom>
-            <a:solidFill>
-              <a:srgbClr val="FF0000"/>
-            </a:solidFill>
-            <a:ln>
-              <a:solidFill>
-                <a:srgbClr val="FF0000"/>
-              </a:solidFill>
-            </a:ln>
-            <a:effectLst/>
-            <a:scene3d>
-              <a:camera prst="orthographicFront">
-                <a:rot lat="0" lon="0" rev="0"/>
-              </a:camera>
-              <a:lightRig rig="threePt" dir="t">
-                <a:rot lat="0" lon="0" rev="1200000"/>
-              </a:lightRig>
-            </a:scene3d>
-            <a:sp3d/>
-          </p:spPr>
-          <p:style>
-            <a:lnRef idx="0">
-              <a:schemeClr val="accent1"/>
-            </a:lnRef>
-            <a:fillRef idx="3">
-              <a:schemeClr val="accent1"/>
-            </a:fillRef>
-            <a:effectRef idx="3">
-              <a:schemeClr val="accent1"/>
-            </a:effectRef>
-            <a:fontRef idx="minor">
-              <a:schemeClr val="lt1"/>
-            </a:fontRef>
-          </p:style>
-          <p:txBody>
-            <a:bodyPr rot="0" spcFirstLastPara="0" vertOverflow="overflow" horzOverflow="overflow" vert="horz" wrap="square" lIns="45720" tIns="45720" rIns="45720" bIns="45720" numCol="1" spcCol="0" rtlCol="0" fromWordArt="0" anchor="ctr" anchorCtr="0" forceAA="0" compatLnSpc="1">
-              <a:prstTxWarp prst="textNoShape">
-                <a:avLst/>
-              </a:prstTxWarp>
-              <a:noAutofit/>
-            </a:bodyPr>
-            <a:lstStyle/>
-            <a:p>
-              <a:pPr algn="ctr">
-                <a:lnSpc>
-                  <a:spcPct val="90000"/>
-                </a:lnSpc>
-              </a:pPr>
-              <a:endParaRPr lang="en-US" dirty="0">
-                <a:solidFill>
-                  <a:schemeClr val="tx1"/>
-                </a:solidFill>
-              </a:endParaRPr>
-            </a:p>
-          </p:txBody>
-        </p:sp>
-      </p:grpSp>
-    </p:spTree>
-    <p:extLst>
-      <p:ext uri="{BB962C8B-B14F-4D97-AF65-F5344CB8AC3E}">
-        <p14:creationId xmlns:p14="http://schemas.microsoft.com/office/powerpoint/2010/main" val="266006297"/>
-      </p:ext>
-    </p:extLst>
-  </p:cSld>
-  <p:clrMapOvr>
-    <a:masterClrMapping/>
-  </p:clrMapOvr>
-</p:sld>
-</file>
-
-<file path=ppt/slides/slide3.xml><?xml version="1.0" encoding="utf-8"?>
-<p:sld xmlns:a="http://schemas.openxmlformats.org/drawingml/2006/main" xmlns:r="http://schemas.openxmlformats.org/officeDocument/2006/relationships" xmlns:p="http://schemas.openxmlformats.org/presentationml/2006/main">
-  <p:cSld>
-    <p:spTree>
-      <p:nvGrpSpPr>
-        <p:cNvPr id="1" name=""/>
-        <p:cNvGrpSpPr/>
-        <p:nvPr/>
-      </p:nvGrpSpPr>
-      <p:grpSpPr>
-        <a:xfrm>
-          <a:off x="0" y="0"/>
-          <a:ext cx="0" cy="0"/>
-          <a:chOff x="0" y="0"/>
-          <a:chExt cx="0" cy="0"/>
-        </a:xfrm>
-      </p:grpSpPr>
-      <p:sp>
-        <p:nvSpPr>
-          <p:cNvPr id="4" name="Text Placeholder 3"/>
-          <p:cNvSpPr>
-            <a:spLocks noGrp="1"/>
-          </p:cNvSpPr>
-          <p:nvPr>
-            <p:ph type="body" sz="quarter" idx="10"/>
-          </p:nvPr>
-        </p:nvSpPr>
-        <p:spPr>
-          <a:solidFill>
-            <a:schemeClr val="tx2">
-              <a:alpha val="90000"/>
-            </a:schemeClr>
-          </a:solidFill>
-        </p:spPr>
-        <p:txBody>
-          <a:bodyPr/>
-          <a:lstStyle/>
-          <a:p>
-            <a:r>
-              <a:rPr lang="en-US" dirty="0"/>
-              <a:t>Testing and verification</a:t>
-            </a:r>
-          </a:p>
-        </p:txBody>
-      </p:sp>
-    </p:spTree>
-    <p:extLst>
-      <p:ext uri="{BB962C8B-B14F-4D97-AF65-F5344CB8AC3E}">
-        <p14:creationId xmlns:p14="http://schemas.microsoft.com/office/powerpoint/2010/main" val="1521583515"/>
-      </p:ext>
-    </p:extLst>
-  </p:cSld>
-  <p:clrMapOvr>
-    <a:masterClrMapping/>
-  </p:clrMapOvr>
-  <mc:AlternateContent xmlns:mc="http://schemas.openxmlformats.org/markup-compatibility/2006" xmlns:p14="http://schemas.microsoft.com/office/powerpoint/2010/main">
-    <mc:Choice Requires="p14">
-      <p:transition p14:dur="250">
-        <p:fade/>
-      </p:transition>
-    </mc:Choice>
-    <mc:Fallback xmlns="">
-      <p:transition>
-        <p:fade/>
-      </p:transition>
-    </mc:Fallback>
-  </mc:AlternateContent>
 </p:sld>
 </file>
 
@@ -15541,7 +12751,7 @@
           <a:p>
             <a:r>
               <a:rPr lang="en-US" dirty="0"/>
-              <a:t>Verification</a:t>
+              <a:t>Stages and types of verification</a:t>
             </a:r>
           </a:p>
         </p:txBody>
@@ -15558,53 +12768,65 @@
         </p:nvSpPr>
         <p:spPr/>
         <p:txBody>
-          <a:bodyPr/>
+          <a:bodyPr>
+            <a:normAutofit/>
+          </a:bodyPr>
           <a:lstStyle/>
           <a:p>
             <a:r>
               <a:rPr lang="en-US" dirty="0"/>
-              <a:t>Code verification uses tests </a:t>
+              <a:t>During initial code development</a:t>
             </a:r>
           </a:p>
           <a:p>
             <a:pPr lvl="1"/>
             <a:r>
               <a:rPr lang="en-US" dirty="0"/>
-              <a:t>It is much more than a collection of tests</a:t>
-            </a:r>
-          </a:p>
-          <a:p>
-            <a:r>
-              <a:rPr lang="en-US" dirty="0"/>
-              <a:t>It is the holistic process through which you ensure that </a:t>
+              <a:t>Accuracy and stability </a:t>
             </a:r>
           </a:p>
           <a:p>
             <a:pPr lvl="1"/>
             <a:r>
               <a:rPr lang="en-US" dirty="0"/>
-              <a:t>Your implementation shows expected behavior,</a:t>
+              <a:t>Matching the algorithm to the model</a:t>
             </a:r>
           </a:p>
           <a:p>
             <a:pPr lvl="1"/>
             <a:r>
               <a:rPr lang="en-US" dirty="0"/>
-              <a:t>Your implementation is consistent with your model,</a:t>
+              <a:t>Interoperability of algorithms</a:t>
+            </a:r>
+          </a:p>
+          <a:p>
+            <a:r>
+              <a:rPr lang="en-US" dirty="0"/>
+              <a:t>In later stages</a:t>
             </a:r>
           </a:p>
           <a:p>
             <a:pPr lvl="1"/>
             <a:r>
               <a:rPr lang="en-US" dirty="0"/>
-              <a:t>Science you are trying to do with the code can be done.</a:t>
-            </a:r>
-          </a:p>
-          <a:p>
-            <a:endParaRPr lang="en-US" dirty="0"/>
+              <a:t>While adding new major capabilities or modifying existing capabilities </a:t>
+            </a:r>
           </a:p>
           <a:p>
             <a:pPr lvl="1"/>
+            <a:r>
+              <a:rPr lang="en-US" dirty="0"/>
+              <a:t>Ongoing maintenance </a:t>
+            </a:r>
+          </a:p>
+          <a:p>
+            <a:pPr lvl="1"/>
+            <a:r>
+              <a:rPr lang="en-US" dirty="0"/>
+              <a:t>Preparing for production</a:t>
+            </a:r>
+          </a:p>
+          <a:p>
             <a:endParaRPr lang="en-US" dirty="0"/>
           </a:p>
         </p:txBody>
@@ -15612,7 +12834,7 @@
     </p:spTree>
     <p:extLst>
       <p:ext uri="{BB962C8B-B14F-4D97-AF65-F5344CB8AC3E}">
-        <p14:creationId xmlns:p14="http://schemas.microsoft.com/office/powerpoint/2010/main" val="3162092533"/>
+        <p14:creationId xmlns:p14="http://schemas.microsoft.com/office/powerpoint/2010/main" val="1118392988"/>
       </p:ext>
     </p:extLst>
   </p:cSld>
@@ -15656,133 +12878,6 @@
           <a:p>
             <a:r>
               <a:rPr lang="en-US" dirty="0"/>
-              <a:t>Stages and types of verification</a:t>
-            </a:r>
-          </a:p>
-        </p:txBody>
-      </p:sp>
-      <p:sp>
-        <p:nvSpPr>
-          <p:cNvPr id="3" name="Content Placeholder 2"/>
-          <p:cNvSpPr>
-            <a:spLocks noGrp="1"/>
-          </p:cNvSpPr>
-          <p:nvPr>
-            <p:ph idx="1"/>
-          </p:nvPr>
-        </p:nvSpPr>
-        <p:spPr/>
-        <p:txBody>
-          <a:bodyPr>
-            <a:normAutofit/>
-          </a:bodyPr>
-          <a:lstStyle/>
-          <a:p>
-            <a:r>
-              <a:rPr lang="en-US" dirty="0"/>
-              <a:t>During initial code development</a:t>
-            </a:r>
-          </a:p>
-          <a:p>
-            <a:pPr lvl="1"/>
-            <a:r>
-              <a:rPr lang="en-US" dirty="0"/>
-              <a:t>Accuracy and stability </a:t>
-            </a:r>
-          </a:p>
-          <a:p>
-            <a:pPr lvl="1"/>
-            <a:r>
-              <a:rPr lang="en-US" dirty="0"/>
-              <a:t>Matching the algorithm to the model</a:t>
-            </a:r>
-          </a:p>
-          <a:p>
-            <a:pPr lvl="1"/>
-            <a:r>
-              <a:rPr lang="en-US" dirty="0"/>
-              <a:t>Interoperability of algorithms</a:t>
-            </a:r>
-          </a:p>
-          <a:p>
-            <a:r>
-              <a:rPr lang="en-US" dirty="0"/>
-              <a:t>In later stages</a:t>
-            </a:r>
-          </a:p>
-          <a:p>
-            <a:pPr lvl="1"/>
-            <a:r>
-              <a:rPr lang="en-US" dirty="0"/>
-              <a:t>While adding new major capabilities or modifying existing capabilities </a:t>
-            </a:r>
-          </a:p>
-          <a:p>
-            <a:pPr lvl="1"/>
-            <a:r>
-              <a:rPr lang="en-US" dirty="0"/>
-              <a:t>Ongoing maintenance </a:t>
-            </a:r>
-          </a:p>
-          <a:p>
-            <a:pPr lvl="1"/>
-            <a:r>
-              <a:rPr lang="en-US" dirty="0"/>
-              <a:t>Preparing for production</a:t>
-            </a:r>
-          </a:p>
-          <a:p>
-            <a:endParaRPr lang="en-US" dirty="0"/>
-          </a:p>
-        </p:txBody>
-      </p:sp>
-    </p:spTree>
-    <p:extLst>
-      <p:ext uri="{BB962C8B-B14F-4D97-AF65-F5344CB8AC3E}">
-        <p14:creationId xmlns:p14="http://schemas.microsoft.com/office/powerpoint/2010/main" val="1118392988"/>
-      </p:ext>
-    </p:extLst>
-  </p:cSld>
-  <p:clrMapOvr>
-    <a:masterClrMapping/>
-  </p:clrMapOvr>
-</p:sld>
-</file>
-
-<file path=ppt/slides/slide6.xml><?xml version="1.0" encoding="utf-8"?>
-<p:sld xmlns:a="http://schemas.openxmlformats.org/drawingml/2006/main" xmlns:r="http://schemas.openxmlformats.org/officeDocument/2006/relationships" xmlns:p="http://schemas.openxmlformats.org/presentationml/2006/main">
-  <p:cSld>
-    <p:spTree>
-      <p:nvGrpSpPr>
-        <p:cNvPr id="1" name=""/>
-        <p:cNvGrpSpPr/>
-        <p:nvPr/>
-      </p:nvGrpSpPr>
-      <p:grpSpPr>
-        <a:xfrm>
-          <a:off x="0" y="0"/>
-          <a:ext cx="0" cy="0"/>
-          <a:chOff x="0" y="0"/>
-          <a:chExt cx="0" cy="0"/>
-        </a:xfrm>
-      </p:grpSpPr>
-      <p:sp>
-        <p:nvSpPr>
-          <p:cNvPr id="2" name="Title 1"/>
-          <p:cNvSpPr>
-            <a:spLocks noGrp="1"/>
-          </p:cNvSpPr>
-          <p:nvPr>
-            <p:ph type="title"/>
-          </p:nvPr>
-        </p:nvSpPr>
-        <p:spPr/>
-        <p:txBody>
-          <a:bodyPr/>
-          <a:lstStyle/>
-          <a:p>
-            <a:r>
-              <a:rPr lang="en-US" dirty="0"/>
               <a:t>Verification Challenges</a:t>
             </a:r>
           </a:p>
@@ -15869,7 +12964,7 @@
 </p:sld>
 </file>
 
-<file path=ppt/slides/slide7.xml><?xml version="1.0" encoding="utf-8"?>
+<file path=ppt/slides/slide6.xml><?xml version="1.0" encoding="utf-8"?>
 <p:sld xmlns:a="http://schemas.openxmlformats.org/drawingml/2006/main" xmlns:r="http://schemas.openxmlformats.org/officeDocument/2006/relationships" xmlns:p="http://schemas.openxmlformats.org/presentationml/2006/main">
   <p:cSld>
     <p:spTree>
@@ -15902,7 +12997,12 @@
             <p:ph type="title"/>
           </p:nvPr>
         </p:nvSpPr>
-        <p:spPr/>
+        <p:spPr>
+          <a:xfrm>
+            <a:off x="365760" y="421419"/>
+            <a:ext cx="11372473" cy="914400"/>
+          </a:xfrm>
+        </p:spPr>
         <p:txBody>
           <a:bodyPr/>
           <a:lstStyle/>
@@ -15973,19 +13073,27 @@
             </a:r>
           </a:p>
           <a:p>
+            <a:pPr lvl="1"/>
+            <a:r>
+              <a:rPr lang="en-US" dirty="0"/>
+              <a:t>Building diagnostics (e.g. ensure conservation of physical quantities)</a:t>
+            </a:r>
+          </a:p>
+          <a:p>
             <a:r>
               <a:rPr lang="en-US" dirty="0"/>
               <a:t>Testing practices</a:t>
             </a:r>
           </a:p>
           <a:p>
+            <a:pPr lvl="1"/>
             <a:r>
               <a:rPr lang="en-US" dirty="0"/>
               <a:t>Error bars</a:t>
             </a:r>
           </a:p>
           <a:p>
-            <a:pPr lvl="1"/>
+            <a:pPr lvl="2"/>
             <a:r>
               <a:rPr lang="en-US" dirty="0"/>
               <a:t>Necessary for differentiating between drift and round-off</a:t>
@@ -15994,7 +13102,7 @@
           <a:p>
             <a:r>
               <a:rPr lang="en-US" dirty="0"/>
-              <a:t>Selection of tests for coverage</a:t>
+              <a:t>Ensuring code and interoperability coverage</a:t>
             </a:r>
           </a:p>
           <a:p>
@@ -16018,7 +13126,7 @@
 </p:sld>
 </file>
 
-<file path=ppt/slides/slide8.xml><?xml version="1.0" encoding="utf-8"?>
+<file path=ppt/slides/slide7.xml><?xml version="1.0" encoding="utf-8"?>
 <p:sld xmlns:a="http://schemas.openxmlformats.org/drawingml/2006/main" xmlns:r="http://schemas.openxmlformats.org/officeDocument/2006/relationships" xmlns:p="http://schemas.openxmlformats.org/presentationml/2006/main">
   <p:cSld>
     <p:spTree>
@@ -16057,7 +13165,7 @@
           <a:p>
             <a:r>
               <a:rPr lang="en-US" dirty="0"/>
-              <a:t>Selection of tests</a:t>
+              <a:t>How to build your test suite ?</a:t>
             </a:r>
           </a:p>
         </p:txBody>
@@ -16080,7 +13188,7 @@
         </p:spPr>
         <p:txBody>
           <a:bodyPr>
-            <a:normAutofit fontScale="92500" lnSpcReduction="20000"/>
+            <a:normAutofit fontScale="85000" lnSpcReduction="20000"/>
           </a:bodyPr>
           <a:lstStyle/>
           <a:p>
@@ -16170,6 +13278,28 @@
               <a:rPr lang="en-US" dirty="0"/>
               <a:t>Enable quick pin-pointing </a:t>
             </a:r>
+          </a:p>
+          <a:p>
+            <a:pPr marL="346075" lvl="1" indent="0">
+              <a:buNone/>
+            </a:pPr>
+            <a:endParaRPr lang="en-US" dirty="0"/>
+          </a:p>
+          <a:p>
+            <a:pPr marL="346075" lvl="1" indent="0">
+              <a:buNone/>
+            </a:pPr>
+            <a:r>
+              <a:rPr lang="en-US" dirty="0"/>
+              <a:t>Useful resources </a:t>
+            </a:r>
+            <a:r>
+              <a:rPr lang="en-US" dirty="0">
+                <a:hlinkClick r:id="rId2"/>
+              </a:rPr>
+              <a:t>https://ideas-productivity.org/resources/howtos/</a:t>
+            </a:r>
+            <a:endParaRPr lang="en-US" dirty="0"/>
           </a:p>
         </p:txBody>
       </p:sp>
@@ -16177,6 +13307,226 @@
     <p:extLst>
       <p:ext uri="{BB962C8B-B14F-4D97-AF65-F5344CB8AC3E}">
         <p14:creationId xmlns:p14="http://schemas.microsoft.com/office/powerpoint/2010/main" val="441676309"/>
+      </p:ext>
+    </p:extLst>
+  </p:cSld>
+  <p:clrMapOvr>
+    <a:masterClrMapping/>
+  </p:clrMapOvr>
+</p:sld>
+</file>
+
+<file path=ppt/slides/slide8.xml><?xml version="1.0" encoding="utf-8"?>
+<p:sld xmlns:a="http://schemas.openxmlformats.org/drawingml/2006/main" xmlns:r="http://schemas.openxmlformats.org/officeDocument/2006/relationships" xmlns:p="http://schemas.openxmlformats.org/presentationml/2006/main">
+  <p:cSld>
+    <p:spTree>
+      <p:nvGrpSpPr>
+        <p:cNvPr id="1" name=""/>
+        <p:cNvGrpSpPr/>
+        <p:nvPr/>
+      </p:nvGrpSpPr>
+      <p:grpSpPr>
+        <a:xfrm>
+          <a:off x="0" y="0"/>
+          <a:ext cx="0" cy="0"/>
+          <a:chOff x="0" y="0"/>
+          <a:chExt cx="0" cy="0"/>
+        </a:xfrm>
+      </p:grpSpPr>
+      <p:sp>
+        <p:nvSpPr>
+          <p:cNvPr id="2" name="Title 1"/>
+          <p:cNvSpPr>
+            <a:spLocks noGrp="1"/>
+          </p:cNvSpPr>
+          <p:nvPr>
+            <p:ph type="title"/>
+          </p:nvPr>
+        </p:nvSpPr>
+        <p:spPr/>
+        <p:txBody>
+          <a:bodyPr>
+            <a:normAutofit/>
+          </a:bodyPr>
+          <a:lstStyle/>
+          <a:p>
+            <a:r>
+              <a:rPr lang="en-US" dirty="0"/>
+              <a:t>Why not always use the most stringent testing?</a:t>
+            </a:r>
+          </a:p>
+        </p:txBody>
+      </p:sp>
+      <p:sp>
+        <p:nvSpPr>
+          <p:cNvPr id="5" name="Content Placeholder 4"/>
+          <p:cNvSpPr>
+            <a:spLocks noGrp="1"/>
+          </p:cNvSpPr>
+          <p:nvPr>
+            <p:ph sz="quarter" idx="1"/>
+          </p:nvPr>
+        </p:nvSpPr>
+        <p:spPr>
+          <a:xfrm>
+            <a:off x="368424" y="1039350"/>
+            <a:ext cx="11534016" cy="5148089"/>
+          </a:xfrm>
+        </p:spPr>
+        <p:txBody>
+          <a:bodyPr>
+            <a:normAutofit lnSpcReduction="10000"/>
+          </a:bodyPr>
+          <a:lstStyle/>
+          <a:p>
+            <a:r>
+              <a:rPr lang="en-US" dirty="0"/>
+              <a:t>Effort spent in devising running and maintaining test suite is a tax on team resources</a:t>
+            </a:r>
+          </a:p>
+          <a:p>
+            <a:r>
+              <a:rPr lang="en-US" dirty="0"/>
+              <a:t>When the tax is too high…</a:t>
+            </a:r>
+          </a:p>
+          <a:p>
+            <a:pPr lvl="1"/>
+            <a:r>
+              <a:rPr lang="en-US" dirty="0"/>
+              <a:t>Team cannot meet code-use objectives</a:t>
+            </a:r>
+          </a:p>
+          <a:p>
+            <a:r>
+              <a:rPr lang="en-US" dirty="0"/>
+              <a:t>When is the tax is too low…</a:t>
+            </a:r>
+          </a:p>
+          <a:p>
+            <a:pPr lvl="1"/>
+            <a:r>
+              <a:rPr lang="en-US" dirty="0"/>
+              <a:t>Necessary oversight not provided</a:t>
+            </a:r>
+          </a:p>
+          <a:p>
+            <a:pPr lvl="1"/>
+            <a:r>
+              <a:rPr lang="en-US" dirty="0"/>
+              <a:t>Defects in code sneak through </a:t>
+            </a:r>
+          </a:p>
+          <a:p>
+            <a:r>
+              <a:rPr lang="en-US" dirty="0"/>
+              <a:t>Evaluate project needs </a:t>
+            </a:r>
+          </a:p>
+          <a:p>
+            <a:pPr lvl="1"/>
+            <a:r>
+              <a:rPr lang="en-US" dirty="0"/>
+              <a:t>Objectives: expected use of the code</a:t>
+            </a:r>
+          </a:p>
+          <a:p>
+            <a:pPr lvl="1"/>
+            <a:r>
+              <a:rPr lang="en-US" dirty="0"/>
+              <a:t>Team: size and degree of heterogeneity</a:t>
+            </a:r>
+          </a:p>
+          <a:p>
+            <a:pPr lvl="1"/>
+            <a:r>
+              <a:rPr lang="en-US" dirty="0"/>
+              <a:t>Lifecycle stage: new or production or refactoring</a:t>
+            </a:r>
+          </a:p>
+          <a:p>
+            <a:pPr lvl="1"/>
+            <a:r>
+              <a:rPr lang="en-US" dirty="0"/>
+              <a:t>Lifetime: one off or ongoing production</a:t>
+            </a:r>
+          </a:p>
+          <a:p>
+            <a:pPr lvl="1"/>
+            <a:r>
+              <a:rPr lang="en-US" dirty="0"/>
+              <a:t>Complexity: modules and their interactions</a:t>
+            </a:r>
+          </a:p>
+          <a:p>
+            <a:pPr lvl="1"/>
+            <a:endParaRPr lang="en-US" dirty="0"/>
+          </a:p>
+        </p:txBody>
+      </p:sp>
+      <p:sp>
+        <p:nvSpPr>
+          <p:cNvPr id="3" name="Rectangle 2">
+            <a:extLst>
+              <a:ext uri="{FF2B5EF4-FFF2-40B4-BE49-F238E27FC236}">
+                <a16:creationId xmlns:a16="http://schemas.microsoft.com/office/drawing/2014/main" id="{B8FB2A1D-579E-3947-8F31-44500C7BCEEE}"/>
+              </a:ext>
+            </a:extLst>
+          </p:cNvPr>
+          <p:cNvSpPr/>
+          <p:nvPr/>
+        </p:nvSpPr>
+        <p:spPr>
+          <a:xfrm>
+            <a:off x="5893904" y="2087217"/>
+            <a:ext cx="2544418" cy="1083365"/>
+          </a:xfrm>
+          <a:prstGeom prst="rect">
+            <a:avLst/>
+          </a:prstGeom>
+          <a:solidFill>
+            <a:schemeClr val="accent3"/>
+          </a:solidFill>
+          <a:ln>
+            <a:noFill/>
+          </a:ln>
+          <a:effectLst>
+            <a:outerShdw blurRad="44450" dist="27940" dir="5400000" algn="ctr">
+              <a:srgbClr val="000000">
+                <a:alpha val="32000"/>
+              </a:srgbClr>
+            </a:outerShdw>
+          </a:effectLst>
+        </p:spPr>
+        <p:txBody>
+          <a:bodyPr rot="0" spcFirstLastPara="0" vertOverflow="overflow" horzOverflow="overflow" vert="horz" wrap="square" lIns="121851" tIns="60925" rIns="121851" bIns="60925" numCol="1" spcCol="0" rtlCol="0" fromWordArt="0" anchor="ctr" anchorCtr="0" forceAA="0" compatLnSpc="1">
+            <a:prstTxWarp prst="textNoShape">
+              <a:avLst/>
+            </a:prstTxWarp>
+            <a:noAutofit/>
+          </a:bodyPr>
+          <a:lstStyle/>
+          <a:p>
+            <a:pPr algn="ctr">
+              <a:lnSpc>
+                <a:spcPct val="90000"/>
+              </a:lnSpc>
+            </a:pPr>
+            <a:r>
+              <a:rPr lang="en-US" sz="2000" dirty="0">
+                <a:solidFill>
+                  <a:schemeClr val="bg1"/>
+                </a:solidFill>
+              </a:rPr>
+              <a:t>Balance is critical</a:t>
+            </a:r>
+          </a:p>
+        </p:txBody>
+      </p:sp>
+    </p:spTree>
+    <p:extLst>
+      <p:ext uri="{BB962C8B-B14F-4D97-AF65-F5344CB8AC3E}">
+        <p14:creationId xmlns:p14="http://schemas.microsoft.com/office/powerpoint/2010/main" val="3445731576"/>
       </p:ext>
     </p:extLst>
   </p:cSld>
@@ -16215,21 +13565,19 @@
         </p:nvSpPr>
         <p:spPr/>
         <p:txBody>
-          <a:bodyPr>
-            <a:normAutofit/>
-          </a:bodyPr>
+          <a:bodyPr/>
           <a:lstStyle/>
           <a:p>
             <a:r>
               <a:rPr lang="en-US" dirty="0"/>
-              <a:t>Why not always use the most stringent testing?</a:t>
+              <a:t>Test Development For a New Code</a:t>
             </a:r>
           </a:p>
         </p:txBody>
       </p:sp>
       <p:sp>
         <p:nvSpPr>
-          <p:cNvPr id="5" name="Content Placeholder 4"/>
+          <p:cNvPr id="3" name="Content Placeholder 2"/>
           <p:cNvSpPr>
             <a:spLocks noGrp="1"/>
           </p:cNvSpPr>
@@ -16239,8 +13587,8 @@
         </p:nvSpPr>
         <p:spPr>
           <a:xfrm>
-            <a:off x="368424" y="1039350"/>
-            <a:ext cx="11534016" cy="5148089"/>
+            <a:off x="1031682" y="1673788"/>
+            <a:ext cx="7993048" cy="4230056"/>
           </a:xfrm>
         </p:spPr>
         <p:txBody>
@@ -16251,85 +13599,67 @@
           <a:p>
             <a:r>
               <a:rPr lang="en-US" dirty="0"/>
-              <a:t>Effort spent in devising tests and testing regime are a tax on team resources</a:t>
-            </a:r>
-          </a:p>
-          <a:p>
-            <a:r>
-              <a:rPr lang="en-US" dirty="0"/>
-              <a:t>When the tax is too high…</a:t>
+              <a:t>Development of tests and diagnostics goes hand-in-hand with code development</a:t>
             </a:r>
           </a:p>
           <a:p>
             <a:pPr lvl="1"/>
-            <a:r>
-              <a:rPr lang="en-US" dirty="0"/>
-              <a:t>Team cannot meet code-use objectives</a:t>
-            </a:r>
-          </a:p>
-          <a:p>
-            <a:r>
-              <a:rPr lang="en-US" dirty="0"/>
-              <a:t>When is the tax is too low…</a:t>
-            </a:r>
+            <a:endParaRPr lang="en-US" dirty="0"/>
           </a:p>
           <a:p>
             <a:pPr lvl="1"/>
             <a:r>
               <a:rPr lang="en-US" dirty="0"/>
-              <a:t>Necessary oversight not provided</a:t>
+              <a:t>Non-trivial to devise good tests, but extremely important</a:t>
             </a:r>
           </a:p>
           <a:p>
             <a:pPr lvl="1"/>
-            <a:r>
-              <a:rPr lang="en-US" dirty="0"/>
-              <a:t>Defects in code sneak through </a:t>
-            </a:r>
-          </a:p>
-          <a:p>
-            <a:r>
-              <a:rPr lang="en-US" dirty="0"/>
-              <a:t>Evaluate project needs </a:t>
-            </a:r>
+            <a:endParaRPr lang="en-US" dirty="0"/>
           </a:p>
           <a:p>
             <a:pPr lvl="1"/>
             <a:r>
               <a:rPr lang="en-US" dirty="0"/>
-              <a:t>Objectives: expected use of the code</a:t>
+              <a:t>Compare against simpler analytical or semi-analytical solutions</a:t>
             </a:r>
           </a:p>
           <a:p>
             <a:pPr lvl="1"/>
-            <a:r>
-              <a:rPr lang="en-US" dirty="0"/>
-              <a:t>Team: size and degree of heterogeneity</a:t>
-            </a:r>
+            <a:endParaRPr lang="en-US" dirty="0"/>
           </a:p>
           <a:p>
             <a:pPr lvl="1"/>
             <a:r>
               <a:rPr lang="en-US" dirty="0"/>
-              <a:t>Lifecycle stage: new or production or refactoring</a:t>
+              <a:t>Build confidence </a:t>
             </a:r>
           </a:p>
           <a:p>
             <a:pPr lvl="1"/>
-            <a:r>
-              <a:rPr lang="en-US" dirty="0"/>
-              <a:t>Lifetime: one off or ongoing production</a:t>
-            </a:r>
+            <a:endParaRPr lang="en-US" dirty="0"/>
           </a:p>
           <a:p>
             <a:pPr lvl="1"/>
             <a:r>
               <a:rPr lang="en-US" dirty="0"/>
-              <a:t>Complexity: modules and their interactions</a:t>
+              <a:t>Always inject errors to verify that the test is working</a:t>
             </a:r>
           </a:p>
           <a:p>
             <a:pPr lvl="1"/>
+            <a:endParaRPr lang="en-US" dirty="0"/>
+          </a:p>
+          <a:p>
+            <a:pPr marL="684212" lvl="2" indent="0">
+              <a:buNone/>
+            </a:pPr>
+            <a:endParaRPr lang="en-US" dirty="0"/>
+          </a:p>
+          <a:p>
+            <a:pPr marL="0" indent="0">
+              <a:buNone/>
+            </a:pPr>
             <a:endParaRPr lang="en-US" dirty="0"/>
           </a:p>
         </p:txBody>
@@ -16337,7 +13667,7 @@
     </p:spTree>
     <p:extLst>
       <p:ext uri="{BB962C8B-B14F-4D97-AF65-F5344CB8AC3E}">
-        <p14:creationId xmlns:p14="http://schemas.microsoft.com/office/powerpoint/2010/main" val="3445731576"/>
+        <p14:creationId xmlns:p14="http://schemas.microsoft.com/office/powerpoint/2010/main" val="3446077621"/>
       </p:ext>
     </p:extLst>
   </p:cSld>
@@ -17260,6 +14590,21 @@
 </file>
 
 <file path=customXml/item1.xml><?xml version="1.0" encoding="utf-8"?>
+<p:properties xmlns:p="http://schemas.microsoft.com/office/2006/metadata/properties" xmlns:xsi="http://www.w3.org/2001/XMLSchema-instance" xmlns:pc="http://schemas.microsoft.com/office/infopath/2007/PartnerControls">
+  <documentManagement/>
+</p:properties>
+</file>
+
+<file path=customXml/item2.xml><?xml version="1.0" encoding="utf-8"?>
+<?mso-contentType ?>
+<FormTemplates xmlns="http://schemas.microsoft.com/sharepoint/v3/contenttype/forms">
+  <Display>DocumentLibraryForm</Display>
+  <Edit>DocumentLibraryForm</Edit>
+  <New>DocumentLibraryForm</New>
+</FormTemplates>
+</file>
+
+<file path=customXml/item3.xml><?xml version="1.0" encoding="utf-8"?>
 <ct:contentTypeSchema xmlns:ct="http://schemas.microsoft.com/office/2006/metadata/contentType" xmlns:ma="http://schemas.microsoft.com/office/2006/metadata/properties/metaAttributes" ct:_="" ma:_="" ma:contentTypeName="Document" ma:contentTypeID="0x010100565464437F680748A68B85EB6594EA7D" ma:contentTypeVersion="0" ma:contentTypeDescription="Create a new document." ma:contentTypeScope="" ma:versionID="fe3f4dd58d5914c51cfc6deaa8ad845c">
   <xsd:schema xmlns:xsd="http://www.w3.org/2001/XMLSchema" xmlns:p="http://schemas.microsoft.com/office/2006/metadata/properties" targetNamespace="http://schemas.microsoft.com/office/2006/metadata/properties" ma:root="true" ma:fieldsID="4aeb20c0e3442673af7ee10786458764">
     <xsd:element name="properties">
@@ -17308,32 +14653,17 @@
 </ct:contentTypeSchema>
 </file>
 
-<file path=customXml/item2.xml><?xml version="1.0" encoding="utf-8"?>
-<?mso-contentType ?>
-<FormTemplates xmlns="http://schemas.microsoft.com/sharepoint/v3/contenttype/forms">
-  <Display>DocumentLibraryForm</Display>
-  <Edit>DocumentLibraryForm</Edit>
-  <New>DocumentLibraryForm</New>
-</FormTemplates>
-</file>
-
-<file path=customXml/item3.xml><?xml version="1.0" encoding="utf-8"?>
-<p:properties xmlns:p="http://schemas.microsoft.com/office/2006/metadata/properties" xmlns:xsi="http://www.w3.org/2001/XMLSchema-instance" xmlns:pc="http://schemas.microsoft.com/office/infopath/2007/PartnerControls">
-  <documentManagement/>
-</p:properties>
-</file>
-
 <file path=customXml/itemProps1.xml><?xml version="1.0" encoding="utf-8"?>
-<ds:datastoreItem xmlns:ds="http://schemas.openxmlformats.org/officeDocument/2006/customXml" ds:itemID="{E8DB7DEB-074E-4EE8-9B6E-FD277323109C}">
+<ds:datastoreItem xmlns:ds="http://schemas.openxmlformats.org/officeDocument/2006/customXml" ds:itemID="{A50EC660-24D0-43A0-AE5E-E274115E726B}">
   <ds:schemaRefs>
-    <ds:schemaRef ds:uri="http://schemas.microsoft.com/office/2006/metadata/contentType"/>
-    <ds:schemaRef ds:uri="http://schemas.microsoft.com/office/2006/metadata/properties/metaAttributes"/>
-    <ds:schemaRef ds:uri="http://www.w3.org/2001/XMLSchema"/>
+    <ds:schemaRef ds:uri="http://purl.org/dc/terms/"/>
+    <ds:schemaRef ds:uri="http://schemas.openxmlformats.org/package/2006/metadata/core-properties"/>
+    <ds:schemaRef ds:uri="http://schemas.microsoft.com/office/2006/documentManagement/types"/>
+    <ds:schemaRef ds:uri="http://purl.org/dc/elements/1.1/"/>
     <ds:schemaRef ds:uri="http://schemas.microsoft.com/office/2006/metadata/properties"/>
-    <ds:schemaRef ds:uri="http://schemas.openxmlformats.org/package/2006/metadata/core-properties"/>
-    <ds:schemaRef ds:uri="http://purl.org/dc/elements/1.1/"/>
-    <ds:schemaRef ds:uri="http://purl.org/dc/terms/"/>
-    <ds:schemaRef ds:uri="http://schemas.microsoft.com/office/internal/2005/internalDocumentation"/>
+    <ds:schemaRef ds:uri="http://www.w3.org/XML/1998/namespace"/>
+    <ds:schemaRef ds:uri="http://purl.org/dc/dcmitype/"/>
+    <ds:schemaRef ds:uri="http://schemas.microsoft.com/office/infopath/2007/PartnerControls"/>
   </ds:schemaRefs>
 </ds:datastoreItem>
 </file>
@@ -17347,16 +14677,16 @@
 </file>
 
 <file path=customXml/itemProps3.xml><?xml version="1.0" encoding="utf-8"?>
-<ds:datastoreItem xmlns:ds="http://schemas.openxmlformats.org/officeDocument/2006/customXml" ds:itemID="{A50EC660-24D0-43A0-AE5E-E274115E726B}">
+<ds:datastoreItem xmlns:ds="http://schemas.openxmlformats.org/officeDocument/2006/customXml" ds:itemID="{E8DB7DEB-074E-4EE8-9B6E-FD277323109C}">
   <ds:schemaRefs>
+    <ds:schemaRef ds:uri="http://schemas.microsoft.com/office/2006/metadata/contentType"/>
+    <ds:schemaRef ds:uri="http://schemas.microsoft.com/office/2006/metadata/properties/metaAttributes"/>
+    <ds:schemaRef ds:uri="http://www.w3.org/2001/XMLSchema"/>
+    <ds:schemaRef ds:uri="http://schemas.microsoft.com/office/2006/metadata/properties"/>
+    <ds:schemaRef ds:uri="http://schemas.openxmlformats.org/package/2006/metadata/core-properties"/>
+    <ds:schemaRef ds:uri="http://purl.org/dc/elements/1.1/"/>
     <ds:schemaRef ds:uri="http://purl.org/dc/terms/"/>
-    <ds:schemaRef ds:uri="http://schemas.openxmlformats.org/package/2006/metadata/core-properties"/>
-    <ds:schemaRef ds:uri="http://schemas.microsoft.com/office/2006/documentManagement/types"/>
-    <ds:schemaRef ds:uri="http://purl.org/dc/elements/1.1/"/>
-    <ds:schemaRef ds:uri="http://schemas.microsoft.com/office/2006/metadata/properties"/>
-    <ds:schemaRef ds:uri="http://www.w3.org/XML/1998/namespace"/>
-    <ds:schemaRef ds:uri="http://purl.org/dc/dcmitype/"/>
-    <ds:schemaRef ds:uri="http://schemas.microsoft.com/office/infopath/2007/PartnerControls"/>
+    <ds:schemaRef ds:uri="http://schemas.microsoft.com/office/internal/2005/internalDocumentation"/>
   </ds:schemaRefs>
 </ds:datastoreItem>
 </file>
--- a/05-testing.pptx
+++ b/05-testing.pptx
@@ -5,32 +5,33 @@
     <p:sldMasterId id="2147483935" r:id="rId4"/>
   </p:sldMasterIdLst>
   <p:notesMasterIdLst>
-    <p:notesMasterId r:id="rId25"/>
+    <p:notesMasterId r:id="rId26"/>
   </p:notesMasterIdLst>
   <p:handoutMasterIdLst>
-    <p:handoutMasterId r:id="rId26"/>
+    <p:handoutMasterId r:id="rId27"/>
   </p:handoutMasterIdLst>
   <p:sldIdLst>
     <p:sldId id="318" r:id="rId5"/>
-    <p:sldId id="320" r:id="rId6"/>
-    <p:sldId id="276" r:id="rId7"/>
-    <p:sldId id="280" r:id="rId8"/>
-    <p:sldId id="575" r:id="rId9"/>
-    <p:sldId id="577" r:id="rId10"/>
-    <p:sldId id="487" r:id="rId11"/>
-    <p:sldId id="465" r:id="rId12"/>
-    <p:sldId id="580" r:id="rId13"/>
-    <p:sldId id="581" r:id="rId14"/>
-    <p:sldId id="469" r:id="rId15"/>
-    <p:sldId id="470" r:id="rId16"/>
-    <p:sldId id="472" r:id="rId17"/>
-    <p:sldId id="486" r:id="rId18"/>
-    <p:sldId id="584" r:id="rId19"/>
-    <p:sldId id="299" r:id="rId20"/>
-    <p:sldId id="586" r:id="rId21"/>
-    <p:sldId id="489" r:id="rId22"/>
-    <p:sldId id="579" r:id="rId23"/>
-    <p:sldId id="571" r:id="rId24"/>
+    <p:sldId id="615" r:id="rId6"/>
+    <p:sldId id="331" r:id="rId7"/>
+    <p:sldId id="276" r:id="rId8"/>
+    <p:sldId id="280" r:id="rId9"/>
+    <p:sldId id="575" r:id="rId10"/>
+    <p:sldId id="577" r:id="rId11"/>
+    <p:sldId id="487" r:id="rId12"/>
+    <p:sldId id="465" r:id="rId13"/>
+    <p:sldId id="580" r:id="rId14"/>
+    <p:sldId id="581" r:id="rId15"/>
+    <p:sldId id="469" r:id="rId16"/>
+    <p:sldId id="470" r:id="rId17"/>
+    <p:sldId id="472" r:id="rId18"/>
+    <p:sldId id="486" r:id="rId19"/>
+    <p:sldId id="584" r:id="rId20"/>
+    <p:sldId id="299" r:id="rId21"/>
+    <p:sldId id="586" r:id="rId22"/>
+    <p:sldId id="489" r:id="rId23"/>
+    <p:sldId id="579" r:id="rId24"/>
+    <p:sldId id="571" r:id="rId25"/>
   </p:sldIdLst>
   <p:sldSz cx="12188825" cy="6858000"/>
   <p:notesSz cx="7010400" cy="9296400"/>
@@ -274,7 +275,7 @@
           <a:p>
             <a:fld id="{0B842F42-2CE9-4E35-95C1-410DC08A50B1}" type="datetimeFigureOut">
               <a:rPr lang="en-US" smtClean="0"/>
-              <a:t>7/29/20</a:t>
+              <a:t>7/31/20</a:t>
             </a:fld>
             <a:endParaRPr lang="en-US"/>
           </a:p>
@@ -439,7 +440,7 @@
           <a:p>
             <a:fld id="{6F282904-F315-4730-8D91-37D99E141A6F}" type="datetimeFigureOut">
               <a:rPr lang="en-US" smtClean="0"/>
-              <a:t>7/29/20</a:t>
+              <a:t>7/31/20</a:t>
             </a:fld>
             <a:endParaRPr lang="en-US"/>
           </a:p>
@@ -776,7 +777,7 @@
           <a:p>
             <a:fld id="{A546EF7F-2180-5947-8246-D3E867E2B048}" type="slidenum">
               <a:rPr lang="en-US" smtClean="0"/>
-              <a:t>8</a:t>
+              <a:t>9</a:t>
             </a:fld>
             <a:endParaRPr lang="en-US"/>
           </a:p>
@@ -1354,7 +1355,7 @@
           <a:noFill/>
           <a:extLst>
             <a:ext uri="{909E8E84-426E-40dd-AFC4-6F175D3DCCD1}">
-              <a14:hiddenFill xmlns="" xmlns:a14="http://schemas.microsoft.com/office/drawing/2010/main">
+              <a14:hiddenFill xmlns:a14="http://schemas.microsoft.com/office/drawing/2010/main" xmlns="">
                 <a:solidFill>
                   <a:srgbClr val="FFFFFF"/>
                 </a:solidFill>
@@ -1508,7 +1509,7 @@
           <a:noFill/>
           <a:extLst>
             <a:ext uri="{909E8E84-426E-40dd-AFC4-6F175D3DCCD1}">
-              <a14:hiddenFill xmlns="" xmlns:a14="http://schemas.microsoft.com/office/drawing/2010/main">
+              <a14:hiddenFill xmlns:a14="http://schemas.microsoft.com/office/drawing/2010/main" xmlns="">
                 <a:solidFill>
                   <a:srgbClr val="FFFFFF"/>
                 </a:solidFill>
@@ -5198,6 +5199,142 @@
 </file>
 
 <file path=ppt/slides/slide10.xml><?xml version="1.0" encoding="utf-8"?>
+<p:sld xmlns:a="http://schemas.openxmlformats.org/drawingml/2006/main" xmlns:r="http://schemas.openxmlformats.org/officeDocument/2006/relationships" xmlns:p="http://schemas.openxmlformats.org/presentationml/2006/main">
+  <p:cSld>
+    <p:spTree>
+      <p:nvGrpSpPr>
+        <p:cNvPr id="1" name=""/>
+        <p:cNvGrpSpPr/>
+        <p:nvPr/>
+      </p:nvGrpSpPr>
+      <p:grpSpPr>
+        <a:xfrm>
+          <a:off x="0" y="0"/>
+          <a:ext cx="0" cy="0"/>
+          <a:chOff x="0" y="0"/>
+          <a:chExt cx="0" cy="0"/>
+        </a:xfrm>
+      </p:grpSpPr>
+      <p:sp>
+        <p:nvSpPr>
+          <p:cNvPr id="2" name="Title 1"/>
+          <p:cNvSpPr>
+            <a:spLocks noGrp="1"/>
+          </p:cNvSpPr>
+          <p:nvPr>
+            <p:ph type="title"/>
+          </p:nvPr>
+        </p:nvSpPr>
+        <p:spPr/>
+        <p:txBody>
+          <a:bodyPr/>
+          <a:lstStyle/>
+          <a:p>
+            <a:r>
+              <a:rPr lang="en-US" dirty="0"/>
+              <a:t>Test Development For a New Code</a:t>
+            </a:r>
+          </a:p>
+        </p:txBody>
+      </p:sp>
+      <p:sp>
+        <p:nvSpPr>
+          <p:cNvPr id="3" name="Content Placeholder 2"/>
+          <p:cNvSpPr>
+            <a:spLocks noGrp="1"/>
+          </p:cNvSpPr>
+          <p:nvPr>
+            <p:ph sz="quarter" idx="1"/>
+          </p:nvPr>
+        </p:nvSpPr>
+        <p:spPr>
+          <a:xfrm>
+            <a:off x="574482" y="1078043"/>
+            <a:ext cx="8985154" cy="4269812"/>
+          </a:xfrm>
+        </p:spPr>
+        <p:txBody>
+          <a:bodyPr>
+            <a:normAutofit/>
+          </a:bodyPr>
+          <a:lstStyle/>
+          <a:p>
+            <a:r>
+              <a:rPr lang="en-US" dirty="0"/>
+              <a:t>Development of tests and diagnostics goes hand-in-hand with code development</a:t>
+            </a:r>
+          </a:p>
+          <a:p>
+            <a:pPr lvl="1"/>
+            <a:endParaRPr lang="en-US" dirty="0"/>
+          </a:p>
+          <a:p>
+            <a:pPr lvl="1"/>
+            <a:r>
+              <a:rPr lang="en-US" dirty="0"/>
+              <a:t>Non-trivial to devise good tests, but extremely important</a:t>
+            </a:r>
+          </a:p>
+          <a:p>
+            <a:pPr lvl="1"/>
+            <a:r>
+              <a:rPr lang="en-US" dirty="0"/>
+              <a:t>Compare against simpler analytical or semi-analytical solutions</a:t>
+            </a:r>
+          </a:p>
+          <a:p>
+            <a:pPr lvl="1"/>
+            <a:r>
+              <a:rPr lang="en-US" dirty="0"/>
+              <a:t>Build granularity into testing</a:t>
+            </a:r>
+          </a:p>
+          <a:p>
+            <a:pPr lvl="1"/>
+            <a:r>
+              <a:rPr lang="en-US" dirty="0"/>
+              <a:t>Use scaffolding ideas to build confidence </a:t>
+            </a:r>
+          </a:p>
+          <a:p>
+            <a:pPr lvl="1"/>
+            <a:r>
+              <a:rPr lang="en-US" dirty="0"/>
+              <a:t>Always inject errors to verify that the test is working</a:t>
+            </a:r>
+          </a:p>
+          <a:p>
+            <a:pPr lvl="1"/>
+            <a:endParaRPr lang="en-US" dirty="0"/>
+          </a:p>
+          <a:p>
+            <a:pPr marL="684212" lvl="2" indent="0">
+              <a:buNone/>
+            </a:pPr>
+            <a:endParaRPr lang="en-US" dirty="0"/>
+          </a:p>
+          <a:p>
+            <a:pPr marL="0" indent="0">
+              <a:buNone/>
+            </a:pPr>
+            <a:endParaRPr lang="en-US" dirty="0"/>
+          </a:p>
+        </p:txBody>
+      </p:sp>
+    </p:spTree>
+    <p:extLst>
+      <p:ext uri="{BB962C8B-B14F-4D97-AF65-F5344CB8AC3E}">
+        <p14:creationId xmlns:p14="http://schemas.microsoft.com/office/powerpoint/2010/main" val="3446077621"/>
+      </p:ext>
+    </p:extLst>
+  </p:cSld>
+  <p:clrMapOvr>
+    <a:masterClrMapping/>
+  </p:clrMapOvr>
+</p:sld>
+</file>
+
+<file path=ppt/slides/slide11.xml><?xml version="1.0" encoding="utf-8"?>
 <p:sld xmlns:a="http://schemas.openxmlformats.org/drawingml/2006/main" xmlns:r="http://schemas.openxmlformats.org/officeDocument/2006/relationships" xmlns:p="http://schemas.openxmlformats.org/presentationml/2006/main">
   <p:cSld>
     <p:spTree>
@@ -6021,7 +6158,7 @@
 </p:sld>
 </file>
 
-<file path=ppt/slides/slide11.xml><?xml version="1.0" encoding="utf-8"?>
+<file path=ppt/slides/slide12.xml><?xml version="1.0" encoding="utf-8"?>
 <p:sld xmlns:a="http://schemas.openxmlformats.org/drawingml/2006/main" xmlns:r="http://schemas.openxmlformats.org/officeDocument/2006/relationships" xmlns:p="http://schemas.openxmlformats.org/presentationml/2006/main">
   <p:cSld>
     <p:spTree>
@@ -6054,12 +6191,8 @@
           <a:lstStyle/>
           <a:p>
             <a:r>
-              <a:rPr lang="en-US" dirty="0" err="1"/>
-              <a:t>Scaffoliding</a:t>
-            </a:r>
-            <a:r>
-              <a:rPr lang="en-US" dirty="0"/>
-              <a:t> Example from FLASH</a:t>
+              <a:rPr lang="en-US" dirty="0"/>
+              <a:t>Scaffolding Example from FLASH</a:t>
             </a:r>
           </a:p>
         </p:txBody>
@@ -6199,12 +6332,20 @@
           <a:p>
             <a:pPr algn="ctr"/>
             <a:r>
+              <a:rPr lang="en-US" dirty="0" err="1">
+                <a:solidFill>
+                  <a:schemeClr val="tx1"/>
+                </a:solidFill>
+              </a:rPr>
+              <a:t>gc</a:t>
+            </a:r>
+            <a:r>
               <a:rPr lang="en-US" dirty="0">
                 <a:solidFill>
                   <a:schemeClr val="tx1"/>
                 </a:solidFill>
               </a:rPr>
-              <a:t>Mesh test</a:t>
+              <a:t> test</a:t>
             </a:r>
           </a:p>
         </p:txBody>
@@ -6300,7 +6441,7 @@
 </p:sld>
 </file>
 
-<file path=ppt/slides/slide12.xml><?xml version="1.0" encoding="utf-8"?>
+<file path=ppt/slides/slide13.xml><?xml version="1.0" encoding="utf-8"?>
 <p:sld xmlns:a="http://schemas.openxmlformats.org/drawingml/2006/main" xmlns:r="http://schemas.openxmlformats.org/officeDocument/2006/relationships" xmlns:p="http://schemas.openxmlformats.org/presentationml/2006/main">
   <p:cSld>
     <p:spTree>
@@ -6317,33 +6458,6 @@
           <a:chExt cx="0" cy="0"/>
         </a:xfrm>
       </p:grpSpPr>
-      <p:sp>
-        <p:nvSpPr>
-          <p:cNvPr id="2" name="Title 1"/>
-          <p:cNvSpPr>
-            <a:spLocks noGrp="1"/>
-          </p:cNvSpPr>
-          <p:nvPr>
-            <p:ph type="title"/>
-          </p:nvPr>
-        </p:nvSpPr>
-        <p:spPr/>
-        <p:txBody>
-          <a:bodyPr/>
-          <a:lstStyle/>
-          <a:p>
-            <a:r>
-              <a:rPr lang="en-US" dirty="0"/>
-              <a:t>Example </a:t>
-            </a:r>
-            <a:r>
-              <a:rPr lang="en-US"/>
-              <a:t>from Flash</a:t>
-            </a:r>
-            <a:endParaRPr lang="en-US" dirty="0"/>
-          </a:p>
-        </p:txBody>
-      </p:sp>
       <p:sp>
         <p:nvSpPr>
           <p:cNvPr id="3" name="Content Placeholder 2"/>
@@ -6508,6 +6622,39 @@
                 </a:solidFill>
               </a:rPr>
               <a:t>Eos test</a:t>
+            </a:r>
+          </a:p>
+        </p:txBody>
+      </p:sp>
+      <p:sp>
+        <p:nvSpPr>
+          <p:cNvPr id="7" name="Title 1">
+            <a:extLst>
+              <a:ext uri="{FF2B5EF4-FFF2-40B4-BE49-F238E27FC236}">
+                <a16:creationId xmlns:a16="http://schemas.microsoft.com/office/drawing/2014/main" id="{9A9D0CFE-C637-DC49-B43D-E256502DB1A2}"/>
+              </a:ext>
+            </a:extLst>
+          </p:cNvPr>
+          <p:cNvSpPr>
+            <a:spLocks noGrp="1"/>
+          </p:cNvSpPr>
+          <p:nvPr>
+            <p:ph type="title"/>
+          </p:nvPr>
+        </p:nvSpPr>
+        <p:spPr>
+          <a:xfrm>
+            <a:off x="365760" y="411480"/>
+            <a:ext cx="11372473" cy="914400"/>
+          </a:xfrm>
+        </p:spPr>
+        <p:txBody>
+          <a:bodyPr/>
+          <a:lstStyle/>
+          <a:p>
+            <a:r>
+              <a:rPr lang="en-US" dirty="0"/>
+              <a:t>Scaffolding Example from FLASH</a:t>
             </a:r>
           </a:p>
         </p:txBody>
@@ -6603,7 +6750,7 @@
 </p:sld>
 </file>
 
-<file path=ppt/slides/slide13.xml><?xml version="1.0" encoding="utf-8"?>
+<file path=ppt/slides/slide14.xml><?xml version="1.0" encoding="utf-8"?>
 <p:sld xmlns:a="http://schemas.openxmlformats.org/drawingml/2006/main" xmlns:r="http://schemas.openxmlformats.org/officeDocument/2006/relationships" xmlns:p="http://schemas.openxmlformats.org/presentationml/2006/main">
   <p:cSld>
     <p:spTree>
@@ -6620,28 +6767,6 @@
           <a:chExt cx="0" cy="0"/>
         </a:xfrm>
       </p:grpSpPr>
-      <p:sp>
-        <p:nvSpPr>
-          <p:cNvPr id="2" name="Title 1"/>
-          <p:cNvSpPr>
-            <a:spLocks noGrp="1"/>
-          </p:cNvSpPr>
-          <p:nvPr>
-            <p:ph type="title"/>
-          </p:nvPr>
-        </p:nvSpPr>
-        <p:spPr/>
-        <p:txBody>
-          <a:bodyPr/>
-          <a:lstStyle/>
-          <a:p>
-            <a:r>
-              <a:rPr lang="en-US" dirty="0"/>
-              <a:t>Example from FLASH</a:t>
-            </a:r>
-          </a:p>
-        </p:txBody>
-      </p:sp>
       <p:sp>
         <p:nvSpPr>
           <p:cNvPr id="5" name="Content Placeholder 4"/>
@@ -6735,7 +6860,7 @@
         </p:blipFill>
         <p:spPr bwMode="auto">
           <a:xfrm>
-            <a:off x="4784902" y="1146456"/>
+            <a:off x="4784902" y="1160311"/>
             <a:ext cx="3209089" cy="3142431"/>
           </a:xfrm>
           <a:prstGeom prst="rect">
@@ -6744,7 +6869,7 @@
           <a:noFill/>
           <a:extLst>
             <a:ext uri="{909E8E84-426E-40dd-AFC4-6F175D3DCCD1}">
-              <a14:hiddenFill xmlns:a14="http://schemas.microsoft.com/office/drawing/2010/main" xmlns="">
+              <a14:hiddenFill xmlns="" xmlns:a14="http://schemas.microsoft.com/office/drawing/2010/main">
                 <a:solidFill>
                   <a:srgbClr val="FFFFFF"/>
                 </a:solidFill>
@@ -6870,12 +6995,20 @@
           <a:p>
             <a:pPr algn="ctr"/>
             <a:r>
+              <a:rPr lang="en-US" dirty="0" err="1">
+                <a:solidFill>
+                  <a:schemeClr val="tx1"/>
+                </a:solidFill>
+              </a:rPr>
+              <a:t>gc</a:t>
+            </a:r>
+            <a:r>
               <a:rPr lang="en-US" dirty="0">
                 <a:solidFill>
                   <a:schemeClr val="tx1"/>
                 </a:solidFill>
               </a:rPr>
-              <a:t>Mesh test</a:t>
+              <a:t> test</a:t>
             </a:r>
           </a:p>
         </p:txBody>
@@ -7070,6 +7203,39 @@
                 </a:schemeClr>
               </a:solidFill>
             </a:endParaRPr>
+          </a:p>
+        </p:txBody>
+      </p:sp>
+      <p:sp>
+        <p:nvSpPr>
+          <p:cNvPr id="15" name="Title 1">
+            <a:extLst>
+              <a:ext uri="{FF2B5EF4-FFF2-40B4-BE49-F238E27FC236}">
+                <a16:creationId xmlns:a16="http://schemas.microsoft.com/office/drawing/2014/main" id="{2B60CC5D-8136-784B-B04A-6112FE74C013}"/>
+              </a:ext>
+            </a:extLst>
+          </p:cNvPr>
+          <p:cNvSpPr>
+            <a:spLocks noGrp="1"/>
+          </p:cNvSpPr>
+          <p:nvPr>
+            <p:ph type="title"/>
+          </p:nvPr>
+        </p:nvSpPr>
+        <p:spPr>
+          <a:xfrm>
+            <a:off x="365760" y="411480"/>
+            <a:ext cx="11372473" cy="914400"/>
+          </a:xfrm>
+        </p:spPr>
+        <p:txBody>
+          <a:bodyPr/>
+          <a:lstStyle/>
+          <a:p>
+            <a:r>
+              <a:rPr lang="en-US" dirty="0"/>
+              <a:t>Scaffolding Example from FLASH</a:t>
+            </a:r>
           </a:p>
         </p:txBody>
       </p:sp>
@@ -7348,7 +7514,7 @@
 </p:sld>
 </file>
 
-<file path=ppt/slides/slide14.xml><?xml version="1.0" encoding="utf-8"?>
+<file path=ppt/slides/slide15.xml><?xml version="1.0" encoding="utf-8"?>
 <p:sld xmlns:a="http://schemas.openxmlformats.org/drawingml/2006/main" xmlns:r="http://schemas.openxmlformats.org/officeDocument/2006/relationships" xmlns:p="http://schemas.openxmlformats.org/presentationml/2006/main">
   <p:cSld>
     <p:spTree>
@@ -7365,28 +7531,6 @@
           <a:chExt cx="0" cy="0"/>
         </a:xfrm>
       </p:grpSpPr>
-      <p:sp>
-        <p:nvSpPr>
-          <p:cNvPr id="2" name="Title 1"/>
-          <p:cNvSpPr>
-            <a:spLocks noGrp="1"/>
-          </p:cNvSpPr>
-          <p:nvPr>
-            <p:ph type="title"/>
-          </p:nvPr>
-        </p:nvSpPr>
-        <p:spPr/>
-        <p:txBody>
-          <a:bodyPr/>
-          <a:lstStyle/>
-          <a:p>
-            <a:r>
-              <a:rPr lang="en-US" dirty="0"/>
-              <a:t>Example from FLASH</a:t>
-            </a:r>
-          </a:p>
-        </p:txBody>
-      </p:sp>
       <p:sp>
         <p:nvSpPr>
           <p:cNvPr id="4" name="Content Placeholder 2">
@@ -7790,6 +7934,39 @@
           </a:p>
         </p:txBody>
       </p:sp>
+      <p:sp>
+        <p:nvSpPr>
+          <p:cNvPr id="7" name="Title 1">
+            <a:extLst>
+              <a:ext uri="{FF2B5EF4-FFF2-40B4-BE49-F238E27FC236}">
+                <a16:creationId xmlns:a16="http://schemas.microsoft.com/office/drawing/2014/main" id="{71C1B735-296C-594B-9F1B-3061095DE275}"/>
+              </a:ext>
+            </a:extLst>
+          </p:cNvPr>
+          <p:cNvSpPr>
+            <a:spLocks noGrp="1"/>
+          </p:cNvSpPr>
+          <p:nvPr>
+            <p:ph type="title"/>
+          </p:nvPr>
+        </p:nvSpPr>
+        <p:spPr>
+          <a:xfrm>
+            <a:off x="365760" y="411480"/>
+            <a:ext cx="11372473" cy="914400"/>
+          </a:xfrm>
+        </p:spPr>
+        <p:txBody>
+          <a:bodyPr/>
+          <a:lstStyle/>
+          <a:p>
+            <a:r>
+              <a:rPr lang="en-US" dirty="0"/>
+              <a:t>Scaffolding Example from FLASH</a:t>
+            </a:r>
+          </a:p>
+        </p:txBody>
+      </p:sp>
     </p:spTree>
     <p:extLst>
       <p:ext uri="{BB962C8B-B14F-4D97-AF65-F5344CB8AC3E}">
@@ -7881,7 +8058,7 @@
 </p:sld>
 </file>
 
-<file path=ppt/slides/slide15.xml><?xml version="1.0" encoding="utf-8"?>
+<file path=ppt/slides/slide16.xml><?xml version="1.0" encoding="utf-8"?>
 <p:sld xmlns:a="http://schemas.openxmlformats.org/drawingml/2006/main" xmlns:r="http://schemas.openxmlformats.org/officeDocument/2006/relationships" xmlns:p="http://schemas.openxmlformats.org/presentationml/2006/main">
   <p:cSld>
     <p:spTree>
@@ -8041,7 +8218,7 @@
 </p:sld>
 </file>
 
-<file path=ppt/slides/slide16.xml><?xml version="1.0" encoding="utf-8"?>
+<file path=ppt/slides/slide17.xml><?xml version="1.0" encoding="utf-8"?>
 <p:sld xmlns:a="http://schemas.openxmlformats.org/drawingml/2006/main" xmlns:r="http://schemas.openxmlformats.org/officeDocument/2006/relationships" xmlns:p="http://schemas.openxmlformats.org/presentationml/2006/main">
   <p:cSld>
     <p:spTree>
@@ -10127,7 +10304,7 @@
 </p:sld>
 </file>
 
-<file path=ppt/slides/slide17.xml><?xml version="1.0" encoding="utf-8"?>
+<file path=ppt/slides/slide18.xml><?xml version="1.0" encoding="utf-8"?>
 <p:sld xmlns:a="http://schemas.openxmlformats.org/drawingml/2006/main" xmlns:r="http://schemas.openxmlformats.org/officeDocument/2006/relationships" xmlns:p="http://schemas.openxmlformats.org/presentationml/2006/main">
   <p:cSld>
     <p:spTree>
@@ -10906,7 +11083,7 @@
 </p:sld>
 </file>
 
-<file path=ppt/slides/slide18.xml><?xml version="1.0" encoding="utf-8"?>
+<file path=ppt/slides/slide19.xml><?xml version="1.0" encoding="utf-8"?>
 <p:sld xmlns:a="http://schemas.openxmlformats.org/drawingml/2006/main" xmlns:r="http://schemas.openxmlformats.org/officeDocument/2006/relationships" xmlns:p="http://schemas.openxmlformats.org/presentationml/2006/main">
   <p:cSld>
     <p:spTree>
@@ -11839,148 +12016,6 @@
 </p:sld>
 </file>
 
-<file path=ppt/slides/slide19.xml><?xml version="1.0" encoding="utf-8"?>
-<p:sld xmlns:a="http://schemas.openxmlformats.org/drawingml/2006/main" xmlns:r="http://schemas.openxmlformats.org/officeDocument/2006/relationships" xmlns:p="http://schemas.openxmlformats.org/presentationml/2006/main">
-  <p:cSld>
-    <p:spTree>
-      <p:nvGrpSpPr>
-        <p:cNvPr id="1" name=""/>
-        <p:cNvGrpSpPr/>
-        <p:nvPr/>
-      </p:nvGrpSpPr>
-      <p:grpSpPr>
-        <a:xfrm>
-          <a:off x="0" y="0"/>
-          <a:ext cx="0" cy="0"/>
-          <a:chOff x="0" y="0"/>
-          <a:chExt cx="0" cy="0"/>
-        </a:xfrm>
-      </p:grpSpPr>
-      <p:sp>
-        <p:nvSpPr>
-          <p:cNvPr id="2" name="Title 1"/>
-          <p:cNvSpPr>
-            <a:spLocks noGrp="1"/>
-          </p:cNvSpPr>
-          <p:nvPr>
-            <p:ph type="title"/>
-          </p:nvPr>
-        </p:nvSpPr>
-        <p:spPr/>
-        <p:txBody>
-          <a:bodyPr/>
-          <a:lstStyle/>
-          <a:p>
-            <a:r>
-              <a:rPr lang="en-US" dirty="0"/>
-              <a:t>Good Testing Practices</a:t>
-            </a:r>
-          </a:p>
-        </p:txBody>
-      </p:sp>
-      <p:sp>
-        <p:nvSpPr>
-          <p:cNvPr id="5" name="Content Placeholder 4"/>
-          <p:cNvSpPr>
-            <a:spLocks noGrp="1"/>
-          </p:cNvSpPr>
-          <p:nvPr>
-            <p:ph sz="quarter" idx="1"/>
-          </p:nvPr>
-        </p:nvSpPr>
-        <p:spPr>
-          <a:xfrm>
-            <a:off x="368424" y="1177290"/>
-            <a:ext cx="11369809" cy="4047778"/>
-          </a:xfrm>
-        </p:spPr>
-        <p:txBody>
-          <a:bodyPr/>
-          <a:lstStyle/>
-          <a:p>
-            <a:r>
-              <a:rPr lang="en-US" dirty="0"/>
-              <a:t>Must have consistent policy on dealing with failed tests</a:t>
-            </a:r>
-          </a:p>
-          <a:p>
-            <a:pPr lvl="1"/>
-            <a:r>
-              <a:rPr lang="en-US" dirty="0"/>
-              <a:t>Issue tracking</a:t>
-            </a:r>
-          </a:p>
-          <a:p>
-            <a:pPr lvl="2"/>
-            <a:r>
-              <a:rPr lang="en-US" dirty="0"/>
-              <a:t>How quickly does it need to be fixed?</a:t>
-            </a:r>
-          </a:p>
-          <a:p>
-            <a:pPr lvl="2"/>
-            <a:r>
-              <a:rPr lang="en-US" dirty="0"/>
-              <a:t>Who is responsible for fixing it?</a:t>
-            </a:r>
-          </a:p>
-          <a:p>
-            <a:r>
-              <a:rPr lang="en-US" dirty="0"/>
-              <a:t>Someone should be watching the test suite</a:t>
-            </a:r>
-          </a:p>
-          <a:p>
-            <a:r>
-              <a:rPr lang="en-US" dirty="0"/>
-              <a:t>When refactoring or adding new features, run a regression suite before check in</a:t>
-            </a:r>
-          </a:p>
-          <a:p>
-            <a:pPr lvl="1"/>
-            <a:r>
-              <a:rPr lang="en-US" dirty="0"/>
-              <a:t>Add new regression tests or modify existing ones for the new features</a:t>
-            </a:r>
-          </a:p>
-          <a:p>
-            <a:r>
-              <a:rPr lang="en-US" dirty="0"/>
-              <a:t>Code review before releasing test suite is useful</a:t>
-            </a:r>
-          </a:p>
-          <a:p>
-            <a:pPr lvl="1"/>
-            <a:r>
-              <a:rPr lang="en-US" dirty="0"/>
-              <a:t>Another person may spot issues you didn’t</a:t>
-            </a:r>
-          </a:p>
-          <a:p>
-            <a:pPr lvl="1"/>
-            <a:r>
-              <a:rPr lang="en-US" dirty="0"/>
-              <a:t>Incredibly cost-effective</a:t>
-            </a:r>
-          </a:p>
-          <a:p>
-            <a:endParaRPr lang="en-US" dirty="0"/>
-          </a:p>
-        </p:txBody>
-      </p:sp>
-    </p:spTree>
-    <p:extLst>
-      <p:ext uri="{BB962C8B-B14F-4D97-AF65-F5344CB8AC3E}">
-        <p14:creationId xmlns:p14="http://schemas.microsoft.com/office/powerpoint/2010/main" val="2338338090"/>
-      </p:ext>
-    </p:extLst>
-  </p:cSld>
-  <p:clrMapOvr>
-    <a:masterClrMapping/>
-  </p:clrMapOvr>
-</p:sld>
-</file>
-
 <file path=ppt/slides/slide2.xml><?xml version="1.0" encoding="utf-8"?>
 <p:sld xmlns:a="http://schemas.openxmlformats.org/drawingml/2006/main" xmlns:r="http://schemas.openxmlformats.org/officeDocument/2006/relationships" xmlns:p="http://schemas.openxmlformats.org/presentationml/2006/main">
   <p:cSld>
@@ -12095,30 +12130,16 @@
             </a:pPr>
             <a:r>
               <a:rPr lang="en-US" sz="1800" b="1" dirty="0"/>
-              <a:t>The requested citation the overall tutorial is: David E. Bernholdt, Better Scientific Software tutorial, in RF </a:t>
+              <a:t>The requested citation the overall tutorial is: David </a:t>
             </a:r>
             <a:r>
               <a:rPr lang="en-US" sz="1800" b="1" dirty="0" err="1"/>
-              <a:t>SciDAC</a:t>
+              <a:t>Bernholdt</a:t>
             </a:r>
             <a:r>
               <a:rPr lang="en-US" sz="1800" b="1" dirty="0"/>
-              <a:t> 2020 Workshop, Knoxville, Tennessee. DOI: </a:t>
-            </a:r>
-            <a:r>
-              <a:rPr lang="en-US" sz="1800" b="1" dirty="0">
-                <a:hlinkClick r:id="rId4"/>
-              </a:rPr>
-              <a:t>10.6084/m9.figshare.11918397</a:t>
-            </a:r>
-            <a:endParaRPr lang="en-US" sz="1800" b="1" dirty="0"/>
-          </a:p>
-          <a:p>
-            <a:pPr>
-              <a:spcBef>
-                <a:spcPts val="400"/>
-              </a:spcBef>
-            </a:pPr>
+              <a:t>, Software Productivity Track, in Argonne Training Program for Extreme Scale Computing 2020. DOI: </a:t>
+            </a:r>
             <a:r>
               <a:rPr lang="en-US" sz="1800" dirty="0"/>
               <a:t>Individual modules may be cited as </a:t>
@@ -12129,7 +12150,7 @@
             </a:r>
             <a:r>
               <a:rPr lang="en-US" sz="1800" dirty="0"/>
-              <a:t>, in Better Scientific Software Tutorial…</a:t>
+              <a:t>, in Software Productivity Track, ATPESC 2020</a:t>
             </a:r>
           </a:p>
           <a:p>
@@ -12149,7 +12170,15 @@
             </a:pPr>
             <a:r>
               <a:rPr lang="en-US" sz="1600" dirty="0"/>
-              <a:t>Additional contributors to this this tutorial include: Anshu Dubey, Mike </a:t>
+              <a:t>Additional contributors to this this tutorial include: Anshu Dubey, Katherine Riley, James M. </a:t>
+            </a:r>
+            <a:r>
+              <a:rPr lang="en-US" sz="1600" dirty="0" err="1"/>
+              <a:t>Willenbring</a:t>
+            </a:r>
+            <a:r>
+              <a:rPr lang="en-US" sz="1600" dirty="0"/>
+              <a:t>, Mark Miller, Mike </a:t>
             </a:r>
             <a:r>
               <a:rPr lang="en-US" sz="1600" dirty="0" err="1"/>
@@ -12165,13 +12194,8 @@
             </a:r>
             <a:r>
               <a:rPr lang="en-US" sz="1600" dirty="0"/>
-              <a:t>, Jared O’Neal, and Katherine Riley, James M. </a:t>
-            </a:r>
-            <a:r>
-              <a:rPr lang="en-US" sz="1600" dirty="0" err="1"/>
-              <a:t>Willenbring</a:t>
-            </a:r>
-            <a:endParaRPr lang="en-US" sz="1600" dirty="0"/>
+              <a:t>, and Jared O’Neal,</a:t>
+            </a:r>
           </a:p>
           <a:p>
             <a:pPr>
@@ -12205,15 +12229,7 @@
             </a:pPr>
             <a:r>
               <a:rPr lang="en-US" sz="1600" dirty="0"/>
-              <a:t>This work was performed in part at the Argonne National Laboratory, which is managed </a:t>
-            </a:r>
-            <a:r>
-              <a:rPr lang="en-US" sz="1600" dirty="0" err="1"/>
-              <a:t>managed</a:t>
-            </a:r>
-            <a:r>
-              <a:rPr lang="en-US" sz="1600" dirty="0"/>
-              <a:t> by </a:t>
+              <a:t>This work was performed in part at the Argonne National Laboratory, which is managed by </a:t>
             </a:r>
             <a:r>
               <a:rPr lang="en-US" sz="1600" dirty="0" err="1"/>
@@ -12263,7 +12279,7 @@
           <p:nvPr/>
         </p:nvPicPr>
         <p:blipFill>
-          <a:blip r:embed="rId5">
+          <a:blip r:embed="rId4">
             <a:extLst>
               <a:ext uri="{28A0092B-C50C-407E-A947-70E740481C1C}">
                 <a14:useLocalDpi xmlns:a14="http://schemas.microsoft.com/office/drawing/2010/main" val="0"/>
@@ -12298,7 +12314,7 @@
     </p:spTree>
     <p:extLst>
       <p:ext uri="{BB962C8B-B14F-4D97-AF65-F5344CB8AC3E}">
-        <p14:creationId xmlns:p14="http://schemas.microsoft.com/office/powerpoint/2010/main" val="978726433"/>
+        <p14:creationId xmlns:p14="http://schemas.microsoft.com/office/powerpoint/2010/main" val="3358339659"/>
       </p:ext>
     </p:extLst>
   </p:cSld>
@@ -12309,6 +12325,148 @@
 </file>
 
 <file path=ppt/slides/slide20.xml><?xml version="1.0" encoding="utf-8"?>
+<p:sld xmlns:a="http://schemas.openxmlformats.org/drawingml/2006/main" xmlns:r="http://schemas.openxmlformats.org/officeDocument/2006/relationships" xmlns:p="http://schemas.openxmlformats.org/presentationml/2006/main">
+  <p:cSld>
+    <p:spTree>
+      <p:nvGrpSpPr>
+        <p:cNvPr id="1" name=""/>
+        <p:cNvGrpSpPr/>
+        <p:nvPr/>
+      </p:nvGrpSpPr>
+      <p:grpSpPr>
+        <a:xfrm>
+          <a:off x="0" y="0"/>
+          <a:ext cx="0" cy="0"/>
+          <a:chOff x="0" y="0"/>
+          <a:chExt cx="0" cy="0"/>
+        </a:xfrm>
+      </p:grpSpPr>
+      <p:sp>
+        <p:nvSpPr>
+          <p:cNvPr id="2" name="Title 1"/>
+          <p:cNvSpPr>
+            <a:spLocks noGrp="1"/>
+          </p:cNvSpPr>
+          <p:nvPr>
+            <p:ph type="title"/>
+          </p:nvPr>
+        </p:nvSpPr>
+        <p:spPr/>
+        <p:txBody>
+          <a:bodyPr/>
+          <a:lstStyle/>
+          <a:p>
+            <a:r>
+              <a:rPr lang="en-US" dirty="0"/>
+              <a:t>Good Testing Practices</a:t>
+            </a:r>
+          </a:p>
+        </p:txBody>
+      </p:sp>
+      <p:sp>
+        <p:nvSpPr>
+          <p:cNvPr id="5" name="Content Placeholder 4"/>
+          <p:cNvSpPr>
+            <a:spLocks noGrp="1"/>
+          </p:cNvSpPr>
+          <p:nvPr>
+            <p:ph sz="quarter" idx="1"/>
+          </p:nvPr>
+        </p:nvSpPr>
+        <p:spPr>
+          <a:xfrm>
+            <a:off x="368424" y="1177290"/>
+            <a:ext cx="11369809" cy="4047778"/>
+          </a:xfrm>
+        </p:spPr>
+        <p:txBody>
+          <a:bodyPr/>
+          <a:lstStyle/>
+          <a:p>
+            <a:r>
+              <a:rPr lang="en-US" dirty="0"/>
+              <a:t>Must have consistent policy on dealing with failed tests</a:t>
+            </a:r>
+          </a:p>
+          <a:p>
+            <a:pPr lvl="1"/>
+            <a:r>
+              <a:rPr lang="en-US" dirty="0"/>
+              <a:t>Issue tracking</a:t>
+            </a:r>
+          </a:p>
+          <a:p>
+            <a:pPr lvl="2"/>
+            <a:r>
+              <a:rPr lang="en-US" dirty="0"/>
+              <a:t>How quickly does it need to be fixed?</a:t>
+            </a:r>
+          </a:p>
+          <a:p>
+            <a:pPr lvl="2"/>
+            <a:r>
+              <a:rPr lang="en-US" dirty="0"/>
+              <a:t>Who is responsible for fixing it?</a:t>
+            </a:r>
+          </a:p>
+          <a:p>
+            <a:r>
+              <a:rPr lang="en-US" dirty="0"/>
+              <a:t>Someone should be watching the test suite</a:t>
+            </a:r>
+          </a:p>
+          <a:p>
+            <a:r>
+              <a:rPr lang="en-US" dirty="0"/>
+              <a:t>When refactoring or adding new features, run a regression suite before check in</a:t>
+            </a:r>
+          </a:p>
+          <a:p>
+            <a:pPr lvl="1"/>
+            <a:r>
+              <a:rPr lang="en-US" dirty="0"/>
+              <a:t>Add new regression tests or modify existing ones for the new features</a:t>
+            </a:r>
+          </a:p>
+          <a:p>
+            <a:r>
+              <a:rPr lang="en-US" dirty="0"/>
+              <a:t>Code review before releasing test suite is useful</a:t>
+            </a:r>
+          </a:p>
+          <a:p>
+            <a:pPr lvl="1"/>
+            <a:r>
+              <a:rPr lang="en-US" dirty="0"/>
+              <a:t>Another person may spot issues you didn’t</a:t>
+            </a:r>
+          </a:p>
+          <a:p>
+            <a:pPr lvl="1"/>
+            <a:r>
+              <a:rPr lang="en-US" dirty="0"/>
+              <a:t>Incredibly cost-effective</a:t>
+            </a:r>
+          </a:p>
+          <a:p>
+            <a:endParaRPr lang="en-US" dirty="0"/>
+          </a:p>
+        </p:txBody>
+      </p:sp>
+    </p:spTree>
+    <p:extLst>
+      <p:ext uri="{BB962C8B-B14F-4D97-AF65-F5344CB8AC3E}">
+        <p14:creationId xmlns:p14="http://schemas.microsoft.com/office/powerpoint/2010/main" val="2338338090"/>
+      </p:ext>
+    </p:extLst>
+  </p:cSld>
+  <p:clrMapOvr>
+    <a:masterClrMapping/>
+  </p:clrMapOvr>
+</p:sld>
+</file>
+
+<file path=ppt/slides/slide21.xml><?xml version="1.0" encoding="utf-8"?>
 <p:sld xmlns:a="http://schemas.openxmlformats.org/drawingml/2006/main" xmlns:r="http://schemas.openxmlformats.org/officeDocument/2006/relationships" xmlns:p="http://schemas.openxmlformats.org/presentationml/2006/main">
   <p:cSld>
     <p:spTree>
@@ -12455,6 +12613,190 @@
       </p:grpSpPr>
       <p:sp>
         <p:nvSpPr>
+          <p:cNvPr id="3" name="Content Placeholder 2">
+            <a:extLst>
+              <a:ext uri="{FF2B5EF4-FFF2-40B4-BE49-F238E27FC236}">
+                <a16:creationId xmlns:a16="http://schemas.microsoft.com/office/drawing/2014/main" id="{0385A3AB-B258-4D59-B407-F7D57545A163}"/>
+              </a:ext>
+            </a:extLst>
+          </p:cNvPr>
+          <p:cNvSpPr>
+            <a:spLocks noGrp="1"/>
+          </p:cNvSpPr>
+          <p:nvPr>
+            <p:ph idx="1"/>
+          </p:nvPr>
+        </p:nvSpPr>
+        <p:spPr>
+          <a:xfrm>
+            <a:off x="365760" y="862719"/>
+            <a:ext cx="11369809" cy="4047778"/>
+          </a:xfrm>
+        </p:spPr>
+        <p:txBody>
+          <a:bodyPr/>
+          <a:lstStyle/>
+          <a:p>
+            <a:pPr marL="0" indent="0">
+              <a:buNone/>
+            </a:pPr>
+            <a:endParaRPr lang="en-US" sz="2000" b="1" dirty="0"/>
+          </a:p>
+          <a:p>
+            <a:pPr marL="0" indent="0">
+              <a:buNone/>
+            </a:pPr>
+            <a:r>
+              <a:rPr lang="en-US" sz="2000" b="1" dirty="0"/>
+              <a:t>License and Citation</a:t>
+            </a:r>
+          </a:p>
+          <a:p>
+            <a:pPr>
+              <a:spcBef>
+                <a:spcPts val="400"/>
+              </a:spcBef>
+            </a:pPr>
+            <a:r>
+              <a:rPr lang="en-US" sz="1800" b="1" dirty="0"/>
+              <a:t>The requested citation for this module is: Anshu Dubey, Scientific Software Testing, Software Productivity Track, in ATPESC 2020. DOI:</a:t>
+            </a:r>
+            <a:endParaRPr lang="en-US" sz="1800" dirty="0"/>
+          </a:p>
+          <a:p>
+            <a:pPr marL="0" indent="0">
+              <a:buNone/>
+            </a:pPr>
+            <a:endParaRPr lang="en-US" sz="2000" b="1" dirty="0"/>
+          </a:p>
+          <a:p>
+            <a:pPr marL="0" indent="0">
+              <a:buNone/>
+            </a:pPr>
+            <a:r>
+              <a:rPr lang="en-US" sz="2000" b="1" dirty="0"/>
+              <a:t>Acknowledgements</a:t>
+            </a:r>
+          </a:p>
+          <a:p>
+            <a:pPr>
+              <a:spcBef>
+                <a:spcPts val="600"/>
+              </a:spcBef>
+            </a:pPr>
+            <a:r>
+              <a:rPr lang="en-US" sz="1600" dirty="0"/>
+              <a:t>Additional contributors to this module include Alicia </a:t>
+            </a:r>
+            <a:r>
+              <a:rPr lang="en-US" sz="1600" dirty="0" err="1"/>
+              <a:t>Klinvex</a:t>
+            </a:r>
+            <a:r>
+              <a:rPr lang="en-US" sz="1600" dirty="0"/>
+              <a:t>, and Jared O’Neal,</a:t>
+            </a:r>
+          </a:p>
+          <a:p>
+            <a:pPr>
+              <a:spcBef>
+                <a:spcPts val="600"/>
+              </a:spcBef>
+            </a:pPr>
+            <a:r>
+              <a:rPr lang="en-US" sz="1600" dirty="0"/>
+              <a:t>This work was performed in part at the Argonne National Laboratory, which is managed by </a:t>
+            </a:r>
+            <a:r>
+              <a:rPr lang="en-US" sz="1600" dirty="0" err="1"/>
+              <a:t>UChicago</a:t>
+            </a:r>
+            <a:r>
+              <a:rPr lang="en-US" sz="1600" dirty="0"/>
+              <a:t> Argonne, LLC for the U.S. Department of Energy under Contract No. DE-AC02-06CH11357.</a:t>
+            </a:r>
+          </a:p>
+        </p:txBody>
+      </p:sp>
+      <p:pic>
+        <p:nvPicPr>
+          <p:cNvPr id="4" name="Picture 2" descr="https://licensebuttons.net/l/by/4.0/88x31.png">
+            <a:extLst>
+              <a:ext uri="{FF2B5EF4-FFF2-40B4-BE49-F238E27FC236}">
+                <a16:creationId xmlns:a16="http://schemas.microsoft.com/office/drawing/2014/main" id="{61840015-22A0-4634-A2DE-AA05F998FD3A}"/>
+              </a:ext>
+            </a:extLst>
+          </p:cNvPr>
+          <p:cNvPicPr>
+            <a:picLocks noChangeAspect="1" noChangeArrowheads="1"/>
+          </p:cNvPicPr>
+          <p:nvPr/>
+        </p:nvPicPr>
+        <p:blipFill>
+          <a:blip r:embed="rId2">
+            <a:extLst>
+              <a:ext uri="{28A0092B-C50C-407E-A947-70E740481C1C}">
+                <a14:useLocalDpi xmlns:a14="http://schemas.microsoft.com/office/drawing/2010/main" val="0"/>
+              </a:ext>
+            </a:extLst>
+          </a:blip>
+          <a:srcRect/>
+          <a:stretch>
+            <a:fillRect/>
+          </a:stretch>
+        </p:blipFill>
+        <p:spPr bwMode="auto">
+          <a:xfrm>
+            <a:off x="10249254" y="570111"/>
+            <a:ext cx="1661258" cy="585216"/>
+          </a:xfrm>
+          <a:prstGeom prst="rect">
+            <a:avLst/>
+          </a:prstGeom>
+          <a:noFill/>
+          <a:extLst>
+            <a:ext uri="{909E8E84-426E-40DD-AFC4-6F175D3DCCD1}">
+              <a14:hiddenFill xmlns:a14="http://schemas.microsoft.com/office/drawing/2010/main">
+                <a:solidFill>
+                  <a:srgbClr val="FFFFFF"/>
+                </a:solidFill>
+              </a14:hiddenFill>
+            </a:ext>
+          </a:extLst>
+        </p:spPr>
+      </p:pic>
+    </p:spTree>
+    <p:extLst>
+      <p:ext uri="{BB962C8B-B14F-4D97-AF65-F5344CB8AC3E}">
+        <p14:creationId xmlns:p14="http://schemas.microsoft.com/office/powerpoint/2010/main" val="1060209502"/>
+      </p:ext>
+    </p:extLst>
+  </p:cSld>
+  <p:clrMapOvr>
+    <a:masterClrMapping/>
+  </p:clrMapOvr>
+</p:sld>
+</file>
+
+<file path=ppt/slides/slide4.xml><?xml version="1.0" encoding="utf-8"?>
+<p:sld xmlns:a="http://schemas.openxmlformats.org/drawingml/2006/main" xmlns:r="http://schemas.openxmlformats.org/officeDocument/2006/relationships" xmlns:p="http://schemas.openxmlformats.org/presentationml/2006/main">
+  <p:cSld>
+    <p:spTree>
+      <p:nvGrpSpPr>
+        <p:cNvPr id="1" name=""/>
+        <p:cNvGrpSpPr/>
+        <p:nvPr/>
+      </p:nvGrpSpPr>
+      <p:grpSpPr>
+        <a:xfrm>
+          <a:off x="0" y="0"/>
+          <a:ext cx="0" cy="0"/>
+          <a:chOff x="0" y="0"/>
+          <a:chExt cx="0" cy="0"/>
+        </a:xfrm>
+      </p:grpSpPr>
+      <p:sp>
+        <p:nvSpPr>
           <p:cNvPr id="2" name="Title 1"/>
           <p:cNvSpPr>
             <a:spLocks noGrp="1"/>
@@ -12717,133 +13059,6 @@
 </p:sld>
 </file>
 
-<file path=ppt/slides/slide4.xml><?xml version="1.0" encoding="utf-8"?>
-<p:sld xmlns:a="http://schemas.openxmlformats.org/drawingml/2006/main" xmlns:r="http://schemas.openxmlformats.org/officeDocument/2006/relationships" xmlns:p="http://schemas.openxmlformats.org/presentationml/2006/main">
-  <p:cSld>
-    <p:spTree>
-      <p:nvGrpSpPr>
-        <p:cNvPr id="1" name=""/>
-        <p:cNvGrpSpPr/>
-        <p:nvPr/>
-      </p:nvGrpSpPr>
-      <p:grpSpPr>
-        <a:xfrm>
-          <a:off x="0" y="0"/>
-          <a:ext cx="0" cy="0"/>
-          <a:chOff x="0" y="0"/>
-          <a:chExt cx="0" cy="0"/>
-        </a:xfrm>
-      </p:grpSpPr>
-      <p:sp>
-        <p:nvSpPr>
-          <p:cNvPr id="2" name="Title 1"/>
-          <p:cNvSpPr>
-            <a:spLocks noGrp="1"/>
-          </p:cNvSpPr>
-          <p:nvPr>
-            <p:ph type="title"/>
-          </p:nvPr>
-        </p:nvSpPr>
-        <p:spPr/>
-        <p:txBody>
-          <a:bodyPr/>
-          <a:lstStyle/>
-          <a:p>
-            <a:r>
-              <a:rPr lang="en-US" dirty="0"/>
-              <a:t>Stages and types of verification</a:t>
-            </a:r>
-          </a:p>
-        </p:txBody>
-      </p:sp>
-      <p:sp>
-        <p:nvSpPr>
-          <p:cNvPr id="3" name="Content Placeholder 2"/>
-          <p:cNvSpPr>
-            <a:spLocks noGrp="1"/>
-          </p:cNvSpPr>
-          <p:nvPr>
-            <p:ph idx="1"/>
-          </p:nvPr>
-        </p:nvSpPr>
-        <p:spPr/>
-        <p:txBody>
-          <a:bodyPr>
-            <a:normAutofit/>
-          </a:bodyPr>
-          <a:lstStyle/>
-          <a:p>
-            <a:r>
-              <a:rPr lang="en-US" dirty="0"/>
-              <a:t>During initial code development</a:t>
-            </a:r>
-          </a:p>
-          <a:p>
-            <a:pPr lvl="1"/>
-            <a:r>
-              <a:rPr lang="en-US" dirty="0"/>
-              <a:t>Accuracy and stability </a:t>
-            </a:r>
-          </a:p>
-          <a:p>
-            <a:pPr lvl="1"/>
-            <a:r>
-              <a:rPr lang="en-US" dirty="0"/>
-              <a:t>Matching the algorithm to the model</a:t>
-            </a:r>
-          </a:p>
-          <a:p>
-            <a:pPr lvl="1"/>
-            <a:r>
-              <a:rPr lang="en-US" dirty="0"/>
-              <a:t>Interoperability of algorithms</a:t>
-            </a:r>
-          </a:p>
-          <a:p>
-            <a:r>
-              <a:rPr lang="en-US" dirty="0"/>
-              <a:t>In later stages</a:t>
-            </a:r>
-          </a:p>
-          <a:p>
-            <a:pPr lvl="1"/>
-            <a:r>
-              <a:rPr lang="en-US" dirty="0"/>
-              <a:t>While adding new major capabilities or modifying existing capabilities </a:t>
-            </a:r>
-          </a:p>
-          <a:p>
-            <a:pPr lvl="1"/>
-            <a:r>
-              <a:rPr lang="en-US" dirty="0"/>
-              <a:t>Ongoing maintenance </a:t>
-            </a:r>
-          </a:p>
-          <a:p>
-            <a:pPr lvl="1"/>
-            <a:r>
-              <a:rPr lang="en-US" dirty="0"/>
-              <a:t>Preparing for production</a:t>
-            </a:r>
-          </a:p>
-          <a:p>
-            <a:endParaRPr lang="en-US" dirty="0"/>
-          </a:p>
-        </p:txBody>
-      </p:sp>
-    </p:spTree>
-    <p:extLst>
-      <p:ext uri="{BB962C8B-B14F-4D97-AF65-F5344CB8AC3E}">
-        <p14:creationId xmlns:p14="http://schemas.microsoft.com/office/powerpoint/2010/main" val="1118392988"/>
-      </p:ext>
-    </p:extLst>
-  </p:cSld>
-  <p:clrMapOvr>
-    <a:masterClrMapping/>
-  </p:clrMapOvr>
-</p:sld>
-</file>
-
 <file path=ppt/slides/slide5.xml><?xml version="1.0" encoding="utf-8"?>
 <p:sld xmlns:a="http://schemas.openxmlformats.org/drawingml/2006/main" xmlns:r="http://schemas.openxmlformats.org/officeDocument/2006/relationships" xmlns:p="http://schemas.openxmlformats.org/presentationml/2006/main">
   <p:cSld>
@@ -12878,6 +13093,133 @@
           <a:p>
             <a:r>
               <a:rPr lang="en-US" dirty="0"/>
+              <a:t>Stages and types of verification</a:t>
+            </a:r>
+          </a:p>
+        </p:txBody>
+      </p:sp>
+      <p:sp>
+        <p:nvSpPr>
+          <p:cNvPr id="3" name="Content Placeholder 2"/>
+          <p:cNvSpPr>
+            <a:spLocks noGrp="1"/>
+          </p:cNvSpPr>
+          <p:nvPr>
+            <p:ph idx="1"/>
+          </p:nvPr>
+        </p:nvSpPr>
+        <p:spPr/>
+        <p:txBody>
+          <a:bodyPr>
+            <a:normAutofit/>
+          </a:bodyPr>
+          <a:lstStyle/>
+          <a:p>
+            <a:r>
+              <a:rPr lang="en-US" dirty="0"/>
+              <a:t>During initial code development</a:t>
+            </a:r>
+          </a:p>
+          <a:p>
+            <a:pPr lvl="1"/>
+            <a:r>
+              <a:rPr lang="en-US" dirty="0"/>
+              <a:t>Accuracy and stability </a:t>
+            </a:r>
+          </a:p>
+          <a:p>
+            <a:pPr lvl="1"/>
+            <a:r>
+              <a:rPr lang="en-US" dirty="0"/>
+              <a:t>Matching the algorithm to the model</a:t>
+            </a:r>
+          </a:p>
+          <a:p>
+            <a:pPr lvl="1"/>
+            <a:r>
+              <a:rPr lang="en-US" dirty="0"/>
+              <a:t>Interoperability of algorithms</a:t>
+            </a:r>
+          </a:p>
+          <a:p>
+            <a:r>
+              <a:rPr lang="en-US" dirty="0"/>
+              <a:t>In later stages</a:t>
+            </a:r>
+          </a:p>
+          <a:p>
+            <a:pPr lvl="1"/>
+            <a:r>
+              <a:rPr lang="en-US" dirty="0"/>
+              <a:t>While adding new major capabilities or modifying existing capabilities </a:t>
+            </a:r>
+          </a:p>
+          <a:p>
+            <a:pPr lvl="1"/>
+            <a:r>
+              <a:rPr lang="en-US" dirty="0"/>
+              <a:t>Ongoing maintenance </a:t>
+            </a:r>
+          </a:p>
+          <a:p>
+            <a:pPr lvl="1"/>
+            <a:r>
+              <a:rPr lang="en-US" dirty="0"/>
+              <a:t>Preparing for production</a:t>
+            </a:r>
+          </a:p>
+          <a:p>
+            <a:endParaRPr lang="en-US" dirty="0"/>
+          </a:p>
+        </p:txBody>
+      </p:sp>
+    </p:spTree>
+    <p:extLst>
+      <p:ext uri="{BB962C8B-B14F-4D97-AF65-F5344CB8AC3E}">
+        <p14:creationId xmlns:p14="http://schemas.microsoft.com/office/powerpoint/2010/main" val="1118392988"/>
+      </p:ext>
+    </p:extLst>
+  </p:cSld>
+  <p:clrMapOvr>
+    <a:masterClrMapping/>
+  </p:clrMapOvr>
+</p:sld>
+</file>
+
+<file path=ppt/slides/slide6.xml><?xml version="1.0" encoding="utf-8"?>
+<p:sld xmlns:a="http://schemas.openxmlformats.org/drawingml/2006/main" xmlns:r="http://schemas.openxmlformats.org/officeDocument/2006/relationships" xmlns:p="http://schemas.openxmlformats.org/presentationml/2006/main">
+  <p:cSld>
+    <p:spTree>
+      <p:nvGrpSpPr>
+        <p:cNvPr id="1" name=""/>
+        <p:cNvGrpSpPr/>
+        <p:nvPr/>
+      </p:nvGrpSpPr>
+      <p:grpSpPr>
+        <a:xfrm>
+          <a:off x="0" y="0"/>
+          <a:ext cx="0" cy="0"/>
+          <a:chOff x="0" y="0"/>
+          <a:chExt cx="0" cy="0"/>
+        </a:xfrm>
+      </p:grpSpPr>
+      <p:sp>
+        <p:nvSpPr>
+          <p:cNvPr id="2" name="Title 1"/>
+          <p:cNvSpPr>
+            <a:spLocks noGrp="1"/>
+          </p:cNvSpPr>
+          <p:nvPr>
+            <p:ph type="title"/>
+          </p:nvPr>
+        </p:nvSpPr>
+        <p:spPr/>
+        <p:txBody>
+          <a:bodyPr/>
+          <a:lstStyle/>
+          <a:p>
+            <a:r>
+              <a:rPr lang="en-US" dirty="0"/>
               <a:t>Verification Challenges</a:t>
             </a:r>
           </a:p>
@@ -12964,7 +13306,7 @@
 </p:sld>
 </file>
 
-<file path=ppt/slides/slide6.xml><?xml version="1.0" encoding="utf-8"?>
+<file path=ppt/slides/slide7.xml><?xml version="1.0" encoding="utf-8"?>
 <p:sld xmlns:a="http://schemas.openxmlformats.org/drawingml/2006/main" xmlns:r="http://schemas.openxmlformats.org/officeDocument/2006/relationships" xmlns:p="http://schemas.openxmlformats.org/presentationml/2006/main">
   <p:cSld>
     <p:spTree>
@@ -13126,7 +13468,7 @@
 </p:sld>
 </file>
 
-<file path=ppt/slides/slide7.xml><?xml version="1.0" encoding="utf-8"?>
+<file path=ppt/slides/slide8.xml><?xml version="1.0" encoding="utf-8"?>
 <p:sld xmlns:a="http://schemas.openxmlformats.org/drawingml/2006/main" xmlns:r="http://schemas.openxmlformats.org/officeDocument/2006/relationships" xmlns:p="http://schemas.openxmlformats.org/presentationml/2006/main">
   <p:cSld>
     <p:spTree>
@@ -13316,7 +13658,7 @@
 </p:sld>
 </file>
 
-<file path=ppt/slides/slide8.xml><?xml version="1.0" encoding="utf-8"?>
+<file path=ppt/slides/slide9.xml><?xml version="1.0" encoding="utf-8"?>
 <p:sld xmlns:a="http://schemas.openxmlformats.org/drawingml/2006/main" xmlns:r="http://schemas.openxmlformats.org/officeDocument/2006/relationships" xmlns:p="http://schemas.openxmlformats.org/presentationml/2006/main">
   <p:cSld>
     <p:spTree>
@@ -13527,147 +13869,6 @@
     <p:extLst>
       <p:ext uri="{BB962C8B-B14F-4D97-AF65-F5344CB8AC3E}">
         <p14:creationId xmlns:p14="http://schemas.microsoft.com/office/powerpoint/2010/main" val="3445731576"/>
-      </p:ext>
-    </p:extLst>
-  </p:cSld>
-  <p:clrMapOvr>
-    <a:masterClrMapping/>
-  </p:clrMapOvr>
-</p:sld>
-</file>
-
-<file path=ppt/slides/slide9.xml><?xml version="1.0" encoding="utf-8"?>
-<p:sld xmlns:a="http://schemas.openxmlformats.org/drawingml/2006/main" xmlns:r="http://schemas.openxmlformats.org/officeDocument/2006/relationships" xmlns:p="http://schemas.openxmlformats.org/presentationml/2006/main">
-  <p:cSld>
-    <p:spTree>
-      <p:nvGrpSpPr>
-        <p:cNvPr id="1" name=""/>
-        <p:cNvGrpSpPr/>
-        <p:nvPr/>
-      </p:nvGrpSpPr>
-      <p:grpSpPr>
-        <a:xfrm>
-          <a:off x="0" y="0"/>
-          <a:ext cx="0" cy="0"/>
-          <a:chOff x="0" y="0"/>
-          <a:chExt cx="0" cy="0"/>
-        </a:xfrm>
-      </p:grpSpPr>
-      <p:sp>
-        <p:nvSpPr>
-          <p:cNvPr id="2" name="Title 1"/>
-          <p:cNvSpPr>
-            <a:spLocks noGrp="1"/>
-          </p:cNvSpPr>
-          <p:nvPr>
-            <p:ph type="title"/>
-          </p:nvPr>
-        </p:nvSpPr>
-        <p:spPr/>
-        <p:txBody>
-          <a:bodyPr/>
-          <a:lstStyle/>
-          <a:p>
-            <a:r>
-              <a:rPr lang="en-US" dirty="0"/>
-              <a:t>Test Development For a New Code</a:t>
-            </a:r>
-          </a:p>
-        </p:txBody>
-      </p:sp>
-      <p:sp>
-        <p:nvSpPr>
-          <p:cNvPr id="3" name="Content Placeholder 2"/>
-          <p:cNvSpPr>
-            <a:spLocks noGrp="1"/>
-          </p:cNvSpPr>
-          <p:nvPr>
-            <p:ph sz="quarter" idx="1"/>
-          </p:nvPr>
-        </p:nvSpPr>
-        <p:spPr>
-          <a:xfrm>
-            <a:off x="1031682" y="1673788"/>
-            <a:ext cx="7993048" cy="4230056"/>
-          </a:xfrm>
-        </p:spPr>
-        <p:txBody>
-          <a:bodyPr>
-            <a:normAutofit/>
-          </a:bodyPr>
-          <a:lstStyle/>
-          <a:p>
-            <a:r>
-              <a:rPr lang="en-US" dirty="0"/>
-              <a:t>Development of tests and diagnostics goes hand-in-hand with code development</a:t>
-            </a:r>
-          </a:p>
-          <a:p>
-            <a:pPr lvl="1"/>
-            <a:endParaRPr lang="en-US" dirty="0"/>
-          </a:p>
-          <a:p>
-            <a:pPr lvl="1"/>
-            <a:r>
-              <a:rPr lang="en-US" dirty="0"/>
-              <a:t>Non-trivial to devise good tests, but extremely important</a:t>
-            </a:r>
-          </a:p>
-          <a:p>
-            <a:pPr lvl="1"/>
-            <a:endParaRPr lang="en-US" dirty="0"/>
-          </a:p>
-          <a:p>
-            <a:pPr lvl="1"/>
-            <a:r>
-              <a:rPr lang="en-US" dirty="0"/>
-              <a:t>Compare against simpler analytical or semi-analytical solutions</a:t>
-            </a:r>
-          </a:p>
-          <a:p>
-            <a:pPr lvl="1"/>
-            <a:endParaRPr lang="en-US" dirty="0"/>
-          </a:p>
-          <a:p>
-            <a:pPr lvl="1"/>
-            <a:r>
-              <a:rPr lang="en-US" dirty="0"/>
-              <a:t>Build confidence </a:t>
-            </a:r>
-          </a:p>
-          <a:p>
-            <a:pPr lvl="1"/>
-            <a:endParaRPr lang="en-US" dirty="0"/>
-          </a:p>
-          <a:p>
-            <a:pPr lvl="1"/>
-            <a:r>
-              <a:rPr lang="en-US" dirty="0"/>
-              <a:t>Always inject errors to verify that the test is working</a:t>
-            </a:r>
-          </a:p>
-          <a:p>
-            <a:pPr lvl="1"/>
-            <a:endParaRPr lang="en-US" dirty="0"/>
-          </a:p>
-          <a:p>
-            <a:pPr marL="684212" lvl="2" indent="0">
-              <a:buNone/>
-            </a:pPr>
-            <a:endParaRPr lang="en-US" dirty="0"/>
-          </a:p>
-          <a:p>
-            <a:pPr marL="0" indent="0">
-              <a:buNone/>
-            </a:pPr>
-            <a:endParaRPr lang="en-US" dirty="0"/>
-          </a:p>
-        </p:txBody>
-      </p:sp>
-    </p:spTree>
-    <p:extLst>
-      <p:ext uri="{BB962C8B-B14F-4D97-AF65-F5344CB8AC3E}">
-        <p14:creationId xmlns:p14="http://schemas.microsoft.com/office/powerpoint/2010/main" val="3446077621"/>
       </p:ext>
     </p:extLst>
   </p:cSld>
@@ -14590,21 +14791,6 @@
 </file>
 
 <file path=customXml/item1.xml><?xml version="1.0" encoding="utf-8"?>
-<p:properties xmlns:p="http://schemas.microsoft.com/office/2006/metadata/properties" xmlns:xsi="http://www.w3.org/2001/XMLSchema-instance" xmlns:pc="http://schemas.microsoft.com/office/infopath/2007/PartnerControls">
-  <documentManagement/>
-</p:properties>
-</file>
-
-<file path=customXml/item2.xml><?xml version="1.0" encoding="utf-8"?>
-<?mso-contentType ?>
-<FormTemplates xmlns="http://schemas.microsoft.com/sharepoint/v3/contenttype/forms">
-  <Display>DocumentLibraryForm</Display>
-  <Edit>DocumentLibraryForm</Edit>
-  <New>DocumentLibraryForm</New>
-</FormTemplates>
-</file>
-
-<file path=customXml/item3.xml><?xml version="1.0" encoding="utf-8"?>
 <ct:contentTypeSchema xmlns:ct="http://schemas.microsoft.com/office/2006/metadata/contentType" xmlns:ma="http://schemas.microsoft.com/office/2006/metadata/properties/metaAttributes" ct:_="" ma:_="" ma:contentTypeName="Document" ma:contentTypeID="0x010100565464437F680748A68B85EB6594EA7D" ma:contentTypeVersion="0" ma:contentTypeDescription="Create a new document." ma:contentTypeScope="" ma:versionID="fe3f4dd58d5914c51cfc6deaa8ad845c">
   <xsd:schema xmlns:xsd="http://www.w3.org/2001/XMLSchema" xmlns:p="http://schemas.microsoft.com/office/2006/metadata/properties" targetNamespace="http://schemas.microsoft.com/office/2006/metadata/properties" ma:root="true" ma:fieldsID="4aeb20c0e3442673af7ee10786458764">
     <xsd:element name="properties">
@@ -14653,17 +14839,32 @@
 </ct:contentTypeSchema>
 </file>
 
+<file path=customXml/item2.xml><?xml version="1.0" encoding="utf-8"?>
+<?mso-contentType ?>
+<FormTemplates xmlns="http://schemas.microsoft.com/sharepoint/v3/contenttype/forms">
+  <Display>DocumentLibraryForm</Display>
+  <Edit>DocumentLibraryForm</Edit>
+  <New>DocumentLibraryForm</New>
+</FormTemplates>
+</file>
+
+<file path=customXml/item3.xml><?xml version="1.0" encoding="utf-8"?>
+<p:properties xmlns:p="http://schemas.microsoft.com/office/2006/metadata/properties" xmlns:xsi="http://www.w3.org/2001/XMLSchema-instance" xmlns:pc="http://schemas.microsoft.com/office/infopath/2007/PartnerControls">
+  <documentManagement/>
+</p:properties>
+</file>
+
 <file path=customXml/itemProps1.xml><?xml version="1.0" encoding="utf-8"?>
-<ds:datastoreItem xmlns:ds="http://schemas.openxmlformats.org/officeDocument/2006/customXml" ds:itemID="{A50EC660-24D0-43A0-AE5E-E274115E726B}">
+<ds:datastoreItem xmlns:ds="http://schemas.openxmlformats.org/officeDocument/2006/customXml" ds:itemID="{E8DB7DEB-074E-4EE8-9B6E-FD277323109C}">
   <ds:schemaRefs>
+    <ds:schemaRef ds:uri="http://schemas.microsoft.com/office/2006/metadata/contentType"/>
+    <ds:schemaRef ds:uri="http://schemas.microsoft.com/office/2006/metadata/properties/metaAttributes"/>
+    <ds:schemaRef ds:uri="http://www.w3.org/2001/XMLSchema"/>
+    <ds:schemaRef ds:uri="http://schemas.microsoft.com/office/2006/metadata/properties"/>
+    <ds:schemaRef ds:uri="http://schemas.openxmlformats.org/package/2006/metadata/core-properties"/>
+    <ds:schemaRef ds:uri="http://purl.org/dc/elements/1.1/"/>
     <ds:schemaRef ds:uri="http://purl.org/dc/terms/"/>
-    <ds:schemaRef ds:uri="http://schemas.openxmlformats.org/package/2006/metadata/core-properties"/>
-    <ds:schemaRef ds:uri="http://schemas.microsoft.com/office/2006/documentManagement/types"/>
-    <ds:schemaRef ds:uri="http://purl.org/dc/elements/1.1/"/>
-    <ds:schemaRef ds:uri="http://schemas.microsoft.com/office/2006/metadata/properties"/>
-    <ds:schemaRef ds:uri="http://www.w3.org/XML/1998/namespace"/>
-    <ds:schemaRef ds:uri="http://purl.org/dc/dcmitype/"/>
-    <ds:schemaRef ds:uri="http://schemas.microsoft.com/office/infopath/2007/PartnerControls"/>
+    <ds:schemaRef ds:uri="http://schemas.microsoft.com/office/internal/2005/internalDocumentation"/>
   </ds:schemaRefs>
 </ds:datastoreItem>
 </file>
@@ -14677,16 +14878,16 @@
 </file>
 
 <file path=customXml/itemProps3.xml><?xml version="1.0" encoding="utf-8"?>
-<ds:datastoreItem xmlns:ds="http://schemas.openxmlformats.org/officeDocument/2006/customXml" ds:itemID="{E8DB7DEB-074E-4EE8-9B6E-FD277323109C}">
+<ds:datastoreItem xmlns:ds="http://schemas.openxmlformats.org/officeDocument/2006/customXml" ds:itemID="{A50EC660-24D0-43A0-AE5E-E274115E726B}">
   <ds:schemaRefs>
-    <ds:schemaRef ds:uri="http://schemas.microsoft.com/office/2006/metadata/contentType"/>
-    <ds:schemaRef ds:uri="http://schemas.microsoft.com/office/2006/metadata/properties/metaAttributes"/>
-    <ds:schemaRef ds:uri="http://www.w3.org/2001/XMLSchema"/>
+    <ds:schemaRef ds:uri="http://purl.org/dc/terms/"/>
+    <ds:schemaRef ds:uri="http://schemas.openxmlformats.org/package/2006/metadata/core-properties"/>
+    <ds:schemaRef ds:uri="http://schemas.microsoft.com/office/2006/documentManagement/types"/>
+    <ds:schemaRef ds:uri="http://purl.org/dc/elements/1.1/"/>
     <ds:schemaRef ds:uri="http://schemas.microsoft.com/office/2006/metadata/properties"/>
-    <ds:schemaRef ds:uri="http://schemas.openxmlformats.org/package/2006/metadata/core-properties"/>
-    <ds:schemaRef ds:uri="http://purl.org/dc/elements/1.1/"/>
-    <ds:schemaRef ds:uri="http://purl.org/dc/terms/"/>
-    <ds:schemaRef ds:uri="http://schemas.microsoft.com/office/internal/2005/internalDocumentation"/>
+    <ds:schemaRef ds:uri="http://www.w3.org/XML/1998/namespace"/>
+    <ds:schemaRef ds:uri="http://purl.org/dc/dcmitype/"/>
+    <ds:schemaRef ds:uri="http://schemas.microsoft.com/office/infopath/2007/PartnerControls"/>
   </ds:schemaRefs>
 </ds:datastoreItem>
 </file>
--- a/05-testing.pptx
+++ b/05-testing.pptx
@@ -5,33 +5,32 @@
     <p:sldMasterId id="2147483935" r:id="rId4"/>
   </p:sldMasterIdLst>
   <p:notesMasterIdLst>
-    <p:notesMasterId r:id="rId26"/>
+    <p:notesMasterId r:id="rId25"/>
   </p:notesMasterIdLst>
   <p:handoutMasterIdLst>
-    <p:handoutMasterId r:id="rId27"/>
+    <p:handoutMasterId r:id="rId26"/>
   </p:handoutMasterIdLst>
   <p:sldIdLst>
     <p:sldId id="318" r:id="rId5"/>
-    <p:sldId id="615" r:id="rId6"/>
-    <p:sldId id="331" r:id="rId7"/>
-    <p:sldId id="276" r:id="rId8"/>
-    <p:sldId id="280" r:id="rId9"/>
-    <p:sldId id="575" r:id="rId10"/>
-    <p:sldId id="577" r:id="rId11"/>
-    <p:sldId id="487" r:id="rId12"/>
-    <p:sldId id="465" r:id="rId13"/>
-    <p:sldId id="580" r:id="rId14"/>
-    <p:sldId id="581" r:id="rId15"/>
-    <p:sldId id="469" r:id="rId16"/>
-    <p:sldId id="470" r:id="rId17"/>
-    <p:sldId id="472" r:id="rId18"/>
-    <p:sldId id="486" r:id="rId19"/>
-    <p:sldId id="584" r:id="rId20"/>
-    <p:sldId id="299" r:id="rId21"/>
-    <p:sldId id="586" r:id="rId22"/>
-    <p:sldId id="489" r:id="rId23"/>
-    <p:sldId id="579" r:id="rId24"/>
-    <p:sldId id="571" r:id="rId25"/>
+    <p:sldId id="320" r:id="rId6"/>
+    <p:sldId id="276" r:id="rId7"/>
+    <p:sldId id="280" r:id="rId8"/>
+    <p:sldId id="575" r:id="rId9"/>
+    <p:sldId id="577" r:id="rId10"/>
+    <p:sldId id="487" r:id="rId11"/>
+    <p:sldId id="465" r:id="rId12"/>
+    <p:sldId id="580" r:id="rId13"/>
+    <p:sldId id="581" r:id="rId14"/>
+    <p:sldId id="469" r:id="rId15"/>
+    <p:sldId id="470" r:id="rId16"/>
+    <p:sldId id="472" r:id="rId17"/>
+    <p:sldId id="486" r:id="rId18"/>
+    <p:sldId id="584" r:id="rId19"/>
+    <p:sldId id="299" r:id="rId20"/>
+    <p:sldId id="586" r:id="rId21"/>
+    <p:sldId id="489" r:id="rId22"/>
+    <p:sldId id="579" r:id="rId23"/>
+    <p:sldId id="571" r:id="rId24"/>
   </p:sldIdLst>
   <p:sldSz cx="12188825" cy="6858000"/>
   <p:notesSz cx="7010400" cy="9296400"/>
@@ -275,7 +274,7 @@
           <a:p>
             <a:fld id="{0B842F42-2CE9-4E35-95C1-410DC08A50B1}" type="datetimeFigureOut">
               <a:rPr lang="en-US" smtClean="0"/>
-              <a:t>7/31/20</a:t>
+              <a:t>8/2/2020</a:t>
             </a:fld>
             <a:endParaRPr lang="en-US"/>
           </a:p>
@@ -440,7 +439,7 @@
           <a:p>
             <a:fld id="{6F282904-F315-4730-8D91-37D99E141A6F}" type="datetimeFigureOut">
               <a:rPr lang="en-US" smtClean="0"/>
-              <a:t>7/31/20</a:t>
+              <a:t>8/2/2020</a:t>
             </a:fld>
             <a:endParaRPr lang="en-US"/>
           </a:p>
@@ -777,7 +776,7 @@
           <a:p>
             <a:fld id="{A546EF7F-2180-5947-8246-D3E867E2B048}" type="slidenum">
               <a:rPr lang="en-US" smtClean="0"/>
-              <a:t>9</a:t>
+              <a:t>8</a:t>
             </a:fld>
             <a:endParaRPr lang="en-US"/>
           </a:p>
@@ -5026,7 +5025,7 @@
           <a:lstStyle/>
           <a:p>
             <a:r>
-              <a:rPr lang="en-US" dirty="0"/>
+              <a:rPr lang="en-US" u="sng" dirty="0"/>
               <a:t>Anshu Dubey</a:t>
             </a:r>
             <a:br>
@@ -5046,18 +5045,7 @@
             </a:pPr>
             <a:r>
               <a:rPr lang="en-US" sz="2000" dirty="0"/>
-              <a:t>Software Productivity Track</a:t>
-            </a:r>
-          </a:p>
-          <a:p>
-            <a:pPr>
-              <a:spcBef>
-                <a:spcPts val="2400"/>
-              </a:spcBef>
-            </a:pPr>
-            <a:r>
-              <a:rPr lang="en-US" sz="2000" dirty="0"/>
-              <a:t>ATPESC 2020</a:t>
+              <a:t>Software Productivity Track, ATPESC 2020</a:t>
             </a:r>
           </a:p>
         </p:txBody>
@@ -5199,142 +5187,6 @@
 </file>
 
 <file path=ppt/slides/slide10.xml><?xml version="1.0" encoding="utf-8"?>
-<p:sld xmlns:a="http://schemas.openxmlformats.org/drawingml/2006/main" xmlns:r="http://schemas.openxmlformats.org/officeDocument/2006/relationships" xmlns:p="http://schemas.openxmlformats.org/presentationml/2006/main">
-  <p:cSld>
-    <p:spTree>
-      <p:nvGrpSpPr>
-        <p:cNvPr id="1" name=""/>
-        <p:cNvGrpSpPr/>
-        <p:nvPr/>
-      </p:nvGrpSpPr>
-      <p:grpSpPr>
-        <a:xfrm>
-          <a:off x="0" y="0"/>
-          <a:ext cx="0" cy="0"/>
-          <a:chOff x="0" y="0"/>
-          <a:chExt cx="0" cy="0"/>
-        </a:xfrm>
-      </p:grpSpPr>
-      <p:sp>
-        <p:nvSpPr>
-          <p:cNvPr id="2" name="Title 1"/>
-          <p:cNvSpPr>
-            <a:spLocks noGrp="1"/>
-          </p:cNvSpPr>
-          <p:nvPr>
-            <p:ph type="title"/>
-          </p:nvPr>
-        </p:nvSpPr>
-        <p:spPr/>
-        <p:txBody>
-          <a:bodyPr/>
-          <a:lstStyle/>
-          <a:p>
-            <a:r>
-              <a:rPr lang="en-US" dirty="0"/>
-              <a:t>Test Development For a New Code</a:t>
-            </a:r>
-          </a:p>
-        </p:txBody>
-      </p:sp>
-      <p:sp>
-        <p:nvSpPr>
-          <p:cNvPr id="3" name="Content Placeholder 2"/>
-          <p:cNvSpPr>
-            <a:spLocks noGrp="1"/>
-          </p:cNvSpPr>
-          <p:nvPr>
-            <p:ph sz="quarter" idx="1"/>
-          </p:nvPr>
-        </p:nvSpPr>
-        <p:spPr>
-          <a:xfrm>
-            <a:off x="574482" y="1078043"/>
-            <a:ext cx="8985154" cy="4269812"/>
-          </a:xfrm>
-        </p:spPr>
-        <p:txBody>
-          <a:bodyPr>
-            <a:normAutofit/>
-          </a:bodyPr>
-          <a:lstStyle/>
-          <a:p>
-            <a:r>
-              <a:rPr lang="en-US" dirty="0"/>
-              <a:t>Development of tests and diagnostics goes hand-in-hand with code development</a:t>
-            </a:r>
-          </a:p>
-          <a:p>
-            <a:pPr lvl="1"/>
-            <a:endParaRPr lang="en-US" dirty="0"/>
-          </a:p>
-          <a:p>
-            <a:pPr lvl="1"/>
-            <a:r>
-              <a:rPr lang="en-US" dirty="0"/>
-              <a:t>Non-trivial to devise good tests, but extremely important</a:t>
-            </a:r>
-          </a:p>
-          <a:p>
-            <a:pPr lvl="1"/>
-            <a:r>
-              <a:rPr lang="en-US" dirty="0"/>
-              <a:t>Compare against simpler analytical or semi-analytical solutions</a:t>
-            </a:r>
-          </a:p>
-          <a:p>
-            <a:pPr lvl="1"/>
-            <a:r>
-              <a:rPr lang="en-US" dirty="0"/>
-              <a:t>Build granularity into testing</a:t>
-            </a:r>
-          </a:p>
-          <a:p>
-            <a:pPr lvl="1"/>
-            <a:r>
-              <a:rPr lang="en-US" dirty="0"/>
-              <a:t>Use scaffolding ideas to build confidence </a:t>
-            </a:r>
-          </a:p>
-          <a:p>
-            <a:pPr lvl="1"/>
-            <a:r>
-              <a:rPr lang="en-US" dirty="0"/>
-              <a:t>Always inject errors to verify that the test is working</a:t>
-            </a:r>
-          </a:p>
-          <a:p>
-            <a:pPr lvl="1"/>
-            <a:endParaRPr lang="en-US" dirty="0"/>
-          </a:p>
-          <a:p>
-            <a:pPr marL="684212" lvl="2" indent="0">
-              <a:buNone/>
-            </a:pPr>
-            <a:endParaRPr lang="en-US" dirty="0"/>
-          </a:p>
-          <a:p>
-            <a:pPr marL="0" indent="0">
-              <a:buNone/>
-            </a:pPr>
-            <a:endParaRPr lang="en-US" dirty="0"/>
-          </a:p>
-        </p:txBody>
-      </p:sp>
-    </p:spTree>
-    <p:extLst>
-      <p:ext uri="{BB962C8B-B14F-4D97-AF65-F5344CB8AC3E}">
-        <p14:creationId xmlns:p14="http://schemas.microsoft.com/office/powerpoint/2010/main" val="3446077621"/>
-      </p:ext>
-    </p:extLst>
-  </p:cSld>
-  <p:clrMapOvr>
-    <a:masterClrMapping/>
-  </p:clrMapOvr>
-</p:sld>
-</file>
-
-<file path=ppt/slides/slide11.xml><?xml version="1.0" encoding="utf-8"?>
 <p:sld xmlns:a="http://schemas.openxmlformats.org/drawingml/2006/main" xmlns:r="http://schemas.openxmlformats.org/officeDocument/2006/relationships" xmlns:p="http://schemas.openxmlformats.org/presentationml/2006/main">
   <p:cSld>
     <p:spTree>
@@ -6158,7 +6010,7 @@
 </p:sld>
 </file>
 
-<file path=ppt/slides/slide12.xml><?xml version="1.0" encoding="utf-8"?>
+<file path=ppt/slides/slide11.xml><?xml version="1.0" encoding="utf-8"?>
 <p:sld xmlns:a="http://schemas.openxmlformats.org/drawingml/2006/main" xmlns:r="http://schemas.openxmlformats.org/officeDocument/2006/relationships" xmlns:p="http://schemas.openxmlformats.org/presentationml/2006/main">
   <p:cSld>
     <p:spTree>
@@ -6441,7 +6293,7 @@
 </p:sld>
 </file>
 
-<file path=ppt/slides/slide13.xml><?xml version="1.0" encoding="utf-8"?>
+<file path=ppt/slides/slide12.xml><?xml version="1.0" encoding="utf-8"?>
 <p:sld xmlns:a="http://schemas.openxmlformats.org/drawingml/2006/main" xmlns:r="http://schemas.openxmlformats.org/officeDocument/2006/relationships" xmlns:p="http://schemas.openxmlformats.org/presentationml/2006/main">
   <p:cSld>
     <p:spTree>
@@ -6750,7 +6602,7 @@
 </p:sld>
 </file>
 
-<file path=ppt/slides/slide14.xml><?xml version="1.0" encoding="utf-8"?>
+<file path=ppt/slides/slide13.xml><?xml version="1.0" encoding="utf-8"?>
 <p:sld xmlns:a="http://schemas.openxmlformats.org/drawingml/2006/main" xmlns:r="http://schemas.openxmlformats.org/officeDocument/2006/relationships" xmlns:p="http://schemas.openxmlformats.org/presentationml/2006/main">
   <p:cSld>
     <p:spTree>
@@ -7514,7 +7366,7 @@
 </p:sld>
 </file>
 
-<file path=ppt/slides/slide15.xml><?xml version="1.0" encoding="utf-8"?>
+<file path=ppt/slides/slide14.xml><?xml version="1.0" encoding="utf-8"?>
 <p:sld xmlns:a="http://schemas.openxmlformats.org/drawingml/2006/main" xmlns:r="http://schemas.openxmlformats.org/officeDocument/2006/relationships" xmlns:p="http://schemas.openxmlformats.org/presentationml/2006/main">
   <p:cSld>
     <p:spTree>
@@ -8058,7 +7910,7 @@
 </p:sld>
 </file>
 
-<file path=ppt/slides/slide16.xml><?xml version="1.0" encoding="utf-8"?>
+<file path=ppt/slides/slide15.xml><?xml version="1.0" encoding="utf-8"?>
 <p:sld xmlns:a="http://schemas.openxmlformats.org/drawingml/2006/main" xmlns:r="http://schemas.openxmlformats.org/officeDocument/2006/relationships" xmlns:p="http://schemas.openxmlformats.org/presentationml/2006/main">
   <p:cSld>
     <p:spTree>
@@ -8218,7 +8070,7 @@
 </p:sld>
 </file>
 
-<file path=ppt/slides/slide17.xml><?xml version="1.0" encoding="utf-8"?>
+<file path=ppt/slides/slide16.xml><?xml version="1.0" encoding="utf-8"?>
 <p:sld xmlns:a="http://schemas.openxmlformats.org/drawingml/2006/main" xmlns:r="http://schemas.openxmlformats.org/officeDocument/2006/relationships" xmlns:p="http://schemas.openxmlformats.org/presentationml/2006/main">
   <p:cSld>
     <p:spTree>
@@ -10304,7 +10156,7 @@
 </p:sld>
 </file>
 
-<file path=ppt/slides/slide18.xml><?xml version="1.0" encoding="utf-8"?>
+<file path=ppt/slides/slide17.xml><?xml version="1.0" encoding="utf-8"?>
 <p:sld xmlns:a="http://schemas.openxmlformats.org/drawingml/2006/main" xmlns:r="http://schemas.openxmlformats.org/officeDocument/2006/relationships" xmlns:p="http://schemas.openxmlformats.org/presentationml/2006/main">
   <p:cSld>
     <p:spTree>
@@ -11083,7 +10935,7 @@
 </p:sld>
 </file>
 
-<file path=ppt/slides/slide19.xml><?xml version="1.0" encoding="utf-8"?>
+<file path=ppt/slides/slide18.xml><?xml version="1.0" encoding="utf-8"?>
 <p:sld xmlns:a="http://schemas.openxmlformats.org/drawingml/2006/main" xmlns:r="http://schemas.openxmlformats.org/officeDocument/2006/relationships" xmlns:p="http://schemas.openxmlformats.org/presentationml/2006/main">
   <p:cSld>
     <p:spTree>
@@ -12016,6 +11868,148 @@
 </p:sld>
 </file>
 
+<file path=ppt/slides/slide19.xml><?xml version="1.0" encoding="utf-8"?>
+<p:sld xmlns:a="http://schemas.openxmlformats.org/drawingml/2006/main" xmlns:r="http://schemas.openxmlformats.org/officeDocument/2006/relationships" xmlns:p="http://schemas.openxmlformats.org/presentationml/2006/main">
+  <p:cSld>
+    <p:spTree>
+      <p:nvGrpSpPr>
+        <p:cNvPr id="1" name=""/>
+        <p:cNvGrpSpPr/>
+        <p:nvPr/>
+      </p:nvGrpSpPr>
+      <p:grpSpPr>
+        <a:xfrm>
+          <a:off x="0" y="0"/>
+          <a:ext cx="0" cy="0"/>
+          <a:chOff x="0" y="0"/>
+          <a:chExt cx="0" cy="0"/>
+        </a:xfrm>
+      </p:grpSpPr>
+      <p:sp>
+        <p:nvSpPr>
+          <p:cNvPr id="2" name="Title 1"/>
+          <p:cNvSpPr>
+            <a:spLocks noGrp="1"/>
+          </p:cNvSpPr>
+          <p:nvPr>
+            <p:ph type="title"/>
+          </p:nvPr>
+        </p:nvSpPr>
+        <p:spPr/>
+        <p:txBody>
+          <a:bodyPr/>
+          <a:lstStyle/>
+          <a:p>
+            <a:r>
+              <a:rPr lang="en-US" dirty="0"/>
+              <a:t>Good Testing Practices</a:t>
+            </a:r>
+          </a:p>
+        </p:txBody>
+      </p:sp>
+      <p:sp>
+        <p:nvSpPr>
+          <p:cNvPr id="5" name="Content Placeholder 4"/>
+          <p:cNvSpPr>
+            <a:spLocks noGrp="1"/>
+          </p:cNvSpPr>
+          <p:nvPr>
+            <p:ph sz="quarter" idx="1"/>
+          </p:nvPr>
+        </p:nvSpPr>
+        <p:spPr>
+          <a:xfrm>
+            <a:off x="368424" y="1177290"/>
+            <a:ext cx="11369809" cy="4047778"/>
+          </a:xfrm>
+        </p:spPr>
+        <p:txBody>
+          <a:bodyPr/>
+          <a:lstStyle/>
+          <a:p>
+            <a:r>
+              <a:rPr lang="en-US" dirty="0"/>
+              <a:t>Must have consistent policy on dealing with failed tests</a:t>
+            </a:r>
+          </a:p>
+          <a:p>
+            <a:pPr lvl="1"/>
+            <a:r>
+              <a:rPr lang="en-US" dirty="0"/>
+              <a:t>Issue tracking</a:t>
+            </a:r>
+          </a:p>
+          <a:p>
+            <a:pPr lvl="2"/>
+            <a:r>
+              <a:rPr lang="en-US" dirty="0"/>
+              <a:t>How quickly does it need to be fixed?</a:t>
+            </a:r>
+          </a:p>
+          <a:p>
+            <a:pPr lvl="2"/>
+            <a:r>
+              <a:rPr lang="en-US" dirty="0"/>
+              <a:t>Who is responsible for fixing it?</a:t>
+            </a:r>
+          </a:p>
+          <a:p>
+            <a:r>
+              <a:rPr lang="en-US" dirty="0"/>
+              <a:t>Someone should be watching the test suite</a:t>
+            </a:r>
+          </a:p>
+          <a:p>
+            <a:r>
+              <a:rPr lang="en-US" dirty="0"/>
+              <a:t>When refactoring or adding new features, run a regression suite before check in</a:t>
+            </a:r>
+          </a:p>
+          <a:p>
+            <a:pPr lvl="1"/>
+            <a:r>
+              <a:rPr lang="en-US" dirty="0"/>
+              <a:t>Add new regression tests or modify existing ones for the new features</a:t>
+            </a:r>
+          </a:p>
+          <a:p>
+            <a:r>
+              <a:rPr lang="en-US" dirty="0"/>
+              <a:t>Code review before releasing test suite is useful</a:t>
+            </a:r>
+          </a:p>
+          <a:p>
+            <a:pPr lvl="1"/>
+            <a:r>
+              <a:rPr lang="en-US" dirty="0"/>
+              <a:t>Another person may spot issues you didn’t</a:t>
+            </a:r>
+          </a:p>
+          <a:p>
+            <a:pPr lvl="1"/>
+            <a:r>
+              <a:rPr lang="en-US" dirty="0"/>
+              <a:t>Incredibly cost-effective</a:t>
+            </a:r>
+          </a:p>
+          <a:p>
+            <a:endParaRPr lang="en-US" dirty="0"/>
+          </a:p>
+        </p:txBody>
+      </p:sp>
+    </p:spTree>
+    <p:extLst>
+      <p:ext uri="{BB962C8B-B14F-4D97-AF65-F5344CB8AC3E}">
+        <p14:creationId xmlns:p14="http://schemas.microsoft.com/office/powerpoint/2010/main" val="2338338090"/>
+      </p:ext>
+    </p:extLst>
+  </p:cSld>
+  <p:clrMapOvr>
+    <a:masterClrMapping/>
+  </p:clrMapOvr>
+</p:sld>
+</file>
+
 <file path=ppt/slides/slide2.xml><?xml version="1.0" encoding="utf-8"?>
 <p:sld xmlns:a="http://schemas.openxmlformats.org/drawingml/2006/main" xmlns:r="http://schemas.openxmlformats.org/officeDocument/2006/relationships" xmlns:p="http://schemas.openxmlformats.org/presentationml/2006/main">
   <p:cSld>
@@ -12102,23 +12096,23 @@
               </a:spcBef>
             </a:pPr>
             <a:r>
-              <a:rPr lang="en-US" sz="1800" dirty="0"/>
+              <a:rPr lang="en-US" sz="1600" dirty="0"/>
               <a:t>This work is licensed under a </a:t>
             </a:r>
             <a:r>
-              <a:rPr lang="en-US" sz="1800" dirty="0">
+              <a:rPr lang="en-US" sz="1600" dirty="0">
                 <a:hlinkClick r:id="rId2"/>
               </a:rPr>
               <a:t>Creative</a:t>
             </a:r>
             <a:r>
-              <a:rPr lang="en-US" sz="1800" dirty="0">
+              <a:rPr lang="en-US" sz="1600" dirty="0">
                 <a:hlinkClick r:id="rId3"/>
               </a:rPr>
               <a:t> Commons Attribution 4.0 International License</a:t>
             </a:r>
             <a:r>
-              <a:rPr lang="en-US" sz="1800" dirty="0"/>
+              <a:rPr lang="en-US" sz="1600" dirty="0"/>
               <a:t> (CC BY 4.0).</a:t>
             </a:r>
           </a:p>
@@ -12129,28 +12123,42 @@
               </a:spcBef>
             </a:pPr>
             <a:r>
-              <a:rPr lang="en-US" sz="1800" b="1" dirty="0"/>
-              <a:t>The requested citation the overall tutorial is: David </a:t>
-            </a:r>
-            <a:r>
-              <a:rPr lang="en-US" sz="1800" b="1" dirty="0" err="1"/>
-              <a:t>Bernholdt</a:t>
-            </a:r>
-            <a:r>
-              <a:rPr lang="en-US" sz="1800" b="1" dirty="0"/>
-              <a:t>, Software Productivity Track, in Argonne Training Program for Extreme Scale Computing 2020. DOI: </a:t>
-            </a:r>
-            <a:r>
-              <a:rPr lang="en-US" sz="1800" dirty="0"/>
+              <a:rPr lang="en-US" sz="1600" b="1" dirty="0"/>
+              <a:t>The requested citation the overall tutorial is: David E. Bernholdt, Anshu Dubey, Mark C. Miller, Katherine M. Riley, and James M. </a:t>
+            </a:r>
+            <a:r>
+              <a:rPr lang="en-US" sz="1600" b="1" dirty="0" err="1"/>
+              <a:t>Willenbring</a:t>
+            </a:r>
+            <a:r>
+              <a:rPr lang="en-US" sz="1600" b="1" dirty="0"/>
+              <a:t>, Software Productivity Track, in Argonne Training Program for Extreme Scale Computing (ATPESC), online. DOI: </a:t>
+            </a:r>
+            <a:r>
+              <a:rPr lang="en-US" sz="1600" b="1" dirty="0">
+                <a:hlinkClick r:id="rId4"/>
+              </a:rPr>
+              <a:t>10.6084/m9.figshare.12719834</a:t>
+            </a:r>
+            <a:endParaRPr lang="en-US" sz="1600" b="1" dirty="0"/>
+          </a:p>
+          <a:p>
+            <a:pPr>
+              <a:spcBef>
+                <a:spcPts val="400"/>
+              </a:spcBef>
+            </a:pPr>
+            <a:r>
+              <a:rPr lang="en-US" sz="1600" dirty="0"/>
               <a:t>Individual modules may be cited as </a:t>
             </a:r>
             <a:r>
-              <a:rPr lang="en-US" sz="1800" i="1" dirty="0"/>
+              <a:rPr lang="en-US" sz="1600" i="1" dirty="0"/>
               <a:t>Speaker, Module Title</a:t>
             </a:r>
             <a:r>
-              <a:rPr lang="en-US" sz="1800" dirty="0"/>
-              <a:t>, in Software Productivity Track, ATPESC 2020</a:t>
+              <a:rPr lang="en-US" sz="1600" dirty="0"/>
+              <a:t>, in Software Productivity Track…</a:t>
             </a:r>
           </a:p>
           <a:p>
@@ -12165,20 +12173,12 @@
           <a:p>
             <a:pPr>
               <a:spcBef>
-                <a:spcPts val="0"/>
+                <a:spcPts val="400"/>
               </a:spcBef>
             </a:pPr>
             <a:r>
               <a:rPr lang="en-US" sz="1600" dirty="0"/>
-              <a:t>Additional contributors to this this tutorial include: Anshu Dubey, Katherine Riley, James M. </a:t>
-            </a:r>
-            <a:r>
-              <a:rPr lang="en-US" sz="1600" dirty="0" err="1"/>
-              <a:t>Willenbring</a:t>
-            </a:r>
-            <a:r>
-              <a:rPr lang="en-US" sz="1600" dirty="0"/>
-              <a:t>, Mark Miller, Mike </a:t>
+              <a:t>Additional contributors include: Patricia Grubel, Rinku Gupta, Mike </a:t>
             </a:r>
             <a:r>
               <a:rPr lang="en-US" sz="1600" dirty="0" err="1"/>
@@ -12194,13 +12194,13 @@
             </a:r>
             <a:r>
               <a:rPr lang="en-US" sz="1600" dirty="0"/>
-              <a:t>, and Jared O’Neal,</a:t>
+              <a:t>, Jared O’Neal, David Rogers</a:t>
             </a:r>
           </a:p>
           <a:p>
             <a:pPr>
               <a:spcBef>
-                <a:spcPts val="600"/>
+                <a:spcPts val="400"/>
               </a:spcBef>
             </a:pPr>
             <a:r>
@@ -12224,7 +12224,7 @@
           <a:p>
             <a:pPr>
               <a:spcBef>
-                <a:spcPts val="600"/>
+                <a:spcPts val="400"/>
               </a:spcBef>
             </a:pPr>
             <a:r>
@@ -12243,7 +12243,7 @@
           <a:p>
             <a:pPr>
               <a:spcBef>
-                <a:spcPts val="600"/>
+                <a:spcPts val="400"/>
               </a:spcBef>
             </a:pPr>
             <a:r>
@@ -12254,12 +12254,23 @@
           <a:p>
             <a:pPr>
               <a:spcBef>
-                <a:spcPts val="600"/>
+                <a:spcPts val="400"/>
               </a:spcBef>
             </a:pPr>
             <a:r>
               <a:rPr lang="en-US" sz="1600" dirty="0"/>
-              <a:t>This work was performed in part at Sandia National Laboratories. Sandia National Laboratories is a multi-mission laboratory managed and operated by National Technology and Engineering Solutions of Sandia, LLC., a wholly owned subsidiary of Honeywell International, Inc., for the U.S. Department of Energy’s National Nuclear Security Administration under contract DE-NA0003525. SAND NO SAND2017-5474 PE</a:t>
+              <a:t>This work was performed in part at the Lawrence Livermore National Laboratory, which is managed by Lawrence Livermore National Security, LLC for the U.S. Department of Energy under Contract No. DE-AC52-07NA27344.</a:t>
+            </a:r>
+          </a:p>
+          <a:p>
+            <a:pPr>
+              <a:spcBef>
+                <a:spcPts val="400"/>
+              </a:spcBef>
+            </a:pPr>
+            <a:r>
+              <a:rPr lang="en-US" sz="1600" dirty="0"/>
+              <a:t>This work was performed in part at Sandia National Laboratories. Sandia National Laboratories is a multi-mission laboratory managed and operated by National Technology and Engineering Solutions of Sandia, LLC., a wholly owned subsidiary of Honeywell International, Inc., for the U.S. Department of Energy’s National Nuclear Security Administration under contract DE-NA0003525.</a:t>
             </a:r>
           </a:p>
         </p:txBody>
@@ -12279,7 +12290,7 @@
           <p:nvPr/>
         </p:nvPicPr>
         <p:blipFill>
-          <a:blip r:embed="rId4">
+          <a:blip r:embed="rId5">
             <a:extLst>
               <a:ext uri="{28A0092B-C50C-407E-A947-70E740481C1C}">
                 <a14:useLocalDpi xmlns:a14="http://schemas.microsoft.com/office/drawing/2010/main" val="0"/>
@@ -12314,7 +12325,7 @@
     </p:spTree>
     <p:extLst>
       <p:ext uri="{BB962C8B-B14F-4D97-AF65-F5344CB8AC3E}">
-        <p14:creationId xmlns:p14="http://schemas.microsoft.com/office/powerpoint/2010/main" val="3358339659"/>
+        <p14:creationId xmlns:p14="http://schemas.microsoft.com/office/powerpoint/2010/main" val="978726433"/>
       </p:ext>
     </p:extLst>
   </p:cSld>
@@ -12325,148 +12336,6 @@
 </file>
 
 <file path=ppt/slides/slide20.xml><?xml version="1.0" encoding="utf-8"?>
-<p:sld xmlns:a="http://schemas.openxmlformats.org/drawingml/2006/main" xmlns:r="http://schemas.openxmlformats.org/officeDocument/2006/relationships" xmlns:p="http://schemas.openxmlformats.org/presentationml/2006/main">
-  <p:cSld>
-    <p:spTree>
-      <p:nvGrpSpPr>
-        <p:cNvPr id="1" name=""/>
-        <p:cNvGrpSpPr/>
-        <p:nvPr/>
-      </p:nvGrpSpPr>
-      <p:grpSpPr>
-        <a:xfrm>
-          <a:off x="0" y="0"/>
-          <a:ext cx="0" cy="0"/>
-          <a:chOff x="0" y="0"/>
-          <a:chExt cx="0" cy="0"/>
-        </a:xfrm>
-      </p:grpSpPr>
-      <p:sp>
-        <p:nvSpPr>
-          <p:cNvPr id="2" name="Title 1"/>
-          <p:cNvSpPr>
-            <a:spLocks noGrp="1"/>
-          </p:cNvSpPr>
-          <p:nvPr>
-            <p:ph type="title"/>
-          </p:nvPr>
-        </p:nvSpPr>
-        <p:spPr/>
-        <p:txBody>
-          <a:bodyPr/>
-          <a:lstStyle/>
-          <a:p>
-            <a:r>
-              <a:rPr lang="en-US" dirty="0"/>
-              <a:t>Good Testing Practices</a:t>
-            </a:r>
-          </a:p>
-        </p:txBody>
-      </p:sp>
-      <p:sp>
-        <p:nvSpPr>
-          <p:cNvPr id="5" name="Content Placeholder 4"/>
-          <p:cNvSpPr>
-            <a:spLocks noGrp="1"/>
-          </p:cNvSpPr>
-          <p:nvPr>
-            <p:ph sz="quarter" idx="1"/>
-          </p:nvPr>
-        </p:nvSpPr>
-        <p:spPr>
-          <a:xfrm>
-            <a:off x="368424" y="1177290"/>
-            <a:ext cx="11369809" cy="4047778"/>
-          </a:xfrm>
-        </p:spPr>
-        <p:txBody>
-          <a:bodyPr/>
-          <a:lstStyle/>
-          <a:p>
-            <a:r>
-              <a:rPr lang="en-US" dirty="0"/>
-              <a:t>Must have consistent policy on dealing with failed tests</a:t>
-            </a:r>
-          </a:p>
-          <a:p>
-            <a:pPr lvl="1"/>
-            <a:r>
-              <a:rPr lang="en-US" dirty="0"/>
-              <a:t>Issue tracking</a:t>
-            </a:r>
-          </a:p>
-          <a:p>
-            <a:pPr lvl="2"/>
-            <a:r>
-              <a:rPr lang="en-US" dirty="0"/>
-              <a:t>How quickly does it need to be fixed?</a:t>
-            </a:r>
-          </a:p>
-          <a:p>
-            <a:pPr lvl="2"/>
-            <a:r>
-              <a:rPr lang="en-US" dirty="0"/>
-              <a:t>Who is responsible for fixing it?</a:t>
-            </a:r>
-          </a:p>
-          <a:p>
-            <a:r>
-              <a:rPr lang="en-US" dirty="0"/>
-              <a:t>Someone should be watching the test suite</a:t>
-            </a:r>
-          </a:p>
-          <a:p>
-            <a:r>
-              <a:rPr lang="en-US" dirty="0"/>
-              <a:t>When refactoring or adding new features, run a regression suite before check in</a:t>
-            </a:r>
-          </a:p>
-          <a:p>
-            <a:pPr lvl="1"/>
-            <a:r>
-              <a:rPr lang="en-US" dirty="0"/>
-              <a:t>Add new regression tests or modify existing ones for the new features</a:t>
-            </a:r>
-          </a:p>
-          <a:p>
-            <a:r>
-              <a:rPr lang="en-US" dirty="0"/>
-              <a:t>Code review before releasing test suite is useful</a:t>
-            </a:r>
-          </a:p>
-          <a:p>
-            <a:pPr lvl="1"/>
-            <a:r>
-              <a:rPr lang="en-US" dirty="0"/>
-              <a:t>Another person may spot issues you didn’t</a:t>
-            </a:r>
-          </a:p>
-          <a:p>
-            <a:pPr lvl="1"/>
-            <a:r>
-              <a:rPr lang="en-US" dirty="0"/>
-              <a:t>Incredibly cost-effective</a:t>
-            </a:r>
-          </a:p>
-          <a:p>
-            <a:endParaRPr lang="en-US" dirty="0"/>
-          </a:p>
-        </p:txBody>
-      </p:sp>
-    </p:spTree>
-    <p:extLst>
-      <p:ext uri="{BB962C8B-B14F-4D97-AF65-F5344CB8AC3E}">
-        <p14:creationId xmlns:p14="http://schemas.microsoft.com/office/powerpoint/2010/main" val="2338338090"/>
-      </p:ext>
-    </p:extLst>
-  </p:cSld>
-  <p:clrMapOvr>
-    <a:masterClrMapping/>
-  </p:clrMapOvr>
-</p:sld>
-</file>
-
-<file path=ppt/slides/slide21.xml><?xml version="1.0" encoding="utf-8"?>
 <p:sld xmlns:a="http://schemas.openxmlformats.org/drawingml/2006/main" xmlns:r="http://schemas.openxmlformats.org/officeDocument/2006/relationships" xmlns:p="http://schemas.openxmlformats.org/presentationml/2006/main">
   <p:cSld>
     <p:spTree>
@@ -12515,6 +12384,9 @@
           </a:p>
           <a:p>
             <a:pPr marL="457200" indent="-457200">
+              <a:buClr>
+                <a:schemeClr val="bg1"/>
+              </a:buClr>
               <a:buFont typeface="Arial" panose="020B0604020202020204" pitchFamily="34" charset="0"/>
               <a:buChar char="•"/>
             </a:pPr>
@@ -12525,6 +12397,9 @@
           </a:p>
           <a:p>
             <a:pPr marL="457200" indent="-457200">
+              <a:buClr>
+                <a:schemeClr val="bg1"/>
+              </a:buClr>
               <a:buFont typeface="Arial" panose="020B0604020202020204" pitchFamily="34" charset="0"/>
               <a:buChar char="•"/>
             </a:pPr>
@@ -12535,6 +12410,9 @@
           </a:p>
           <a:p>
             <a:pPr marL="457200" indent="-457200">
+              <a:buClr>
+                <a:schemeClr val="bg1"/>
+              </a:buClr>
               <a:buFont typeface="Arial" panose="020B0604020202020204" pitchFamily="34" charset="0"/>
               <a:buChar char="•"/>
             </a:pPr>
@@ -12545,18 +12423,16 @@
           </a:p>
           <a:p>
             <a:pPr marL="457200" indent="-457200">
+              <a:buClr>
+                <a:schemeClr val="bg1"/>
+              </a:buClr>
               <a:buFont typeface="Arial" panose="020B0604020202020204" pitchFamily="34" charset="0"/>
               <a:buChar char="•"/>
             </a:pPr>
             <a:r>
               <a:rPr lang="en-US" dirty="0"/>
-              <a:t>Make sure that your tests fail when </a:t>
-            </a:r>
-            <a:r>
-              <a:rPr lang="en-US"/>
-              <a:t>they should</a:t>
-            </a:r>
-            <a:endParaRPr lang="en-US" dirty="0"/>
+              <a:t>Make sure that your tests fail when they should</a:t>
+            </a:r>
           </a:p>
           <a:p>
             <a:r>
@@ -12613,190 +12489,6 @@
       </p:grpSpPr>
       <p:sp>
         <p:nvSpPr>
-          <p:cNvPr id="3" name="Content Placeholder 2">
-            <a:extLst>
-              <a:ext uri="{FF2B5EF4-FFF2-40B4-BE49-F238E27FC236}">
-                <a16:creationId xmlns:a16="http://schemas.microsoft.com/office/drawing/2014/main" id="{0385A3AB-B258-4D59-B407-F7D57545A163}"/>
-              </a:ext>
-            </a:extLst>
-          </p:cNvPr>
-          <p:cNvSpPr>
-            <a:spLocks noGrp="1"/>
-          </p:cNvSpPr>
-          <p:nvPr>
-            <p:ph idx="1"/>
-          </p:nvPr>
-        </p:nvSpPr>
-        <p:spPr>
-          <a:xfrm>
-            <a:off x="365760" y="862719"/>
-            <a:ext cx="11369809" cy="4047778"/>
-          </a:xfrm>
-        </p:spPr>
-        <p:txBody>
-          <a:bodyPr/>
-          <a:lstStyle/>
-          <a:p>
-            <a:pPr marL="0" indent="0">
-              <a:buNone/>
-            </a:pPr>
-            <a:endParaRPr lang="en-US" sz="2000" b="1" dirty="0"/>
-          </a:p>
-          <a:p>
-            <a:pPr marL="0" indent="0">
-              <a:buNone/>
-            </a:pPr>
-            <a:r>
-              <a:rPr lang="en-US" sz="2000" b="1" dirty="0"/>
-              <a:t>License and Citation</a:t>
-            </a:r>
-          </a:p>
-          <a:p>
-            <a:pPr>
-              <a:spcBef>
-                <a:spcPts val="400"/>
-              </a:spcBef>
-            </a:pPr>
-            <a:r>
-              <a:rPr lang="en-US" sz="1800" b="1" dirty="0"/>
-              <a:t>The requested citation for this module is: Anshu Dubey, Scientific Software Testing, Software Productivity Track, in ATPESC 2020. DOI:</a:t>
-            </a:r>
-            <a:endParaRPr lang="en-US" sz="1800" dirty="0"/>
-          </a:p>
-          <a:p>
-            <a:pPr marL="0" indent="0">
-              <a:buNone/>
-            </a:pPr>
-            <a:endParaRPr lang="en-US" sz="2000" b="1" dirty="0"/>
-          </a:p>
-          <a:p>
-            <a:pPr marL="0" indent="0">
-              <a:buNone/>
-            </a:pPr>
-            <a:r>
-              <a:rPr lang="en-US" sz="2000" b="1" dirty="0"/>
-              <a:t>Acknowledgements</a:t>
-            </a:r>
-          </a:p>
-          <a:p>
-            <a:pPr>
-              <a:spcBef>
-                <a:spcPts val="600"/>
-              </a:spcBef>
-            </a:pPr>
-            <a:r>
-              <a:rPr lang="en-US" sz="1600" dirty="0"/>
-              <a:t>Additional contributors to this module include Alicia </a:t>
-            </a:r>
-            <a:r>
-              <a:rPr lang="en-US" sz="1600" dirty="0" err="1"/>
-              <a:t>Klinvex</a:t>
-            </a:r>
-            <a:r>
-              <a:rPr lang="en-US" sz="1600" dirty="0"/>
-              <a:t>, and Jared O’Neal,</a:t>
-            </a:r>
-          </a:p>
-          <a:p>
-            <a:pPr>
-              <a:spcBef>
-                <a:spcPts val="600"/>
-              </a:spcBef>
-            </a:pPr>
-            <a:r>
-              <a:rPr lang="en-US" sz="1600" dirty="0"/>
-              <a:t>This work was performed in part at the Argonne National Laboratory, which is managed by </a:t>
-            </a:r>
-            <a:r>
-              <a:rPr lang="en-US" sz="1600" dirty="0" err="1"/>
-              <a:t>UChicago</a:t>
-            </a:r>
-            <a:r>
-              <a:rPr lang="en-US" sz="1600" dirty="0"/>
-              <a:t> Argonne, LLC for the U.S. Department of Energy under Contract No. DE-AC02-06CH11357.</a:t>
-            </a:r>
-          </a:p>
-        </p:txBody>
-      </p:sp>
-      <p:pic>
-        <p:nvPicPr>
-          <p:cNvPr id="4" name="Picture 2" descr="https://licensebuttons.net/l/by/4.0/88x31.png">
-            <a:extLst>
-              <a:ext uri="{FF2B5EF4-FFF2-40B4-BE49-F238E27FC236}">
-                <a16:creationId xmlns:a16="http://schemas.microsoft.com/office/drawing/2014/main" id="{61840015-22A0-4634-A2DE-AA05F998FD3A}"/>
-              </a:ext>
-            </a:extLst>
-          </p:cNvPr>
-          <p:cNvPicPr>
-            <a:picLocks noChangeAspect="1" noChangeArrowheads="1"/>
-          </p:cNvPicPr>
-          <p:nvPr/>
-        </p:nvPicPr>
-        <p:blipFill>
-          <a:blip r:embed="rId2">
-            <a:extLst>
-              <a:ext uri="{28A0092B-C50C-407E-A947-70E740481C1C}">
-                <a14:useLocalDpi xmlns:a14="http://schemas.microsoft.com/office/drawing/2010/main" val="0"/>
-              </a:ext>
-            </a:extLst>
-          </a:blip>
-          <a:srcRect/>
-          <a:stretch>
-            <a:fillRect/>
-          </a:stretch>
-        </p:blipFill>
-        <p:spPr bwMode="auto">
-          <a:xfrm>
-            <a:off x="10249254" y="570111"/>
-            <a:ext cx="1661258" cy="585216"/>
-          </a:xfrm>
-          <a:prstGeom prst="rect">
-            <a:avLst/>
-          </a:prstGeom>
-          <a:noFill/>
-          <a:extLst>
-            <a:ext uri="{909E8E84-426E-40DD-AFC4-6F175D3DCCD1}">
-              <a14:hiddenFill xmlns:a14="http://schemas.microsoft.com/office/drawing/2010/main">
-                <a:solidFill>
-                  <a:srgbClr val="FFFFFF"/>
-                </a:solidFill>
-              </a14:hiddenFill>
-            </a:ext>
-          </a:extLst>
-        </p:spPr>
-      </p:pic>
-    </p:spTree>
-    <p:extLst>
-      <p:ext uri="{BB962C8B-B14F-4D97-AF65-F5344CB8AC3E}">
-        <p14:creationId xmlns:p14="http://schemas.microsoft.com/office/powerpoint/2010/main" val="1060209502"/>
-      </p:ext>
-    </p:extLst>
-  </p:cSld>
-  <p:clrMapOvr>
-    <a:masterClrMapping/>
-  </p:clrMapOvr>
-</p:sld>
-</file>
-
-<file path=ppt/slides/slide4.xml><?xml version="1.0" encoding="utf-8"?>
-<p:sld xmlns:a="http://schemas.openxmlformats.org/drawingml/2006/main" xmlns:r="http://schemas.openxmlformats.org/officeDocument/2006/relationships" xmlns:p="http://schemas.openxmlformats.org/presentationml/2006/main">
-  <p:cSld>
-    <p:spTree>
-      <p:nvGrpSpPr>
-        <p:cNvPr id="1" name=""/>
-        <p:cNvGrpSpPr/>
-        <p:nvPr/>
-      </p:nvGrpSpPr>
-      <p:grpSpPr>
-        <a:xfrm>
-          <a:off x="0" y="0"/>
-          <a:ext cx="0" cy="0"/>
-          <a:chOff x="0" y="0"/>
-          <a:chExt cx="0" cy="0"/>
-        </a:xfrm>
-      </p:grpSpPr>
-      <p:sp>
-        <p:nvSpPr>
           <p:cNvPr id="2" name="Title 1"/>
           <p:cNvSpPr>
             <a:spLocks noGrp="1"/>
@@ -13059,6 +12751,133 @@
 </p:sld>
 </file>
 
+<file path=ppt/slides/slide4.xml><?xml version="1.0" encoding="utf-8"?>
+<p:sld xmlns:a="http://schemas.openxmlformats.org/drawingml/2006/main" xmlns:r="http://schemas.openxmlformats.org/officeDocument/2006/relationships" xmlns:p="http://schemas.openxmlformats.org/presentationml/2006/main">
+  <p:cSld>
+    <p:spTree>
+      <p:nvGrpSpPr>
+        <p:cNvPr id="1" name=""/>
+        <p:cNvGrpSpPr/>
+        <p:nvPr/>
+      </p:nvGrpSpPr>
+      <p:grpSpPr>
+        <a:xfrm>
+          <a:off x="0" y="0"/>
+          <a:ext cx="0" cy="0"/>
+          <a:chOff x="0" y="0"/>
+          <a:chExt cx="0" cy="0"/>
+        </a:xfrm>
+      </p:grpSpPr>
+      <p:sp>
+        <p:nvSpPr>
+          <p:cNvPr id="2" name="Title 1"/>
+          <p:cNvSpPr>
+            <a:spLocks noGrp="1"/>
+          </p:cNvSpPr>
+          <p:nvPr>
+            <p:ph type="title"/>
+          </p:nvPr>
+        </p:nvSpPr>
+        <p:spPr/>
+        <p:txBody>
+          <a:bodyPr/>
+          <a:lstStyle/>
+          <a:p>
+            <a:r>
+              <a:rPr lang="en-US" dirty="0"/>
+              <a:t>Stages and types of verification</a:t>
+            </a:r>
+          </a:p>
+        </p:txBody>
+      </p:sp>
+      <p:sp>
+        <p:nvSpPr>
+          <p:cNvPr id="3" name="Content Placeholder 2"/>
+          <p:cNvSpPr>
+            <a:spLocks noGrp="1"/>
+          </p:cNvSpPr>
+          <p:nvPr>
+            <p:ph idx="1"/>
+          </p:nvPr>
+        </p:nvSpPr>
+        <p:spPr/>
+        <p:txBody>
+          <a:bodyPr>
+            <a:normAutofit/>
+          </a:bodyPr>
+          <a:lstStyle/>
+          <a:p>
+            <a:r>
+              <a:rPr lang="en-US" dirty="0"/>
+              <a:t>During initial code development</a:t>
+            </a:r>
+          </a:p>
+          <a:p>
+            <a:pPr lvl="1"/>
+            <a:r>
+              <a:rPr lang="en-US" dirty="0"/>
+              <a:t>Accuracy and stability </a:t>
+            </a:r>
+          </a:p>
+          <a:p>
+            <a:pPr lvl="1"/>
+            <a:r>
+              <a:rPr lang="en-US" dirty="0"/>
+              <a:t>Matching the algorithm to the model</a:t>
+            </a:r>
+          </a:p>
+          <a:p>
+            <a:pPr lvl="1"/>
+            <a:r>
+              <a:rPr lang="en-US" dirty="0"/>
+              <a:t>Interoperability of algorithms</a:t>
+            </a:r>
+          </a:p>
+          <a:p>
+            <a:r>
+              <a:rPr lang="en-US" dirty="0"/>
+              <a:t>In later stages</a:t>
+            </a:r>
+          </a:p>
+          <a:p>
+            <a:pPr lvl="1"/>
+            <a:r>
+              <a:rPr lang="en-US" dirty="0"/>
+              <a:t>While adding new major capabilities or modifying existing capabilities </a:t>
+            </a:r>
+          </a:p>
+          <a:p>
+            <a:pPr lvl="1"/>
+            <a:r>
+              <a:rPr lang="en-US" dirty="0"/>
+              <a:t>Ongoing maintenance </a:t>
+            </a:r>
+          </a:p>
+          <a:p>
+            <a:pPr lvl="1"/>
+            <a:r>
+              <a:rPr lang="en-US" dirty="0"/>
+              <a:t>Preparing for production</a:t>
+            </a:r>
+          </a:p>
+          <a:p>
+            <a:endParaRPr lang="en-US" dirty="0"/>
+          </a:p>
+        </p:txBody>
+      </p:sp>
+    </p:spTree>
+    <p:extLst>
+      <p:ext uri="{BB962C8B-B14F-4D97-AF65-F5344CB8AC3E}">
+        <p14:creationId xmlns:p14="http://schemas.microsoft.com/office/powerpoint/2010/main" val="1118392988"/>
+      </p:ext>
+    </p:extLst>
+  </p:cSld>
+  <p:clrMapOvr>
+    <a:masterClrMapping/>
+  </p:clrMapOvr>
+</p:sld>
+</file>
+
 <file path=ppt/slides/slide5.xml><?xml version="1.0" encoding="utf-8"?>
 <p:sld xmlns:a="http://schemas.openxmlformats.org/drawingml/2006/main" xmlns:r="http://schemas.openxmlformats.org/officeDocument/2006/relationships" xmlns:p="http://schemas.openxmlformats.org/presentationml/2006/main">
   <p:cSld>
@@ -13093,133 +12912,6 @@
           <a:p>
             <a:r>
               <a:rPr lang="en-US" dirty="0"/>
-              <a:t>Stages and types of verification</a:t>
-            </a:r>
-          </a:p>
-        </p:txBody>
-      </p:sp>
-      <p:sp>
-        <p:nvSpPr>
-          <p:cNvPr id="3" name="Content Placeholder 2"/>
-          <p:cNvSpPr>
-            <a:spLocks noGrp="1"/>
-          </p:cNvSpPr>
-          <p:nvPr>
-            <p:ph idx="1"/>
-          </p:nvPr>
-        </p:nvSpPr>
-        <p:spPr/>
-        <p:txBody>
-          <a:bodyPr>
-            <a:normAutofit/>
-          </a:bodyPr>
-          <a:lstStyle/>
-          <a:p>
-            <a:r>
-              <a:rPr lang="en-US" dirty="0"/>
-              <a:t>During initial code development</a:t>
-            </a:r>
-          </a:p>
-          <a:p>
-            <a:pPr lvl="1"/>
-            <a:r>
-              <a:rPr lang="en-US" dirty="0"/>
-              <a:t>Accuracy and stability </a:t>
-            </a:r>
-          </a:p>
-          <a:p>
-            <a:pPr lvl="1"/>
-            <a:r>
-              <a:rPr lang="en-US" dirty="0"/>
-              <a:t>Matching the algorithm to the model</a:t>
-            </a:r>
-          </a:p>
-          <a:p>
-            <a:pPr lvl="1"/>
-            <a:r>
-              <a:rPr lang="en-US" dirty="0"/>
-              <a:t>Interoperability of algorithms</a:t>
-            </a:r>
-          </a:p>
-          <a:p>
-            <a:r>
-              <a:rPr lang="en-US" dirty="0"/>
-              <a:t>In later stages</a:t>
-            </a:r>
-          </a:p>
-          <a:p>
-            <a:pPr lvl="1"/>
-            <a:r>
-              <a:rPr lang="en-US" dirty="0"/>
-              <a:t>While adding new major capabilities or modifying existing capabilities </a:t>
-            </a:r>
-          </a:p>
-          <a:p>
-            <a:pPr lvl="1"/>
-            <a:r>
-              <a:rPr lang="en-US" dirty="0"/>
-              <a:t>Ongoing maintenance </a:t>
-            </a:r>
-          </a:p>
-          <a:p>
-            <a:pPr lvl="1"/>
-            <a:r>
-              <a:rPr lang="en-US" dirty="0"/>
-              <a:t>Preparing for production</a:t>
-            </a:r>
-          </a:p>
-          <a:p>
-            <a:endParaRPr lang="en-US" dirty="0"/>
-          </a:p>
-        </p:txBody>
-      </p:sp>
-    </p:spTree>
-    <p:extLst>
-      <p:ext uri="{BB962C8B-B14F-4D97-AF65-F5344CB8AC3E}">
-        <p14:creationId xmlns:p14="http://schemas.microsoft.com/office/powerpoint/2010/main" val="1118392988"/>
-      </p:ext>
-    </p:extLst>
-  </p:cSld>
-  <p:clrMapOvr>
-    <a:masterClrMapping/>
-  </p:clrMapOvr>
-</p:sld>
-</file>
-
-<file path=ppt/slides/slide6.xml><?xml version="1.0" encoding="utf-8"?>
-<p:sld xmlns:a="http://schemas.openxmlformats.org/drawingml/2006/main" xmlns:r="http://schemas.openxmlformats.org/officeDocument/2006/relationships" xmlns:p="http://schemas.openxmlformats.org/presentationml/2006/main">
-  <p:cSld>
-    <p:spTree>
-      <p:nvGrpSpPr>
-        <p:cNvPr id="1" name=""/>
-        <p:cNvGrpSpPr/>
-        <p:nvPr/>
-      </p:nvGrpSpPr>
-      <p:grpSpPr>
-        <a:xfrm>
-          <a:off x="0" y="0"/>
-          <a:ext cx="0" cy="0"/>
-          <a:chOff x="0" y="0"/>
-          <a:chExt cx="0" cy="0"/>
-        </a:xfrm>
-      </p:grpSpPr>
-      <p:sp>
-        <p:nvSpPr>
-          <p:cNvPr id="2" name="Title 1"/>
-          <p:cNvSpPr>
-            <a:spLocks noGrp="1"/>
-          </p:cNvSpPr>
-          <p:nvPr>
-            <p:ph type="title"/>
-          </p:nvPr>
-        </p:nvSpPr>
-        <p:spPr/>
-        <p:txBody>
-          <a:bodyPr/>
-          <a:lstStyle/>
-          <a:p>
-            <a:r>
-              <a:rPr lang="en-US" dirty="0"/>
               <a:t>Verification Challenges</a:t>
             </a:r>
           </a:p>
@@ -13306,7 +12998,7 @@
 </p:sld>
 </file>
 
-<file path=ppt/slides/slide7.xml><?xml version="1.0" encoding="utf-8"?>
+<file path=ppt/slides/slide6.xml><?xml version="1.0" encoding="utf-8"?>
 <p:sld xmlns:a="http://schemas.openxmlformats.org/drawingml/2006/main" xmlns:r="http://schemas.openxmlformats.org/officeDocument/2006/relationships" xmlns:p="http://schemas.openxmlformats.org/presentationml/2006/main">
   <p:cSld>
     <p:spTree>
@@ -13468,7 +13160,7 @@
 </p:sld>
 </file>
 
-<file path=ppt/slides/slide8.xml><?xml version="1.0" encoding="utf-8"?>
+<file path=ppt/slides/slide7.xml><?xml version="1.0" encoding="utf-8"?>
 <p:sld xmlns:a="http://schemas.openxmlformats.org/drawingml/2006/main" xmlns:r="http://schemas.openxmlformats.org/officeDocument/2006/relationships" xmlns:p="http://schemas.openxmlformats.org/presentationml/2006/main">
   <p:cSld>
     <p:spTree>
@@ -13658,7 +13350,7 @@
 </p:sld>
 </file>
 
-<file path=ppt/slides/slide9.xml><?xml version="1.0" encoding="utf-8"?>
+<file path=ppt/slides/slide8.xml><?xml version="1.0" encoding="utf-8"?>
 <p:sld xmlns:a="http://schemas.openxmlformats.org/drawingml/2006/main" xmlns:r="http://schemas.openxmlformats.org/officeDocument/2006/relationships" xmlns:p="http://schemas.openxmlformats.org/presentationml/2006/main">
   <p:cSld>
     <p:spTree>
@@ -13869,6 +13561,142 @@
     <p:extLst>
       <p:ext uri="{BB962C8B-B14F-4D97-AF65-F5344CB8AC3E}">
         <p14:creationId xmlns:p14="http://schemas.microsoft.com/office/powerpoint/2010/main" val="3445731576"/>
+      </p:ext>
+    </p:extLst>
+  </p:cSld>
+  <p:clrMapOvr>
+    <a:masterClrMapping/>
+  </p:clrMapOvr>
+</p:sld>
+</file>
+
+<file path=ppt/slides/slide9.xml><?xml version="1.0" encoding="utf-8"?>
+<p:sld xmlns:a="http://schemas.openxmlformats.org/drawingml/2006/main" xmlns:r="http://schemas.openxmlformats.org/officeDocument/2006/relationships" xmlns:p="http://schemas.openxmlformats.org/presentationml/2006/main">
+  <p:cSld>
+    <p:spTree>
+      <p:nvGrpSpPr>
+        <p:cNvPr id="1" name=""/>
+        <p:cNvGrpSpPr/>
+        <p:nvPr/>
+      </p:nvGrpSpPr>
+      <p:grpSpPr>
+        <a:xfrm>
+          <a:off x="0" y="0"/>
+          <a:ext cx="0" cy="0"/>
+          <a:chOff x="0" y="0"/>
+          <a:chExt cx="0" cy="0"/>
+        </a:xfrm>
+      </p:grpSpPr>
+      <p:sp>
+        <p:nvSpPr>
+          <p:cNvPr id="2" name="Title 1"/>
+          <p:cNvSpPr>
+            <a:spLocks noGrp="1"/>
+          </p:cNvSpPr>
+          <p:nvPr>
+            <p:ph type="title"/>
+          </p:nvPr>
+        </p:nvSpPr>
+        <p:spPr/>
+        <p:txBody>
+          <a:bodyPr/>
+          <a:lstStyle/>
+          <a:p>
+            <a:r>
+              <a:rPr lang="en-US" dirty="0"/>
+              <a:t>Test Development For a New Code</a:t>
+            </a:r>
+          </a:p>
+        </p:txBody>
+      </p:sp>
+      <p:sp>
+        <p:nvSpPr>
+          <p:cNvPr id="3" name="Content Placeholder 2"/>
+          <p:cNvSpPr>
+            <a:spLocks noGrp="1"/>
+          </p:cNvSpPr>
+          <p:nvPr>
+            <p:ph sz="quarter" idx="1"/>
+          </p:nvPr>
+        </p:nvSpPr>
+        <p:spPr>
+          <a:xfrm>
+            <a:off x="574482" y="1078043"/>
+            <a:ext cx="8985154" cy="4269812"/>
+          </a:xfrm>
+        </p:spPr>
+        <p:txBody>
+          <a:bodyPr>
+            <a:normAutofit/>
+          </a:bodyPr>
+          <a:lstStyle/>
+          <a:p>
+            <a:r>
+              <a:rPr lang="en-US" dirty="0"/>
+              <a:t>Development of tests and diagnostics goes hand-in-hand with code development</a:t>
+            </a:r>
+          </a:p>
+          <a:p>
+            <a:pPr lvl="1"/>
+            <a:endParaRPr lang="en-US" dirty="0"/>
+          </a:p>
+          <a:p>
+            <a:pPr lvl="1"/>
+            <a:r>
+              <a:rPr lang="en-US" dirty="0"/>
+              <a:t>Non-trivial to devise good tests, but extremely important</a:t>
+            </a:r>
+          </a:p>
+          <a:p>
+            <a:pPr lvl="1"/>
+            <a:r>
+              <a:rPr lang="en-US" dirty="0"/>
+              <a:t>Compare against simpler analytical or semi-analytical solutions</a:t>
+            </a:r>
+          </a:p>
+          <a:p>
+            <a:pPr lvl="1"/>
+            <a:r>
+              <a:rPr lang="en-US" dirty="0"/>
+              <a:t>Build granularity into testing</a:t>
+            </a:r>
+          </a:p>
+          <a:p>
+            <a:pPr lvl="1"/>
+            <a:r>
+              <a:rPr lang="en-US" dirty="0"/>
+              <a:t>Use scaffolding ideas to build confidence </a:t>
+            </a:r>
+          </a:p>
+          <a:p>
+            <a:pPr lvl="1"/>
+            <a:r>
+              <a:rPr lang="en-US" dirty="0"/>
+              <a:t>Always inject errors to verify that the test is working</a:t>
+            </a:r>
+          </a:p>
+          <a:p>
+            <a:pPr lvl="1"/>
+            <a:endParaRPr lang="en-US" dirty="0"/>
+          </a:p>
+          <a:p>
+            <a:pPr marL="684212" lvl="2" indent="0">
+              <a:buNone/>
+            </a:pPr>
+            <a:endParaRPr lang="en-US" dirty="0"/>
+          </a:p>
+          <a:p>
+            <a:pPr marL="0" indent="0">
+              <a:buNone/>
+            </a:pPr>
+            <a:endParaRPr lang="en-US" dirty="0"/>
+          </a:p>
+        </p:txBody>
+      </p:sp>
+    </p:spTree>
+    <p:extLst>
+      <p:ext uri="{BB962C8B-B14F-4D97-AF65-F5344CB8AC3E}">
+        <p14:creationId xmlns:p14="http://schemas.microsoft.com/office/powerpoint/2010/main" val="3446077621"/>
       </p:ext>
     </p:extLst>
   </p:cSld>
@@ -14791,6 +14619,21 @@
 </file>
 
 <file path=customXml/item1.xml><?xml version="1.0" encoding="utf-8"?>
+<?mso-contentType ?>
+<FormTemplates xmlns="http://schemas.microsoft.com/sharepoint/v3/contenttype/forms">
+  <Display>DocumentLibraryForm</Display>
+  <Edit>DocumentLibraryForm</Edit>
+  <New>DocumentLibraryForm</New>
+</FormTemplates>
+</file>
+
+<file path=customXml/item2.xml><?xml version="1.0" encoding="utf-8"?>
+<p:properties xmlns:p="http://schemas.microsoft.com/office/2006/metadata/properties" xmlns:xsi="http://www.w3.org/2001/XMLSchema-instance" xmlns:pc="http://schemas.microsoft.com/office/infopath/2007/PartnerControls">
+  <documentManagement/>
+</p:properties>
+</file>
+
+<file path=customXml/item3.xml><?xml version="1.0" encoding="utf-8"?>
 <ct:contentTypeSchema xmlns:ct="http://schemas.microsoft.com/office/2006/metadata/contentType" xmlns:ma="http://schemas.microsoft.com/office/2006/metadata/properties/metaAttributes" ct:_="" ma:_="" ma:contentTypeName="Document" ma:contentTypeID="0x010100565464437F680748A68B85EB6594EA7D" ma:contentTypeVersion="0" ma:contentTypeDescription="Create a new document." ma:contentTypeScope="" ma:versionID="fe3f4dd58d5914c51cfc6deaa8ad845c">
   <xsd:schema xmlns:xsd="http://www.w3.org/2001/XMLSchema" xmlns:p="http://schemas.microsoft.com/office/2006/metadata/properties" targetNamespace="http://schemas.microsoft.com/office/2006/metadata/properties" ma:root="true" ma:fieldsID="4aeb20c0e3442673af7ee10786458764">
     <xsd:element name="properties">
@@ -14839,22 +14682,30 @@
 </ct:contentTypeSchema>
 </file>
 
-<file path=customXml/item2.xml><?xml version="1.0" encoding="utf-8"?>
-<?mso-contentType ?>
-<FormTemplates xmlns="http://schemas.microsoft.com/sharepoint/v3/contenttype/forms">
-  <Display>DocumentLibraryForm</Display>
-  <Edit>DocumentLibraryForm</Edit>
-  <New>DocumentLibraryForm</New>
-</FormTemplates>
+<file path=customXml/itemProps1.xml><?xml version="1.0" encoding="utf-8"?>
+<ds:datastoreItem xmlns:ds="http://schemas.openxmlformats.org/officeDocument/2006/customXml" ds:itemID="{19E20559-B232-4371-8690-E3D8007EDB82}">
+  <ds:schemaRefs>
+    <ds:schemaRef ds:uri="http://schemas.microsoft.com/sharepoint/v3/contenttype/forms"/>
+  </ds:schemaRefs>
+</ds:datastoreItem>
 </file>
 
-<file path=customXml/item3.xml><?xml version="1.0" encoding="utf-8"?>
-<p:properties xmlns:p="http://schemas.microsoft.com/office/2006/metadata/properties" xmlns:xsi="http://www.w3.org/2001/XMLSchema-instance" xmlns:pc="http://schemas.microsoft.com/office/infopath/2007/PartnerControls">
-  <documentManagement/>
-</p:properties>
+<file path=customXml/itemProps2.xml><?xml version="1.0" encoding="utf-8"?>
+<ds:datastoreItem xmlns:ds="http://schemas.openxmlformats.org/officeDocument/2006/customXml" ds:itemID="{A50EC660-24D0-43A0-AE5E-E274115E726B}">
+  <ds:schemaRefs>
+    <ds:schemaRef ds:uri="http://purl.org/dc/terms/"/>
+    <ds:schemaRef ds:uri="http://schemas.openxmlformats.org/package/2006/metadata/core-properties"/>
+    <ds:schemaRef ds:uri="http://schemas.microsoft.com/office/2006/documentManagement/types"/>
+    <ds:schemaRef ds:uri="http://purl.org/dc/elements/1.1/"/>
+    <ds:schemaRef ds:uri="http://schemas.microsoft.com/office/2006/metadata/properties"/>
+    <ds:schemaRef ds:uri="http://www.w3.org/XML/1998/namespace"/>
+    <ds:schemaRef ds:uri="http://purl.org/dc/dcmitype/"/>
+    <ds:schemaRef ds:uri="http://schemas.microsoft.com/office/infopath/2007/PartnerControls"/>
+  </ds:schemaRefs>
+</ds:datastoreItem>
 </file>
 
-<file path=customXml/itemProps1.xml><?xml version="1.0" encoding="utf-8"?>
+<file path=customXml/itemProps3.xml><?xml version="1.0" encoding="utf-8"?>
 <ds:datastoreItem xmlns:ds="http://schemas.openxmlformats.org/officeDocument/2006/customXml" ds:itemID="{E8DB7DEB-074E-4EE8-9B6E-FD277323109C}">
   <ds:schemaRefs>
     <ds:schemaRef ds:uri="http://schemas.microsoft.com/office/2006/metadata/contentType"/>
@@ -14867,27 +14718,4 @@
     <ds:schemaRef ds:uri="http://schemas.microsoft.com/office/internal/2005/internalDocumentation"/>
   </ds:schemaRefs>
 </ds:datastoreItem>
-</file>
-
-<file path=customXml/itemProps2.xml><?xml version="1.0" encoding="utf-8"?>
-<ds:datastoreItem xmlns:ds="http://schemas.openxmlformats.org/officeDocument/2006/customXml" ds:itemID="{19E20559-B232-4371-8690-E3D8007EDB82}">
-  <ds:schemaRefs>
-    <ds:schemaRef ds:uri="http://schemas.microsoft.com/sharepoint/v3/contenttype/forms"/>
-  </ds:schemaRefs>
-</ds:datastoreItem>
-</file>
-
-<file path=customXml/itemProps3.xml><?xml version="1.0" encoding="utf-8"?>
-<ds:datastoreItem xmlns:ds="http://schemas.openxmlformats.org/officeDocument/2006/customXml" ds:itemID="{A50EC660-24D0-43A0-AE5E-E274115E726B}">
-  <ds:schemaRefs>
-    <ds:schemaRef ds:uri="http://purl.org/dc/terms/"/>
-    <ds:schemaRef ds:uri="http://schemas.openxmlformats.org/package/2006/metadata/core-properties"/>
-    <ds:schemaRef ds:uri="http://schemas.microsoft.com/office/2006/documentManagement/types"/>
-    <ds:schemaRef ds:uri="http://purl.org/dc/elements/1.1/"/>
-    <ds:schemaRef ds:uri="http://schemas.microsoft.com/office/2006/metadata/properties"/>
-    <ds:schemaRef ds:uri="http://www.w3.org/XML/1998/namespace"/>
-    <ds:schemaRef ds:uri="http://purl.org/dc/dcmitype/"/>
-    <ds:schemaRef ds:uri="http://schemas.microsoft.com/office/infopath/2007/PartnerControls"/>
-  </ds:schemaRefs>
-</ds:datastoreItem>
 </file>